--- a/lectures/Проектное управление 1.pptx
+++ b/lectures/Проектное управление 1.pptx
@@ -7,42 +7,40 @@
   <p:sldIdLst>
     <p:sldId id="256" r:id="rId2"/>
     <p:sldId id="257" r:id="rId3"/>
-    <p:sldId id="293" r:id="rId4"/>
-    <p:sldId id="258" r:id="rId5"/>
-    <p:sldId id="260" r:id="rId6"/>
-    <p:sldId id="262" r:id="rId7"/>
-    <p:sldId id="259" r:id="rId8"/>
-    <p:sldId id="261" r:id="rId9"/>
-    <p:sldId id="263" r:id="rId10"/>
-    <p:sldId id="264" r:id="rId11"/>
-    <p:sldId id="265" r:id="rId12"/>
-    <p:sldId id="266" r:id="rId13"/>
-    <p:sldId id="267" r:id="rId14"/>
-    <p:sldId id="268" r:id="rId15"/>
-    <p:sldId id="269" r:id="rId16"/>
-    <p:sldId id="270" r:id="rId17"/>
-    <p:sldId id="271" r:id="rId18"/>
-    <p:sldId id="273" r:id="rId19"/>
-    <p:sldId id="274" r:id="rId20"/>
-    <p:sldId id="275" r:id="rId21"/>
-    <p:sldId id="276" r:id="rId22"/>
-    <p:sldId id="277" r:id="rId23"/>
-    <p:sldId id="278" r:id="rId24"/>
-    <p:sldId id="279" r:id="rId25"/>
-    <p:sldId id="280" r:id="rId26"/>
-    <p:sldId id="281" r:id="rId27"/>
-    <p:sldId id="283" r:id="rId28"/>
-    <p:sldId id="282" r:id="rId29"/>
-    <p:sldId id="284" r:id="rId30"/>
-    <p:sldId id="285" r:id="rId31"/>
-    <p:sldId id="286" r:id="rId32"/>
-    <p:sldId id="287" r:id="rId33"/>
-    <p:sldId id="288" r:id="rId34"/>
-    <p:sldId id="289" r:id="rId35"/>
-    <p:sldId id="290" r:id="rId36"/>
-    <p:sldId id="292" r:id="rId37"/>
-    <p:sldId id="291" r:id="rId38"/>
-    <p:sldId id="294" r:id="rId39"/>
+    <p:sldId id="258" r:id="rId4"/>
+    <p:sldId id="260" r:id="rId5"/>
+    <p:sldId id="262" r:id="rId6"/>
+    <p:sldId id="259" r:id="rId7"/>
+    <p:sldId id="261" r:id="rId8"/>
+    <p:sldId id="263" r:id="rId9"/>
+    <p:sldId id="264" r:id="rId10"/>
+    <p:sldId id="265" r:id="rId11"/>
+    <p:sldId id="266" r:id="rId12"/>
+    <p:sldId id="267" r:id="rId13"/>
+    <p:sldId id="268" r:id="rId14"/>
+    <p:sldId id="269" r:id="rId15"/>
+    <p:sldId id="270" r:id="rId16"/>
+    <p:sldId id="271" r:id="rId17"/>
+    <p:sldId id="273" r:id="rId18"/>
+    <p:sldId id="274" r:id="rId19"/>
+    <p:sldId id="275" r:id="rId20"/>
+    <p:sldId id="276" r:id="rId21"/>
+    <p:sldId id="277" r:id="rId22"/>
+    <p:sldId id="278" r:id="rId23"/>
+    <p:sldId id="279" r:id="rId24"/>
+    <p:sldId id="280" r:id="rId25"/>
+    <p:sldId id="281" r:id="rId26"/>
+    <p:sldId id="283" r:id="rId27"/>
+    <p:sldId id="282" r:id="rId28"/>
+    <p:sldId id="284" r:id="rId29"/>
+    <p:sldId id="285" r:id="rId30"/>
+    <p:sldId id="286" r:id="rId31"/>
+    <p:sldId id="287" r:id="rId32"/>
+    <p:sldId id="288" r:id="rId33"/>
+    <p:sldId id="289" r:id="rId34"/>
+    <p:sldId id="290" r:id="rId35"/>
+    <p:sldId id="292" r:id="rId36"/>
+    <p:sldId id="294" r:id="rId37"/>
   </p:sldIdLst>
   <p:sldSz cx="12192000" cy="6858000"/>
   <p:notesSz cx="6858000" cy="9144000"/>
@@ -141,6 +139,11 @@
       </a:defRPr>
     </a:lvl9pPr>
   </p:defaultTextStyle>
+  <p:extLst>
+    <p:ext uri="{EFAFB233-063F-42B5-8137-9DF3F51BA10A}">
+      <p15:sldGuideLst xmlns:p15="http://schemas.microsoft.com/office/powerpoint/2012/main"/>
+    </p:ext>
+  </p:extLst>
 </p:presentation>
 </file>
 
@@ -291,7 +294,7 @@
           <a:p>
             <a:fld id="{3AB4D4E3-ABDE-F346-B33C-4C8C1969D2B4}" type="datetimeFigureOut">
               <a:rPr lang="ru-RU" smtClean="0"/>
-              <a:t>01.03.2025</a:t>
+              <a:t>21.02.2026</a:t>
             </a:fld>
             <a:endParaRPr lang="ru-RU"/>
           </a:p>
@@ -489,7 +492,7 @@
           <a:p>
             <a:fld id="{3AB4D4E3-ABDE-F346-B33C-4C8C1969D2B4}" type="datetimeFigureOut">
               <a:rPr lang="ru-RU" smtClean="0"/>
-              <a:t>01.03.2025</a:t>
+              <a:t>21.02.2026</a:t>
             </a:fld>
             <a:endParaRPr lang="ru-RU"/>
           </a:p>
@@ -697,7 +700,7 @@
           <a:p>
             <a:fld id="{3AB4D4E3-ABDE-F346-B33C-4C8C1969D2B4}" type="datetimeFigureOut">
               <a:rPr lang="ru-RU" smtClean="0"/>
-              <a:t>01.03.2025</a:t>
+              <a:t>21.02.2026</a:t>
             </a:fld>
             <a:endParaRPr lang="ru-RU"/>
           </a:p>
@@ -895,7 +898,7 @@
           <a:p>
             <a:fld id="{3AB4D4E3-ABDE-F346-B33C-4C8C1969D2B4}" type="datetimeFigureOut">
               <a:rPr lang="ru-RU" smtClean="0"/>
-              <a:t>01.03.2025</a:t>
+              <a:t>21.02.2026</a:t>
             </a:fld>
             <a:endParaRPr lang="ru-RU"/>
           </a:p>
@@ -1170,7 +1173,7 @@
           <a:p>
             <a:fld id="{3AB4D4E3-ABDE-F346-B33C-4C8C1969D2B4}" type="datetimeFigureOut">
               <a:rPr lang="ru-RU" smtClean="0"/>
-              <a:t>01.03.2025</a:t>
+              <a:t>21.02.2026</a:t>
             </a:fld>
             <a:endParaRPr lang="ru-RU"/>
           </a:p>
@@ -1435,7 +1438,7 @@
           <a:p>
             <a:fld id="{3AB4D4E3-ABDE-F346-B33C-4C8C1969D2B4}" type="datetimeFigureOut">
               <a:rPr lang="ru-RU" smtClean="0"/>
-              <a:t>01.03.2025</a:t>
+              <a:t>21.02.2026</a:t>
             </a:fld>
             <a:endParaRPr lang="ru-RU"/>
           </a:p>
@@ -1847,7 +1850,7 @@
           <a:p>
             <a:fld id="{3AB4D4E3-ABDE-F346-B33C-4C8C1969D2B4}" type="datetimeFigureOut">
               <a:rPr lang="ru-RU" smtClean="0"/>
-              <a:t>01.03.2025</a:t>
+              <a:t>21.02.2026</a:t>
             </a:fld>
             <a:endParaRPr lang="ru-RU"/>
           </a:p>
@@ -1988,7 +1991,7 @@
           <a:p>
             <a:fld id="{3AB4D4E3-ABDE-F346-B33C-4C8C1969D2B4}" type="datetimeFigureOut">
               <a:rPr lang="ru-RU" smtClean="0"/>
-              <a:t>01.03.2025</a:t>
+              <a:t>21.02.2026</a:t>
             </a:fld>
             <a:endParaRPr lang="ru-RU"/>
           </a:p>
@@ -2101,7 +2104,7 @@
           <a:p>
             <a:fld id="{3AB4D4E3-ABDE-F346-B33C-4C8C1969D2B4}" type="datetimeFigureOut">
               <a:rPr lang="ru-RU" smtClean="0"/>
-              <a:t>01.03.2025</a:t>
+              <a:t>21.02.2026</a:t>
             </a:fld>
             <a:endParaRPr lang="ru-RU"/>
           </a:p>
@@ -2412,7 +2415,7 @@
           <a:p>
             <a:fld id="{3AB4D4E3-ABDE-F346-B33C-4C8C1969D2B4}" type="datetimeFigureOut">
               <a:rPr lang="ru-RU" smtClean="0"/>
-              <a:t>01.03.2025</a:t>
+              <a:t>21.02.2026</a:t>
             </a:fld>
             <a:endParaRPr lang="ru-RU"/>
           </a:p>
@@ -2700,7 +2703,7 @@
           <a:p>
             <a:fld id="{3AB4D4E3-ABDE-F346-B33C-4C8C1969D2B4}" type="datetimeFigureOut">
               <a:rPr lang="ru-RU" smtClean="0"/>
-              <a:t>01.03.2025</a:t>
+              <a:t>21.02.2026</a:t>
             </a:fld>
             <a:endParaRPr lang="ru-RU"/>
           </a:p>
@@ -2941,7 +2944,7 @@
           <a:p>
             <a:fld id="{3AB4D4E3-ABDE-F346-B33C-4C8C1969D2B4}" type="datetimeFigureOut">
               <a:rPr lang="ru-RU" smtClean="0"/>
-              <a:t>01.03.2025</a:t>
+              <a:t>21.02.2026</a:t>
             </a:fld>
             <a:endParaRPr lang="ru-RU"/>
           </a:p>
@@ -3475,7 +3478,15 @@
           <a:p>
             <a:r>
               <a:rPr lang="ru-RU" dirty="0"/>
-              <a:t>Этап 3 – контроль стадий</a:t>
+              <a:t>Этап 4 – переход на следующий </a:t>
+            </a:r>
+            <a:r>
+              <a:rPr lang="ru-RU" strike="sngStrike" dirty="0"/>
+              <a:t>уровень</a:t>
+            </a:r>
+            <a:r>
+              <a:rPr lang="ru-RU" dirty="0"/>
+              <a:t> стадию</a:t>
             </a:r>
           </a:p>
         </p:txBody>
@@ -3506,7 +3517,22 @@
             </a:pPr>
             <a:r>
               <a:rPr lang="ru-RU" dirty="0"/>
-              <a:t>На этапом этапе</a:t>
+              <a:t>На данном этапе определяется возможность перехода на следующую стадию проекта (тут зависит от модели проектного управления)</a:t>
+            </a:r>
+          </a:p>
+          <a:p>
+            <a:pPr marL="0" indent="0">
+              <a:buNone/>
+            </a:pPr>
+            <a:endParaRPr lang="ru-RU" dirty="0"/>
+          </a:p>
+          <a:p>
+            <a:pPr marL="0" indent="0">
+              <a:buNone/>
+            </a:pPr>
+            <a:r>
+              <a:rPr lang="ru-RU" dirty="0"/>
+              <a:t>Этапы</a:t>
             </a:r>
             <a:r>
               <a:rPr lang="en-US" dirty="0"/>
@@ -3519,7 +3545,15 @@
             </a:pPr>
             <a:r>
               <a:rPr lang="ru-RU" dirty="0"/>
-              <a:t>Проверка прогресса работ (задачи выполняются вовремя и в рамках бюджета)</a:t>
+              <a:t>Закрытие </a:t>
+            </a:r>
+            <a:r>
+              <a:rPr lang="ru-RU" dirty="0" err="1"/>
+              <a:t>майлстоуна</a:t>
+            </a:r>
+            <a:r>
+              <a:rPr lang="ru-RU" dirty="0"/>
+              <a:t> (плана или набора задач)</a:t>
             </a:r>
           </a:p>
           <a:p>
@@ -3528,20 +3562,12 @@
             </a:pPr>
             <a:r>
               <a:rPr lang="ru-RU" dirty="0"/>
-              <a:t>Риск менеджмент</a:t>
-            </a:r>
-            <a:r>
-              <a:rPr lang="en-US" dirty="0"/>
-              <a:t>, </a:t>
-            </a:r>
-            <a:r>
-              <a:rPr lang="ru-RU" dirty="0"/>
-              <a:t>контроль плана</a:t>
-            </a:r>
-          </a:p>
-          <a:p>
-            <a:pPr marL="514350" indent="-514350">
-              <a:buAutoNum type="arabicPeriod"/>
+              <a:t>В зависимости от методологии переход на следующую стадию с новым началом цикла работ или завершение стадии в целом</a:t>
+            </a:r>
+          </a:p>
+          <a:p>
+            <a:pPr marL="0" indent="0">
+              <a:buNone/>
             </a:pPr>
             <a:endParaRPr lang="ru-RU" dirty="0"/>
           </a:p>
@@ -3550,7 +3576,7 @@
     </p:spTree>
     <p:extLst>
       <p:ext uri="{BB962C8B-B14F-4D97-AF65-F5344CB8AC3E}">
-        <p14:creationId xmlns:p14="http://schemas.microsoft.com/office/powerpoint/2010/main" val="2257779272"/>
+        <p14:creationId xmlns:p14="http://schemas.microsoft.com/office/powerpoint/2010/main" val="552867176"/>
       </p:ext>
     </p:extLst>
   </p:cSld>
@@ -3600,15 +3626,7 @@
           <a:p>
             <a:r>
               <a:rPr lang="ru-RU" dirty="0"/>
-              <a:t>Этап 4 – переход на следующий </a:t>
-            </a:r>
-            <a:r>
-              <a:rPr lang="ru-RU" strike="sngStrike" dirty="0"/>
-              <a:t>уровень</a:t>
-            </a:r>
-            <a:r>
-              <a:rPr lang="ru-RU" dirty="0"/>
-              <a:t> стадию</a:t>
+              <a:t>Этап 5 – закрытие проекта</a:t>
             </a:r>
           </a:p>
         </p:txBody>
@@ -3639,22 +3657,7 @@
             </a:pPr>
             <a:r>
               <a:rPr lang="ru-RU" dirty="0"/>
-              <a:t>На данном этапе определяется возможность перехода на следующую стадию проекта (тут зависит от модели проектного управления)</a:t>
-            </a:r>
-          </a:p>
-          <a:p>
-            <a:pPr marL="0" indent="0">
-              <a:buNone/>
-            </a:pPr>
-            <a:endParaRPr lang="ru-RU" dirty="0"/>
-          </a:p>
-          <a:p>
-            <a:pPr marL="0" indent="0">
-              <a:buNone/>
-            </a:pPr>
-            <a:r>
-              <a:rPr lang="ru-RU" dirty="0"/>
-              <a:t>Этапы</a:t>
+              <a:t>Включается следующее</a:t>
             </a:r>
             <a:r>
               <a:rPr lang="en-US" dirty="0"/>
@@ -3667,15 +3670,15 @@
             </a:pPr>
             <a:r>
               <a:rPr lang="ru-RU" dirty="0"/>
-              <a:t>Закрытие </a:t>
-            </a:r>
-            <a:r>
-              <a:rPr lang="ru-RU" dirty="0" err="1"/>
-              <a:t>майлстоуна</a:t>
-            </a:r>
-            <a:r>
-              <a:rPr lang="ru-RU" dirty="0"/>
-              <a:t> (плана или набора задач)</a:t>
+              <a:t>Подведение итогов (проверка работ</a:t>
+            </a:r>
+            <a:r>
+              <a:rPr lang="en-US" dirty="0"/>
+              <a:t>, </a:t>
+            </a:r>
+            <a:r>
+              <a:rPr lang="ru-RU" dirty="0"/>
+              <a:t>финальное тестирование)</a:t>
             </a:r>
           </a:p>
           <a:p>
@@ -3684,21 +3687,24 @@
             </a:pPr>
             <a:r>
               <a:rPr lang="ru-RU" dirty="0"/>
-              <a:t>В зависимости от методологии переход на следующую стадию с новым началом цикла работ или завершение стадии в целом</a:t>
-            </a:r>
-          </a:p>
-          <a:p>
-            <a:pPr marL="0" indent="0">
-              <a:buNone/>
-            </a:pPr>
-            <a:endParaRPr lang="ru-RU" dirty="0"/>
+              <a:t>Введение в эксплуатацию</a:t>
+            </a:r>
+          </a:p>
+          <a:p>
+            <a:pPr marL="514350" indent="-514350">
+              <a:buAutoNum type="arabicPeriod"/>
+            </a:pPr>
+            <a:r>
+              <a:rPr lang="ru-RU" dirty="0"/>
+              <a:t>Анализ и «уроки» для следующих проектов </a:t>
+            </a:r>
           </a:p>
         </p:txBody>
       </p:sp>
     </p:spTree>
     <p:extLst>
       <p:ext uri="{BB962C8B-B14F-4D97-AF65-F5344CB8AC3E}">
-        <p14:creationId xmlns:p14="http://schemas.microsoft.com/office/powerpoint/2010/main" val="552867176"/>
+        <p14:creationId xmlns:p14="http://schemas.microsoft.com/office/powerpoint/2010/main" val="3350141338"/>
       </p:ext>
     </p:extLst>
   </p:cSld>
@@ -3748,7 +3754,7 @@
           <a:p>
             <a:r>
               <a:rPr lang="ru-RU" dirty="0"/>
-              <a:t>Этап 5 – закрытие проекта</a:t>
+              <a:t>Жизненный кейс</a:t>
             </a:r>
           </a:p>
         </p:txBody>
@@ -3771,7 +3777,9 @@
         </p:nvSpPr>
         <p:spPr/>
         <p:txBody>
-          <a:bodyPr/>
+          <a:bodyPr>
+            <a:normAutofit fontScale="85000" lnSpcReduction="20000"/>
+          </a:bodyPr>
           <a:lstStyle/>
           <a:p>
             <a:pPr marL="0" indent="0">
@@ -3779,11 +3787,74 @@
             </a:pPr>
             <a:r>
               <a:rPr lang="ru-RU" dirty="0"/>
-              <a:t>Включается следующее</a:t>
+              <a:t>Глобальная цель – улучшение поиска на сайте аптека25</a:t>
             </a:r>
             <a:r>
               <a:rPr lang="en-US" dirty="0"/>
-              <a:t>:</a:t>
+              <a:t>.</a:t>
+            </a:r>
+            <a:r>
+              <a:rPr lang="ru-RU" dirty="0" err="1"/>
+              <a:t>рф</a:t>
+            </a:r>
+            <a:endParaRPr lang="ru-RU" dirty="0"/>
+          </a:p>
+          <a:p>
+            <a:pPr marL="0" indent="0">
+              <a:buNone/>
+            </a:pPr>
+            <a:endParaRPr lang="ru-RU" dirty="0"/>
+          </a:p>
+          <a:p>
+            <a:pPr marL="0" indent="0">
+              <a:buNone/>
+            </a:pPr>
+            <a:r>
+              <a:rPr lang="ru-RU" dirty="0"/>
+              <a:t>Этап 1 – определение проблемы</a:t>
+            </a:r>
+            <a:r>
+              <a:rPr lang="en-US" dirty="0"/>
+              <a:t>, </a:t>
+            </a:r>
+            <a:r>
+              <a:rPr lang="ru-RU" dirty="0"/>
+              <a:t>цель</a:t>
+            </a:r>
+            <a:r>
+              <a:rPr lang="en-US" dirty="0"/>
+              <a:t>, </a:t>
+            </a:r>
+            <a:r>
+              <a:rPr lang="ru-RU" dirty="0"/>
+              <a:t>требования</a:t>
+            </a:r>
+            <a:r>
+              <a:rPr lang="en-US" dirty="0"/>
+              <a:t>.</a:t>
+            </a:r>
+          </a:p>
+          <a:p>
+            <a:pPr marL="0" indent="0">
+              <a:buNone/>
+            </a:pPr>
+            <a:endParaRPr lang="ru-RU" dirty="0"/>
+          </a:p>
+          <a:p>
+            <a:pPr marL="0" indent="0">
+              <a:buNone/>
+            </a:pPr>
+            <a:r>
+              <a:rPr lang="ru-RU" dirty="0"/>
+              <a:t>Проблема</a:t>
+            </a:r>
+            <a:r>
+              <a:rPr lang="en-US" dirty="0"/>
+              <a:t>: </a:t>
+            </a:r>
+            <a:r>
+              <a:rPr lang="ru-RU" dirty="0"/>
+              <a:t>поиск товаров работает некорректно (требования в данном случае и есть перечисление проблем)</a:t>
             </a:r>
           </a:p>
           <a:p>
@@ -3792,7 +3863,64 @@
             </a:pPr>
             <a:r>
               <a:rPr lang="ru-RU" dirty="0"/>
-              <a:t>Подведение итогов (проверка работ</a:t>
+              <a:t>Поиск чувствителен к ошибке (</a:t>
+            </a:r>
+            <a:r>
+              <a:rPr lang="ru-RU" dirty="0" err="1"/>
+              <a:t>нурафен</a:t>
+            </a:r>
+            <a:r>
+              <a:rPr lang="ru-RU" dirty="0"/>
+              <a:t> выдает 0 товаров)</a:t>
+            </a:r>
+          </a:p>
+          <a:p>
+            <a:pPr marL="514350" indent="-514350">
+              <a:buAutoNum type="arabicPeriod"/>
+            </a:pPr>
+            <a:r>
+              <a:rPr lang="ru-RU" dirty="0"/>
+              <a:t>Ввод на английской раскладке не работает</a:t>
+            </a:r>
+          </a:p>
+          <a:p>
+            <a:pPr marL="514350" indent="-514350">
+              <a:buAutoNum type="arabicPeriod"/>
+            </a:pPr>
+            <a:r>
+              <a:rPr lang="ru-RU" dirty="0"/>
+              <a:t>Теряем деньги на ошибках (ВИТАМИН </a:t>
+            </a:r>
+            <a:r>
+              <a:rPr lang="en-US" dirty="0"/>
+              <a:t>D </a:t>
+            </a:r>
+            <a:r>
+              <a:rPr lang="ru-RU" dirty="0"/>
+              <a:t>не ищется!!!!)</a:t>
+            </a:r>
+          </a:p>
+          <a:p>
+            <a:pPr marL="514350" indent="-514350">
+              <a:buAutoNum type="arabicPeriod"/>
+            </a:pPr>
+            <a:endParaRPr lang="ru-RU" dirty="0"/>
+          </a:p>
+          <a:p>
+            <a:pPr marL="0" indent="0">
+              <a:buNone/>
+            </a:pPr>
+            <a:r>
+              <a:rPr lang="ru-RU" dirty="0"/>
+              <a:t>Цель</a:t>
+            </a:r>
+            <a:r>
+              <a:rPr lang="en-US" dirty="0"/>
+              <a:t>: </a:t>
+            </a:r>
+            <a:r>
+              <a:rPr lang="ru-RU" dirty="0"/>
+              <a:t>исправить сопутствующие проблемы</a:t>
             </a:r>
             <a:r>
               <a:rPr lang="en-US" dirty="0"/>
@@ -3800,25 +3928,7 @@
             </a:r>
             <a:r>
               <a:rPr lang="ru-RU" dirty="0"/>
-              <a:t>финальное тестирование)</a:t>
-            </a:r>
-          </a:p>
-          <a:p>
-            <a:pPr marL="514350" indent="-514350">
-              <a:buAutoNum type="arabicPeriod"/>
-            </a:pPr>
-            <a:r>
-              <a:rPr lang="ru-RU" dirty="0"/>
-              <a:t>Введение в эксплуатацию</a:t>
-            </a:r>
-          </a:p>
-          <a:p>
-            <a:pPr marL="514350" indent="-514350">
-              <a:buAutoNum type="arabicPeriod"/>
-            </a:pPr>
-            <a:r>
-              <a:rPr lang="ru-RU" dirty="0"/>
-              <a:t>Анализ и «уроки» для следующих проектов </a:t>
+              <a:t>протестировать гипотезу что исправления улучшат продажи</a:t>
             </a:r>
           </a:p>
         </p:txBody>
@@ -3826,7 +3936,7 @@
     </p:spTree>
     <p:extLst>
       <p:ext uri="{BB962C8B-B14F-4D97-AF65-F5344CB8AC3E}">
-        <p14:creationId xmlns:p14="http://schemas.microsoft.com/office/powerpoint/2010/main" val="3350141338"/>
+        <p14:creationId xmlns:p14="http://schemas.microsoft.com/office/powerpoint/2010/main" val="1388927354"/>
       </p:ext>
     </p:extLst>
   </p:cSld>
@@ -3900,238 +4010,6 @@
         <p:spPr/>
         <p:txBody>
           <a:bodyPr>
-            <a:normAutofit fontScale="85000" lnSpcReduction="20000"/>
-          </a:bodyPr>
-          <a:lstStyle/>
-          <a:p>
-            <a:pPr marL="0" indent="0">
-              <a:buNone/>
-            </a:pPr>
-            <a:r>
-              <a:rPr lang="ru-RU" dirty="0"/>
-              <a:t>Глобальная цель – улучшение поиска на сайте аптека25</a:t>
-            </a:r>
-            <a:r>
-              <a:rPr lang="en-US" dirty="0"/>
-              <a:t>.</a:t>
-            </a:r>
-            <a:r>
-              <a:rPr lang="ru-RU" dirty="0" err="1"/>
-              <a:t>рф</a:t>
-            </a:r>
-            <a:endParaRPr lang="ru-RU" dirty="0"/>
-          </a:p>
-          <a:p>
-            <a:pPr marL="0" indent="0">
-              <a:buNone/>
-            </a:pPr>
-            <a:endParaRPr lang="ru-RU" dirty="0"/>
-          </a:p>
-          <a:p>
-            <a:pPr marL="0" indent="0">
-              <a:buNone/>
-            </a:pPr>
-            <a:r>
-              <a:rPr lang="ru-RU" dirty="0"/>
-              <a:t>Этап 1 – определение проблемы</a:t>
-            </a:r>
-            <a:r>
-              <a:rPr lang="en-US" dirty="0"/>
-              <a:t>, </a:t>
-            </a:r>
-            <a:r>
-              <a:rPr lang="ru-RU" dirty="0"/>
-              <a:t>цель</a:t>
-            </a:r>
-            <a:r>
-              <a:rPr lang="en-US" dirty="0"/>
-              <a:t>, </a:t>
-            </a:r>
-            <a:r>
-              <a:rPr lang="ru-RU" dirty="0"/>
-              <a:t>требования</a:t>
-            </a:r>
-            <a:r>
-              <a:rPr lang="en-US" dirty="0"/>
-              <a:t>.</a:t>
-            </a:r>
-          </a:p>
-          <a:p>
-            <a:pPr marL="0" indent="0">
-              <a:buNone/>
-            </a:pPr>
-            <a:endParaRPr lang="ru-RU" dirty="0"/>
-          </a:p>
-          <a:p>
-            <a:pPr marL="0" indent="0">
-              <a:buNone/>
-            </a:pPr>
-            <a:r>
-              <a:rPr lang="ru-RU" dirty="0"/>
-              <a:t>Проблема</a:t>
-            </a:r>
-            <a:r>
-              <a:rPr lang="en-US" dirty="0"/>
-              <a:t>: </a:t>
-            </a:r>
-            <a:r>
-              <a:rPr lang="ru-RU" dirty="0"/>
-              <a:t>поиск товаров работает некорректно (требования в данном случае и есть перечисление проблем)</a:t>
-            </a:r>
-          </a:p>
-          <a:p>
-            <a:pPr marL="514350" indent="-514350">
-              <a:buAutoNum type="arabicPeriod"/>
-            </a:pPr>
-            <a:r>
-              <a:rPr lang="ru-RU" dirty="0"/>
-              <a:t>Поиск чувствителен к ошибке (</a:t>
-            </a:r>
-            <a:r>
-              <a:rPr lang="ru-RU" dirty="0" err="1"/>
-              <a:t>нурафен</a:t>
-            </a:r>
-            <a:r>
-              <a:rPr lang="ru-RU" dirty="0"/>
-              <a:t> выдает 0 товаров)</a:t>
-            </a:r>
-          </a:p>
-          <a:p>
-            <a:pPr marL="514350" indent="-514350">
-              <a:buAutoNum type="arabicPeriod"/>
-            </a:pPr>
-            <a:r>
-              <a:rPr lang="ru-RU" dirty="0"/>
-              <a:t>Ввод на английской раскладке не работает</a:t>
-            </a:r>
-          </a:p>
-          <a:p>
-            <a:pPr marL="514350" indent="-514350">
-              <a:buAutoNum type="arabicPeriod"/>
-            </a:pPr>
-            <a:r>
-              <a:rPr lang="ru-RU" dirty="0"/>
-              <a:t>Теряем деньги на ошибках (ВИТАМИН </a:t>
-            </a:r>
-            <a:r>
-              <a:rPr lang="en-US" dirty="0"/>
-              <a:t>D </a:t>
-            </a:r>
-            <a:r>
-              <a:rPr lang="ru-RU" dirty="0"/>
-              <a:t>не ищется!!!!)</a:t>
-            </a:r>
-          </a:p>
-          <a:p>
-            <a:pPr marL="514350" indent="-514350">
-              <a:buAutoNum type="arabicPeriod"/>
-            </a:pPr>
-            <a:endParaRPr lang="ru-RU" dirty="0"/>
-          </a:p>
-          <a:p>
-            <a:pPr marL="0" indent="0">
-              <a:buNone/>
-            </a:pPr>
-            <a:r>
-              <a:rPr lang="ru-RU" dirty="0"/>
-              <a:t>Цель</a:t>
-            </a:r>
-            <a:r>
-              <a:rPr lang="en-US" dirty="0"/>
-              <a:t>: </a:t>
-            </a:r>
-            <a:r>
-              <a:rPr lang="ru-RU" dirty="0"/>
-              <a:t>исправить сопутствующие проблемы</a:t>
-            </a:r>
-            <a:r>
-              <a:rPr lang="en-US" dirty="0"/>
-              <a:t>, </a:t>
-            </a:r>
-            <a:r>
-              <a:rPr lang="ru-RU" dirty="0"/>
-              <a:t>протестировать гипотезу что исправления улучшат продажи</a:t>
-            </a:r>
-          </a:p>
-        </p:txBody>
-      </p:sp>
-    </p:spTree>
-    <p:extLst>
-      <p:ext uri="{BB962C8B-B14F-4D97-AF65-F5344CB8AC3E}">
-        <p14:creationId xmlns:p14="http://schemas.microsoft.com/office/powerpoint/2010/main" val="1388927354"/>
-      </p:ext>
-    </p:extLst>
-  </p:cSld>
-  <p:clrMapOvr>
-    <a:masterClrMapping/>
-  </p:clrMapOvr>
-</p:sld>
-</file>
-
-<file path=ppt/slides/slide14.xml><?xml version="1.0" encoding="utf-8"?>
-<p:sld xmlns:a="http://schemas.openxmlformats.org/drawingml/2006/main" xmlns:r="http://schemas.openxmlformats.org/officeDocument/2006/relationships" xmlns:p="http://schemas.openxmlformats.org/presentationml/2006/main">
-  <p:cSld>
-    <p:spTree>
-      <p:nvGrpSpPr>
-        <p:cNvPr id="1" name=""/>
-        <p:cNvGrpSpPr/>
-        <p:nvPr/>
-      </p:nvGrpSpPr>
-      <p:grpSpPr>
-        <a:xfrm>
-          <a:off x="0" y="0"/>
-          <a:ext cx="0" cy="0"/>
-          <a:chOff x="0" y="0"/>
-          <a:chExt cx="0" cy="0"/>
-        </a:xfrm>
-      </p:grpSpPr>
-      <p:sp>
-        <p:nvSpPr>
-          <p:cNvPr id="2" name="Заголовок 1">
-            <a:extLst>
-              <a:ext uri="{FF2B5EF4-FFF2-40B4-BE49-F238E27FC236}">
-                <a16:creationId xmlns:a16="http://schemas.microsoft.com/office/drawing/2014/main" id="{C6B4FE9E-6929-B5FE-6CED-16DB66278FA5}"/>
-              </a:ext>
-            </a:extLst>
-          </p:cNvPr>
-          <p:cNvSpPr>
-            <a:spLocks noGrp="1"/>
-          </p:cNvSpPr>
-          <p:nvPr>
-            <p:ph type="title"/>
-          </p:nvPr>
-        </p:nvSpPr>
-        <p:spPr/>
-        <p:txBody>
-          <a:bodyPr/>
-          <a:lstStyle/>
-          <a:p>
-            <a:r>
-              <a:rPr lang="ru-RU" dirty="0"/>
-              <a:t>Жизненный кейс</a:t>
-            </a:r>
-          </a:p>
-        </p:txBody>
-      </p:sp>
-      <p:sp>
-        <p:nvSpPr>
-          <p:cNvPr id="3" name="Объект 2">
-            <a:extLst>
-              <a:ext uri="{FF2B5EF4-FFF2-40B4-BE49-F238E27FC236}">
-                <a16:creationId xmlns:a16="http://schemas.microsoft.com/office/drawing/2014/main" id="{243BE728-A002-4172-0AD9-94A427626E99}"/>
-              </a:ext>
-            </a:extLst>
-          </p:cNvPr>
-          <p:cNvSpPr>
-            <a:spLocks noGrp="1"/>
-          </p:cNvSpPr>
-          <p:nvPr>
-            <p:ph idx="1"/>
-          </p:nvPr>
-        </p:nvSpPr>
-        <p:spPr/>
-        <p:txBody>
-          <a:bodyPr>
             <a:normAutofit lnSpcReduction="10000"/>
           </a:bodyPr>
           <a:lstStyle/>
@@ -4255,7 +4133,7 @@
 </p:sld>
 </file>
 
-<file path=ppt/slides/slide15.xml><?xml version="1.0" encoding="utf-8"?>
+<file path=ppt/slides/slide14.xml><?xml version="1.0" encoding="utf-8"?>
 <p:sld xmlns:a="http://schemas.openxmlformats.org/drawingml/2006/main" xmlns:r="http://schemas.openxmlformats.org/officeDocument/2006/relationships" xmlns:p="http://schemas.openxmlformats.org/presentationml/2006/main">
   <p:cSld>
     <p:spTree>
@@ -4345,7 +4223,7 @@
 </p:sld>
 </file>
 
-<file path=ppt/slides/slide16.xml><?xml version="1.0" encoding="utf-8"?>
+<file path=ppt/slides/slide15.xml><?xml version="1.0" encoding="utf-8"?>
 <p:sld xmlns:a="http://schemas.openxmlformats.org/drawingml/2006/main" xmlns:r="http://schemas.openxmlformats.org/officeDocument/2006/relationships" xmlns:p="http://schemas.openxmlformats.org/presentationml/2006/main">
   <p:cSld>
     <p:spTree>
@@ -4597,7 +4475,7 @@
 </p:sld>
 </file>
 
-<file path=ppt/slides/slide17.xml><?xml version="1.0" encoding="utf-8"?>
+<file path=ppt/slides/slide16.xml><?xml version="1.0" encoding="utf-8"?>
 <p:sld xmlns:a="http://schemas.openxmlformats.org/drawingml/2006/main" xmlns:r="http://schemas.openxmlformats.org/officeDocument/2006/relationships" xmlns:p="http://schemas.openxmlformats.org/presentationml/2006/main">
   <p:cSld>
     <p:spTree>
@@ -4773,7 +4651,7 @@
 </p:sld>
 </file>
 
-<file path=ppt/slides/slide18.xml><?xml version="1.0" encoding="utf-8"?>
+<file path=ppt/slides/slide17.xml><?xml version="1.0" encoding="utf-8"?>
 <p:sld xmlns:a="http://schemas.openxmlformats.org/drawingml/2006/main" xmlns:r="http://schemas.openxmlformats.org/officeDocument/2006/relationships" xmlns:p="http://schemas.openxmlformats.org/presentationml/2006/main">
   <p:cSld>
     <p:spTree>
@@ -4933,7 +4811,7 @@
 </p:sld>
 </file>
 
-<file path=ppt/slides/slide19.xml><?xml version="1.0" encoding="utf-8"?>
+<file path=ppt/slides/slide18.xml><?xml version="1.0" encoding="utf-8"?>
 <p:sld xmlns:a="http://schemas.openxmlformats.org/drawingml/2006/main" xmlns:r="http://schemas.openxmlformats.org/officeDocument/2006/relationships" xmlns:p="http://schemas.openxmlformats.org/presentationml/2006/main">
   <p:cSld>
     <p:spTree>
@@ -5023,6 +4901,151 @@
 </p:sld>
 </file>
 
+<file path=ppt/slides/slide19.xml><?xml version="1.0" encoding="utf-8"?>
+<p:sld xmlns:a="http://schemas.openxmlformats.org/drawingml/2006/main" xmlns:r="http://schemas.openxmlformats.org/officeDocument/2006/relationships" xmlns:p="http://schemas.openxmlformats.org/presentationml/2006/main">
+  <p:cSld>
+    <p:spTree>
+      <p:nvGrpSpPr>
+        <p:cNvPr id="1" name=""/>
+        <p:cNvGrpSpPr/>
+        <p:nvPr/>
+      </p:nvGrpSpPr>
+      <p:grpSpPr>
+        <a:xfrm>
+          <a:off x="0" y="0"/>
+          <a:ext cx="0" cy="0"/>
+          <a:chOff x="0" y="0"/>
+          <a:chExt cx="0" cy="0"/>
+        </a:xfrm>
+      </p:grpSpPr>
+      <p:sp>
+        <p:nvSpPr>
+          <p:cNvPr id="2" name="Заголовок 1">
+            <a:extLst>
+              <a:ext uri="{FF2B5EF4-FFF2-40B4-BE49-F238E27FC236}">
+                <a16:creationId xmlns:a16="http://schemas.microsoft.com/office/drawing/2014/main" id="{C6B4FE9E-6929-B5FE-6CED-16DB66278FA5}"/>
+              </a:ext>
+            </a:extLst>
+          </p:cNvPr>
+          <p:cNvSpPr>
+            <a:spLocks noGrp="1"/>
+          </p:cNvSpPr>
+          <p:nvPr>
+            <p:ph type="title"/>
+          </p:nvPr>
+        </p:nvSpPr>
+        <p:spPr/>
+        <p:txBody>
+          <a:bodyPr/>
+          <a:lstStyle/>
+          <a:p>
+            <a:r>
+              <a:rPr lang="ru-RU" dirty="0"/>
+              <a:t>Этап 5 – закрываемся и подводим итоги</a:t>
+            </a:r>
+          </a:p>
+        </p:txBody>
+      </p:sp>
+      <p:sp>
+        <p:nvSpPr>
+          <p:cNvPr id="5" name="Объект 4">
+            <a:extLst>
+              <a:ext uri="{FF2B5EF4-FFF2-40B4-BE49-F238E27FC236}">
+                <a16:creationId xmlns:a16="http://schemas.microsoft.com/office/drawing/2014/main" id="{C634EC9E-9279-8B4F-1509-77FB4B59BB97}"/>
+              </a:ext>
+            </a:extLst>
+          </p:cNvPr>
+          <p:cNvSpPr>
+            <a:spLocks noGrp="1"/>
+          </p:cNvSpPr>
+          <p:nvPr>
+            <p:ph idx="1"/>
+          </p:nvPr>
+        </p:nvSpPr>
+        <p:spPr/>
+        <p:txBody>
+          <a:bodyPr/>
+          <a:lstStyle/>
+          <a:p>
+            <a:pPr marL="0" indent="0">
+              <a:buNone/>
+            </a:pPr>
+            <a:r>
+              <a:rPr lang="ru-RU" dirty="0"/>
+              <a:t>Результат</a:t>
+            </a:r>
+            <a:r>
+              <a:rPr lang="en-US" dirty="0"/>
+              <a:t>:</a:t>
+            </a:r>
+          </a:p>
+          <a:p>
+            <a:pPr marL="514350" indent="-514350">
+              <a:buAutoNum type="arabicPeriod"/>
+            </a:pPr>
+            <a:r>
+              <a:rPr lang="ru-RU" dirty="0"/>
+              <a:t>Потратили (условно) 1 месяц и 500 тысяч для реализации поиска</a:t>
+            </a:r>
+          </a:p>
+          <a:p>
+            <a:pPr marL="514350" indent="-514350">
+              <a:buAutoNum type="arabicPeriod"/>
+            </a:pPr>
+            <a:r>
+              <a:rPr lang="ru-RU" dirty="0"/>
+              <a:t>Статистика говорит</a:t>
+            </a:r>
+            <a:r>
+              <a:rPr lang="en-US" dirty="0"/>
+              <a:t>, </a:t>
+            </a:r>
+            <a:r>
+              <a:rPr lang="ru-RU" dirty="0"/>
+              <a:t>что благодаря поиску оборот денег увеличился на 1млн в день</a:t>
+            </a:r>
+          </a:p>
+          <a:p>
+            <a:pPr marL="514350" indent="-514350">
+              <a:buAutoNum type="arabicPeriod"/>
+            </a:pPr>
+            <a:r>
+              <a:rPr lang="ru-RU" dirty="0"/>
+              <a:t>Совершили пару ошибок в согласовании</a:t>
+            </a:r>
+            <a:r>
+              <a:rPr lang="en-US" dirty="0"/>
+              <a:t>, </a:t>
+            </a:r>
+            <a:r>
+              <a:rPr lang="ru-RU" dirty="0"/>
+              <a:t>поняли как нужно делать в следующий раз</a:t>
+            </a:r>
+          </a:p>
+          <a:p>
+            <a:pPr marL="514350" indent="-514350">
+              <a:buAutoNum type="arabicPeriod"/>
+            </a:pPr>
+            <a:r>
+              <a:rPr lang="ru-RU" dirty="0"/>
+              <a:t>Внедрение прошло успешно!</a:t>
+            </a:r>
+          </a:p>
+        </p:txBody>
+      </p:sp>
+    </p:spTree>
+    <p:extLst>
+      <p:ext uri="{BB962C8B-B14F-4D97-AF65-F5344CB8AC3E}">
+        <p14:creationId xmlns:p14="http://schemas.microsoft.com/office/powerpoint/2010/main" val="2453137416"/>
+      </p:ext>
+    </p:extLst>
+  </p:cSld>
+  <p:clrMapOvr>
+    <a:masterClrMapping/>
+  </p:clrMapOvr>
+</p:sld>
+</file>
+
 <file path=ppt/slides/slide2.xml><?xml version="1.0" encoding="utf-8"?>
 <p:sld xmlns:a="http://schemas.openxmlformats.org/drawingml/2006/main" xmlns:r="http://schemas.openxmlformats.org/officeDocument/2006/relationships" xmlns:p="http://schemas.openxmlformats.org/presentationml/2006/main">
   <p:cSld>
@@ -5128,151 +5151,6 @@
 </file>
 
 <file path=ppt/slides/slide20.xml><?xml version="1.0" encoding="utf-8"?>
-<p:sld xmlns:a="http://schemas.openxmlformats.org/drawingml/2006/main" xmlns:r="http://schemas.openxmlformats.org/officeDocument/2006/relationships" xmlns:p="http://schemas.openxmlformats.org/presentationml/2006/main">
-  <p:cSld>
-    <p:spTree>
-      <p:nvGrpSpPr>
-        <p:cNvPr id="1" name=""/>
-        <p:cNvGrpSpPr/>
-        <p:nvPr/>
-      </p:nvGrpSpPr>
-      <p:grpSpPr>
-        <a:xfrm>
-          <a:off x="0" y="0"/>
-          <a:ext cx="0" cy="0"/>
-          <a:chOff x="0" y="0"/>
-          <a:chExt cx="0" cy="0"/>
-        </a:xfrm>
-      </p:grpSpPr>
-      <p:sp>
-        <p:nvSpPr>
-          <p:cNvPr id="2" name="Заголовок 1">
-            <a:extLst>
-              <a:ext uri="{FF2B5EF4-FFF2-40B4-BE49-F238E27FC236}">
-                <a16:creationId xmlns:a16="http://schemas.microsoft.com/office/drawing/2014/main" id="{C6B4FE9E-6929-B5FE-6CED-16DB66278FA5}"/>
-              </a:ext>
-            </a:extLst>
-          </p:cNvPr>
-          <p:cNvSpPr>
-            <a:spLocks noGrp="1"/>
-          </p:cNvSpPr>
-          <p:nvPr>
-            <p:ph type="title"/>
-          </p:nvPr>
-        </p:nvSpPr>
-        <p:spPr/>
-        <p:txBody>
-          <a:bodyPr/>
-          <a:lstStyle/>
-          <a:p>
-            <a:r>
-              <a:rPr lang="ru-RU" dirty="0"/>
-              <a:t>Этап 5 – закрываемся и подводим итоги</a:t>
-            </a:r>
-          </a:p>
-        </p:txBody>
-      </p:sp>
-      <p:sp>
-        <p:nvSpPr>
-          <p:cNvPr id="5" name="Объект 4">
-            <a:extLst>
-              <a:ext uri="{FF2B5EF4-FFF2-40B4-BE49-F238E27FC236}">
-                <a16:creationId xmlns:a16="http://schemas.microsoft.com/office/drawing/2014/main" id="{C634EC9E-9279-8B4F-1509-77FB4B59BB97}"/>
-              </a:ext>
-            </a:extLst>
-          </p:cNvPr>
-          <p:cNvSpPr>
-            <a:spLocks noGrp="1"/>
-          </p:cNvSpPr>
-          <p:nvPr>
-            <p:ph idx="1"/>
-          </p:nvPr>
-        </p:nvSpPr>
-        <p:spPr/>
-        <p:txBody>
-          <a:bodyPr/>
-          <a:lstStyle/>
-          <a:p>
-            <a:pPr marL="0" indent="0">
-              <a:buNone/>
-            </a:pPr>
-            <a:r>
-              <a:rPr lang="ru-RU" dirty="0"/>
-              <a:t>Результат</a:t>
-            </a:r>
-            <a:r>
-              <a:rPr lang="en-US" dirty="0"/>
-              <a:t>:</a:t>
-            </a:r>
-          </a:p>
-          <a:p>
-            <a:pPr marL="514350" indent="-514350">
-              <a:buAutoNum type="arabicPeriod"/>
-            </a:pPr>
-            <a:r>
-              <a:rPr lang="ru-RU" dirty="0"/>
-              <a:t>Потратили (условно) 1 месяц и 500 тысяч для реализации поиска</a:t>
-            </a:r>
-          </a:p>
-          <a:p>
-            <a:pPr marL="514350" indent="-514350">
-              <a:buAutoNum type="arabicPeriod"/>
-            </a:pPr>
-            <a:r>
-              <a:rPr lang="ru-RU" dirty="0"/>
-              <a:t>Статистика говорит</a:t>
-            </a:r>
-            <a:r>
-              <a:rPr lang="en-US" dirty="0"/>
-              <a:t>, </a:t>
-            </a:r>
-            <a:r>
-              <a:rPr lang="ru-RU" dirty="0"/>
-              <a:t>что благодаря поиску оборот денег увеличился на 1млн в день</a:t>
-            </a:r>
-          </a:p>
-          <a:p>
-            <a:pPr marL="514350" indent="-514350">
-              <a:buAutoNum type="arabicPeriod"/>
-            </a:pPr>
-            <a:r>
-              <a:rPr lang="ru-RU" dirty="0"/>
-              <a:t>Совершили пару ошибок в согласовании</a:t>
-            </a:r>
-            <a:r>
-              <a:rPr lang="en-US" dirty="0"/>
-              <a:t>, </a:t>
-            </a:r>
-            <a:r>
-              <a:rPr lang="ru-RU" dirty="0"/>
-              <a:t>поняли как нужно делать в следующий раз</a:t>
-            </a:r>
-          </a:p>
-          <a:p>
-            <a:pPr marL="514350" indent="-514350">
-              <a:buAutoNum type="arabicPeriod"/>
-            </a:pPr>
-            <a:r>
-              <a:rPr lang="ru-RU" dirty="0"/>
-              <a:t>Внедрение прошло успешно!</a:t>
-            </a:r>
-          </a:p>
-        </p:txBody>
-      </p:sp>
-    </p:spTree>
-    <p:extLst>
-      <p:ext uri="{BB962C8B-B14F-4D97-AF65-F5344CB8AC3E}">
-        <p14:creationId xmlns:p14="http://schemas.microsoft.com/office/powerpoint/2010/main" val="2453137416"/>
-      </p:ext>
-    </p:extLst>
-  </p:cSld>
-  <p:clrMapOvr>
-    <a:masterClrMapping/>
-  </p:clrMapOvr>
-</p:sld>
-</file>
-
-<file path=ppt/slides/slide21.xml><?xml version="1.0" encoding="utf-8"?>
 <p:sld xmlns:a="http://schemas.openxmlformats.org/drawingml/2006/main" xmlns:r="http://schemas.openxmlformats.org/officeDocument/2006/relationships" xmlns:p="http://schemas.openxmlformats.org/presentationml/2006/main">
   <p:cSld>
     <p:spTree>
@@ -5379,6 +5257,138 @@
 </p:sld>
 </file>
 
+<file path=ppt/slides/slide21.xml><?xml version="1.0" encoding="utf-8"?>
+<p:sld xmlns:a="http://schemas.openxmlformats.org/drawingml/2006/main" xmlns:r="http://schemas.openxmlformats.org/officeDocument/2006/relationships" xmlns:p="http://schemas.openxmlformats.org/presentationml/2006/main">
+  <p:cSld>
+    <p:spTree>
+      <p:nvGrpSpPr>
+        <p:cNvPr id="1" name=""/>
+        <p:cNvGrpSpPr/>
+        <p:nvPr/>
+      </p:nvGrpSpPr>
+      <p:grpSpPr>
+        <a:xfrm>
+          <a:off x="0" y="0"/>
+          <a:ext cx="0" cy="0"/>
+          <a:chOff x="0" y="0"/>
+          <a:chExt cx="0" cy="0"/>
+        </a:xfrm>
+      </p:grpSpPr>
+      <p:sp>
+        <p:nvSpPr>
+          <p:cNvPr id="2" name="Заголовок 1">
+            <a:extLst>
+              <a:ext uri="{FF2B5EF4-FFF2-40B4-BE49-F238E27FC236}">
+                <a16:creationId xmlns:a16="http://schemas.microsoft.com/office/drawing/2014/main" id="{C6B4FE9E-6929-B5FE-6CED-16DB66278FA5}"/>
+              </a:ext>
+            </a:extLst>
+          </p:cNvPr>
+          <p:cNvSpPr>
+            <a:spLocks noGrp="1"/>
+          </p:cNvSpPr>
+          <p:nvPr>
+            <p:ph type="title"/>
+          </p:nvPr>
+        </p:nvSpPr>
+        <p:spPr/>
+        <p:txBody>
+          <a:bodyPr/>
+          <a:lstStyle/>
+          <a:p>
+            <a:r>
+              <a:rPr lang="ru-RU" dirty="0"/>
+              <a:t>Методологии</a:t>
+            </a:r>
+          </a:p>
+        </p:txBody>
+      </p:sp>
+      <p:sp>
+        <p:nvSpPr>
+          <p:cNvPr id="5" name="Объект 4">
+            <a:extLst>
+              <a:ext uri="{FF2B5EF4-FFF2-40B4-BE49-F238E27FC236}">
+                <a16:creationId xmlns:a16="http://schemas.microsoft.com/office/drawing/2014/main" id="{C634EC9E-9279-8B4F-1509-77FB4B59BB97}"/>
+              </a:ext>
+            </a:extLst>
+          </p:cNvPr>
+          <p:cNvSpPr>
+            <a:spLocks noGrp="1"/>
+          </p:cNvSpPr>
+          <p:nvPr>
+            <p:ph idx="1"/>
+          </p:nvPr>
+        </p:nvSpPr>
+        <p:spPr/>
+        <p:txBody>
+          <a:bodyPr/>
+          <a:lstStyle/>
+          <a:p>
+            <a:pPr marL="0" indent="0">
+              <a:buNone/>
+            </a:pPr>
+            <a:r>
+              <a:rPr lang="ru-RU" dirty="0"/>
+              <a:t>Основные методы</a:t>
+            </a:r>
+          </a:p>
+          <a:p>
+            <a:pPr marL="514350" indent="-514350">
+              <a:buAutoNum type="arabicPeriod"/>
+            </a:pPr>
+            <a:r>
+              <a:rPr lang="en-US" dirty="0"/>
+              <a:t>Agile - </a:t>
+            </a:r>
+            <a:r>
+              <a:rPr lang="ru-RU" dirty="0"/>
+              <a:t>Гибкий подход к разработке/работе над проектом. Короткие итерации, быстрая обратная связь, адаптивность к изменениям.</a:t>
+            </a:r>
+          </a:p>
+          <a:p>
+            <a:pPr marL="514350" indent="-514350">
+              <a:buAutoNum type="arabicPeriod"/>
+            </a:pPr>
+            <a:r>
+              <a:rPr lang="en-US" dirty="0"/>
+              <a:t>Scrum - </a:t>
+            </a:r>
+            <a:r>
+              <a:rPr lang="ru-RU" dirty="0"/>
+              <a:t>Конкретный фреймворк внутри </a:t>
+            </a:r>
+            <a:r>
+              <a:rPr lang="en" dirty="0"/>
+              <a:t>Agile. </a:t>
+            </a:r>
+            <a:r>
+              <a:rPr lang="ru-RU" dirty="0"/>
+              <a:t>Делит работу на спринты, фиксированные по времени, с регулярными встречами и </a:t>
+            </a:r>
+            <a:r>
+              <a:rPr lang="ru-RU" dirty="0" err="1"/>
+              <a:t>ретроспективами</a:t>
+            </a:r>
+            <a:r>
+              <a:rPr lang="ru-RU" dirty="0"/>
+              <a:t>.</a:t>
+            </a:r>
+            <a:endParaRPr lang="en-US" dirty="0"/>
+          </a:p>
+        </p:txBody>
+      </p:sp>
+    </p:spTree>
+    <p:extLst>
+      <p:ext uri="{BB962C8B-B14F-4D97-AF65-F5344CB8AC3E}">
+        <p14:creationId xmlns:p14="http://schemas.microsoft.com/office/powerpoint/2010/main" val="2871203784"/>
+      </p:ext>
+    </p:extLst>
+  </p:cSld>
+  <p:clrMapOvr>
+    <a:masterClrMapping/>
+  </p:clrMapOvr>
+</p:sld>
+</file>
+
 <file path=ppt/slides/slide22.xml><?xml version="1.0" encoding="utf-8"?>
 <p:sld xmlns:a="http://schemas.openxmlformats.org/drawingml/2006/main" xmlns:r="http://schemas.openxmlformats.org/officeDocument/2006/relationships" xmlns:p="http://schemas.openxmlformats.org/presentationml/2006/main">
   <p:cSld>
@@ -5445,12 +5455,17 @@
           <a:bodyPr/>
           <a:lstStyle/>
           <a:p>
-            <a:pPr marL="0" indent="0">
-              <a:buNone/>
-            </a:pPr>
-            <a:r>
-              <a:rPr lang="ru-RU" dirty="0"/>
-              <a:t>Основные методы</a:t>
+            <a:pPr marL="514350" indent="-514350">
+              <a:buFont typeface="+mj-lt"/>
+              <a:buAutoNum type="arabicPeriod"/>
+            </a:pPr>
+            <a:r>
+              <a:rPr lang="en-US" dirty="0"/>
+              <a:t>Kanban - </a:t>
+            </a:r>
+            <a:r>
+              <a:rPr lang="ru-RU" dirty="0"/>
+              <a:t>Визуализация рабочего процесса на доске, оптимизация «потока задач», минимум формальностей.</a:t>
             </a:r>
           </a:p>
           <a:p>
@@ -5458,41 +5473,20 @@
               <a:buAutoNum type="arabicPeriod"/>
             </a:pPr>
             <a:r>
+              <a:rPr lang="en" dirty="0"/>
+              <a:t>Waterfall (</a:t>
+            </a:r>
+            <a:r>
+              <a:rPr lang="ru-RU" dirty="0"/>
+              <a:t>Водопад)</a:t>
+            </a:r>
+            <a:r>
               <a:rPr lang="en-US" dirty="0"/>
-              <a:t>Agile - </a:t>
-            </a:r>
-            <a:r>
-              <a:rPr lang="ru-RU" dirty="0"/>
-              <a:t>Гибкий подход к разработке/работе над проектом. Короткие итерации, быстрая обратная связь, адаптивность к изменениям.</a:t>
-            </a:r>
-          </a:p>
-          <a:p>
-            <a:pPr marL="514350" indent="-514350">
-              <a:buAutoNum type="arabicPeriod"/>
-            </a:pPr>
-            <a:r>
-              <a:rPr lang="en-US" dirty="0"/>
-              <a:t>Scrum - </a:t>
-            </a:r>
-            <a:r>
-              <a:rPr lang="ru-RU" dirty="0"/>
-              <a:t>Конкретный фреймворк внутри </a:t>
-            </a:r>
-            <a:r>
-              <a:rPr lang="en" dirty="0"/>
-              <a:t>Agile. </a:t>
-            </a:r>
-            <a:r>
-              <a:rPr lang="ru-RU" dirty="0"/>
-              <a:t>Делит работу на спринты, фиксированные по времени, с регулярными встречами и </a:t>
-            </a:r>
-            <a:r>
-              <a:rPr lang="ru-RU" dirty="0" err="1"/>
-              <a:t>ретроспективами</a:t>
-            </a:r>
-            <a:r>
-              <a:rPr lang="ru-RU" dirty="0"/>
-              <a:t>.</a:t>
+              <a:t> - </a:t>
+            </a:r>
+            <a:r>
+              <a:rPr lang="ru-RU" dirty="0"/>
+              <a:t>Классический линейный подход: работа идёт поэтапно (планирование → реализация → тестирование → внедрение) без серьёзных изменений посередине.</a:t>
             </a:r>
             <a:endParaRPr lang="en-US" dirty="0"/>
           </a:p>
@@ -5501,7 +5495,7 @@
     </p:spTree>
     <p:extLst>
       <p:ext uri="{BB962C8B-B14F-4D97-AF65-F5344CB8AC3E}">
-        <p14:creationId xmlns:p14="http://schemas.microsoft.com/office/powerpoint/2010/main" val="2871203784"/>
+        <p14:creationId xmlns:p14="http://schemas.microsoft.com/office/powerpoint/2010/main" val="1386190514"/>
       </p:ext>
     </p:extLst>
   </p:cSld>
@@ -5550,122 +5544,6 @@
           <a:lstStyle/>
           <a:p>
             <a:r>
-              <a:rPr lang="ru-RU" dirty="0"/>
-              <a:t>Методологии</a:t>
-            </a:r>
-          </a:p>
-        </p:txBody>
-      </p:sp>
-      <p:sp>
-        <p:nvSpPr>
-          <p:cNvPr id="5" name="Объект 4">
-            <a:extLst>
-              <a:ext uri="{FF2B5EF4-FFF2-40B4-BE49-F238E27FC236}">
-                <a16:creationId xmlns:a16="http://schemas.microsoft.com/office/drawing/2014/main" id="{C634EC9E-9279-8B4F-1509-77FB4B59BB97}"/>
-              </a:ext>
-            </a:extLst>
-          </p:cNvPr>
-          <p:cNvSpPr>
-            <a:spLocks noGrp="1"/>
-          </p:cNvSpPr>
-          <p:nvPr>
-            <p:ph idx="1"/>
-          </p:nvPr>
-        </p:nvSpPr>
-        <p:spPr/>
-        <p:txBody>
-          <a:bodyPr/>
-          <a:lstStyle/>
-          <a:p>
-            <a:pPr marL="514350" indent="-514350">
-              <a:buFont typeface="+mj-lt"/>
-              <a:buAutoNum type="arabicPeriod"/>
-            </a:pPr>
-            <a:r>
-              <a:rPr lang="en-US" dirty="0"/>
-              <a:t>Kanban - </a:t>
-            </a:r>
-            <a:r>
-              <a:rPr lang="ru-RU" dirty="0"/>
-              <a:t>Визуализация рабочего процесса на доске, оптимизация «потока задач», минимум формальностей.</a:t>
-            </a:r>
-          </a:p>
-          <a:p>
-            <a:pPr marL="514350" indent="-514350">
-              <a:buAutoNum type="arabicPeriod"/>
-            </a:pPr>
-            <a:r>
-              <a:rPr lang="en" dirty="0"/>
-              <a:t>Waterfall (</a:t>
-            </a:r>
-            <a:r>
-              <a:rPr lang="ru-RU" dirty="0"/>
-              <a:t>Водопад)</a:t>
-            </a:r>
-            <a:r>
-              <a:rPr lang="en-US" dirty="0"/>
-              <a:t> - </a:t>
-            </a:r>
-            <a:r>
-              <a:rPr lang="ru-RU" dirty="0"/>
-              <a:t>Классический линейный подход: работа идёт поэтапно (планирование → реализация → тестирование → внедрение) без серьёзных изменений посередине.</a:t>
-            </a:r>
-            <a:endParaRPr lang="en-US" dirty="0"/>
-          </a:p>
-        </p:txBody>
-      </p:sp>
-    </p:spTree>
-    <p:extLst>
-      <p:ext uri="{BB962C8B-B14F-4D97-AF65-F5344CB8AC3E}">
-        <p14:creationId xmlns:p14="http://schemas.microsoft.com/office/powerpoint/2010/main" val="1386190514"/>
-      </p:ext>
-    </p:extLst>
-  </p:cSld>
-  <p:clrMapOvr>
-    <a:masterClrMapping/>
-  </p:clrMapOvr>
-</p:sld>
-</file>
-
-<file path=ppt/slides/slide24.xml><?xml version="1.0" encoding="utf-8"?>
-<p:sld xmlns:a="http://schemas.openxmlformats.org/drawingml/2006/main" xmlns:r="http://schemas.openxmlformats.org/officeDocument/2006/relationships" xmlns:p="http://schemas.openxmlformats.org/presentationml/2006/main">
-  <p:cSld>
-    <p:spTree>
-      <p:nvGrpSpPr>
-        <p:cNvPr id="1" name=""/>
-        <p:cNvGrpSpPr/>
-        <p:nvPr/>
-      </p:nvGrpSpPr>
-      <p:grpSpPr>
-        <a:xfrm>
-          <a:off x="0" y="0"/>
-          <a:ext cx="0" cy="0"/>
-          <a:chOff x="0" y="0"/>
-          <a:chExt cx="0" cy="0"/>
-        </a:xfrm>
-      </p:grpSpPr>
-      <p:sp>
-        <p:nvSpPr>
-          <p:cNvPr id="2" name="Заголовок 1">
-            <a:extLst>
-              <a:ext uri="{FF2B5EF4-FFF2-40B4-BE49-F238E27FC236}">
-                <a16:creationId xmlns:a16="http://schemas.microsoft.com/office/drawing/2014/main" id="{C6B4FE9E-6929-B5FE-6CED-16DB66278FA5}"/>
-              </a:ext>
-            </a:extLst>
-          </p:cNvPr>
-          <p:cNvSpPr>
-            <a:spLocks noGrp="1"/>
-          </p:cNvSpPr>
-          <p:nvPr>
-            <p:ph type="title"/>
-          </p:nvPr>
-        </p:nvSpPr>
-        <p:spPr/>
-        <p:txBody>
-          <a:bodyPr/>
-          <a:lstStyle/>
-          <a:p>
-            <a:r>
               <a:rPr lang="en-US" dirty="0"/>
               <a:t>Agile</a:t>
             </a:r>
@@ -5760,7 +5638,7 @@
 </p:sld>
 </file>
 
-<file path=ppt/slides/slide25.xml><?xml version="1.0" encoding="utf-8"?>
+<file path=ppt/slides/slide24.xml><?xml version="1.0" encoding="utf-8"?>
 <p:sld xmlns:a="http://schemas.openxmlformats.org/drawingml/2006/main" xmlns:r="http://schemas.openxmlformats.org/officeDocument/2006/relationships" xmlns:p="http://schemas.openxmlformats.org/presentationml/2006/main">
   <p:cSld>
     <p:spTree>
@@ -5871,6 +5749,165 @@
 </p:sld>
 </file>
 
+<file path=ppt/slides/slide25.xml><?xml version="1.0" encoding="utf-8"?>
+<p:sld xmlns:a="http://schemas.openxmlformats.org/drawingml/2006/main" xmlns:r="http://schemas.openxmlformats.org/officeDocument/2006/relationships" xmlns:p="http://schemas.openxmlformats.org/presentationml/2006/main">
+  <p:cSld>
+    <p:spTree>
+      <p:nvGrpSpPr>
+        <p:cNvPr id="1" name=""/>
+        <p:cNvGrpSpPr/>
+        <p:nvPr/>
+      </p:nvGrpSpPr>
+      <p:grpSpPr>
+        <a:xfrm>
+          <a:off x="0" y="0"/>
+          <a:ext cx="0" cy="0"/>
+          <a:chOff x="0" y="0"/>
+          <a:chExt cx="0" cy="0"/>
+        </a:xfrm>
+      </p:grpSpPr>
+      <p:sp>
+        <p:nvSpPr>
+          <p:cNvPr id="2" name="Заголовок 1">
+            <a:extLst>
+              <a:ext uri="{FF2B5EF4-FFF2-40B4-BE49-F238E27FC236}">
+                <a16:creationId xmlns:a16="http://schemas.microsoft.com/office/drawing/2014/main" id="{C6B4FE9E-6929-B5FE-6CED-16DB66278FA5}"/>
+              </a:ext>
+            </a:extLst>
+          </p:cNvPr>
+          <p:cNvSpPr>
+            <a:spLocks noGrp="1"/>
+          </p:cNvSpPr>
+          <p:nvPr>
+            <p:ph type="title"/>
+          </p:nvPr>
+        </p:nvSpPr>
+        <p:spPr/>
+        <p:txBody>
+          <a:bodyPr/>
+          <a:lstStyle/>
+          <a:p>
+            <a:r>
+              <a:rPr lang="en-US" dirty="0"/>
+              <a:t>Agile – </a:t>
+            </a:r>
+            <a:r>
+              <a:rPr lang="ru-RU" dirty="0"/>
+              <a:t>пример</a:t>
+            </a:r>
+          </a:p>
+        </p:txBody>
+      </p:sp>
+      <p:sp>
+        <p:nvSpPr>
+          <p:cNvPr id="3" name="Объект 2">
+            <a:extLst>
+              <a:ext uri="{FF2B5EF4-FFF2-40B4-BE49-F238E27FC236}">
+                <a16:creationId xmlns:a16="http://schemas.microsoft.com/office/drawing/2014/main" id="{A24507CF-9015-8283-0586-1BBF2D013194}"/>
+              </a:ext>
+            </a:extLst>
+          </p:cNvPr>
+          <p:cNvSpPr>
+            <a:spLocks noGrp="1"/>
+          </p:cNvSpPr>
+          <p:nvPr>
+            <p:ph idx="1"/>
+          </p:nvPr>
+        </p:nvSpPr>
+        <p:spPr/>
+        <p:txBody>
+          <a:bodyPr>
+            <a:normAutofit/>
+          </a:bodyPr>
+          <a:lstStyle/>
+          <a:p>
+            <a:pPr marL="0" indent="0">
+              <a:buNone/>
+            </a:pPr>
+            <a:r>
+              <a:rPr lang="ru-RU" sz="2600" dirty="0"/>
+              <a:t>Компания: </a:t>
+            </a:r>
+            <a:r>
+              <a:rPr lang="en" sz="2600" i="1" dirty="0"/>
+              <a:t>Starbucks</a:t>
+            </a:r>
+            <a:r>
+              <a:rPr lang="en" sz="2600" dirty="0"/>
+              <a:t> (</a:t>
+            </a:r>
+            <a:r>
+              <a:rPr lang="ru-RU" sz="2600" dirty="0"/>
+              <a:t>пример из реального мира, но не в </a:t>
+            </a:r>
+            <a:r>
+              <a:rPr lang="en" sz="2600" dirty="0"/>
+              <a:t>IT)</a:t>
+            </a:r>
+            <a:endParaRPr lang="ru-RU" sz="2600" dirty="0"/>
+          </a:p>
+          <a:p>
+            <a:pPr marL="0" indent="0">
+              <a:buNone/>
+            </a:pPr>
+            <a:r>
+              <a:rPr lang="ru-RU" sz="2600" dirty="0"/>
+              <a:t>При разработке новых напитков и маркетинговых кампаний «пилотные релизы» запускают ограниченно и быстро собирают обратную связь.</a:t>
+            </a:r>
+          </a:p>
+          <a:p>
+            <a:pPr marL="0" indent="0">
+              <a:buNone/>
+            </a:pPr>
+            <a:endParaRPr lang="ru-RU" sz="2600" dirty="0"/>
+          </a:p>
+          <a:p>
+            <a:pPr marL="0" indent="0">
+              <a:buNone/>
+            </a:pPr>
+            <a:r>
+              <a:rPr lang="ru-RU" sz="2600" dirty="0"/>
+              <a:t>Если клиенты реагируют положительно, продукт дорабатывают и масштабируют (итеративно).</a:t>
+            </a:r>
+          </a:p>
+          <a:p>
+            <a:pPr marL="0" indent="0">
+              <a:buNone/>
+            </a:pPr>
+            <a:endParaRPr lang="ru-RU" sz="2600" dirty="0"/>
+          </a:p>
+          <a:p>
+            <a:pPr marL="0" indent="0">
+              <a:buNone/>
+            </a:pPr>
+            <a:r>
+              <a:rPr lang="ru-RU" sz="2600" dirty="0"/>
+              <a:t>Итог: </a:t>
+            </a:r>
+            <a:r>
+              <a:rPr lang="en" sz="2600" dirty="0"/>
+              <a:t>Agile-</a:t>
+            </a:r>
+            <a:r>
+              <a:rPr lang="ru-RU" sz="2600" dirty="0"/>
+              <a:t>подход позволяет экономить время и ресурсы, т.к. компания быстро видит, что «зайдёт» покупателям, а что нет.</a:t>
+            </a:r>
+          </a:p>
+        </p:txBody>
+      </p:sp>
+    </p:spTree>
+    <p:extLst>
+      <p:ext uri="{BB962C8B-B14F-4D97-AF65-F5344CB8AC3E}">
+        <p14:creationId xmlns:p14="http://schemas.microsoft.com/office/powerpoint/2010/main" val="1527682799"/>
+      </p:ext>
+    </p:extLst>
+  </p:cSld>
+  <p:clrMapOvr>
+    <a:masterClrMapping/>
+  </p:clrMapOvr>
+</p:sld>
+</file>
+
 <file path=ppt/slides/slide26.xml><?xml version="1.0" encoding="utf-8"?>
 <p:sld xmlns:a="http://schemas.openxmlformats.org/drawingml/2006/main" xmlns:r="http://schemas.openxmlformats.org/officeDocument/2006/relationships" xmlns:p="http://schemas.openxmlformats.org/presentationml/2006/main">
   <p:cSld>
@@ -5911,165 +5948,6 @@
           <a:p>
             <a:r>
               <a:rPr lang="en-US" dirty="0"/>
-              <a:t>Agile – </a:t>
-            </a:r>
-            <a:r>
-              <a:rPr lang="ru-RU" dirty="0"/>
-              <a:t>пример</a:t>
-            </a:r>
-          </a:p>
-        </p:txBody>
-      </p:sp>
-      <p:sp>
-        <p:nvSpPr>
-          <p:cNvPr id="3" name="Объект 2">
-            <a:extLst>
-              <a:ext uri="{FF2B5EF4-FFF2-40B4-BE49-F238E27FC236}">
-                <a16:creationId xmlns:a16="http://schemas.microsoft.com/office/drawing/2014/main" id="{A24507CF-9015-8283-0586-1BBF2D013194}"/>
-              </a:ext>
-            </a:extLst>
-          </p:cNvPr>
-          <p:cNvSpPr>
-            <a:spLocks noGrp="1"/>
-          </p:cNvSpPr>
-          <p:nvPr>
-            <p:ph idx="1"/>
-          </p:nvPr>
-        </p:nvSpPr>
-        <p:spPr/>
-        <p:txBody>
-          <a:bodyPr>
-            <a:normAutofit/>
-          </a:bodyPr>
-          <a:lstStyle/>
-          <a:p>
-            <a:pPr marL="0" indent="0">
-              <a:buNone/>
-            </a:pPr>
-            <a:r>
-              <a:rPr lang="ru-RU" sz="2600" dirty="0"/>
-              <a:t>Компания: </a:t>
-            </a:r>
-            <a:r>
-              <a:rPr lang="en" sz="2600" i="1" dirty="0"/>
-              <a:t>Starbucks</a:t>
-            </a:r>
-            <a:r>
-              <a:rPr lang="en" sz="2600" dirty="0"/>
-              <a:t> (</a:t>
-            </a:r>
-            <a:r>
-              <a:rPr lang="ru-RU" sz="2600" dirty="0"/>
-              <a:t>пример из реального мира, но не в </a:t>
-            </a:r>
-            <a:r>
-              <a:rPr lang="en" sz="2600" dirty="0"/>
-              <a:t>IT)</a:t>
-            </a:r>
-            <a:endParaRPr lang="ru-RU" sz="2600" dirty="0"/>
-          </a:p>
-          <a:p>
-            <a:pPr marL="0" indent="0">
-              <a:buNone/>
-            </a:pPr>
-            <a:r>
-              <a:rPr lang="ru-RU" sz="2600" dirty="0"/>
-              <a:t>При разработке новых напитков и маркетинговых кампаний «пилотные релизы» запускают ограниченно и быстро собирают обратную связь.</a:t>
-            </a:r>
-          </a:p>
-          <a:p>
-            <a:pPr marL="0" indent="0">
-              <a:buNone/>
-            </a:pPr>
-            <a:endParaRPr lang="ru-RU" sz="2600" dirty="0"/>
-          </a:p>
-          <a:p>
-            <a:pPr marL="0" indent="0">
-              <a:buNone/>
-            </a:pPr>
-            <a:r>
-              <a:rPr lang="ru-RU" sz="2600" dirty="0"/>
-              <a:t>Если клиенты реагируют положительно, продукт дорабатывают и масштабируют (итеративно).</a:t>
-            </a:r>
-          </a:p>
-          <a:p>
-            <a:pPr marL="0" indent="0">
-              <a:buNone/>
-            </a:pPr>
-            <a:endParaRPr lang="ru-RU" sz="2600" dirty="0"/>
-          </a:p>
-          <a:p>
-            <a:pPr marL="0" indent="0">
-              <a:buNone/>
-            </a:pPr>
-            <a:r>
-              <a:rPr lang="ru-RU" sz="2600" dirty="0"/>
-              <a:t>Итог: </a:t>
-            </a:r>
-            <a:r>
-              <a:rPr lang="en" sz="2600" dirty="0"/>
-              <a:t>Agile-</a:t>
-            </a:r>
-            <a:r>
-              <a:rPr lang="ru-RU" sz="2600" dirty="0"/>
-              <a:t>подход позволяет экономить время и ресурсы, т.к. компания быстро видит, что «зайдёт» покупателям, а что нет.</a:t>
-            </a:r>
-          </a:p>
-        </p:txBody>
-      </p:sp>
-    </p:spTree>
-    <p:extLst>
-      <p:ext uri="{BB962C8B-B14F-4D97-AF65-F5344CB8AC3E}">
-        <p14:creationId xmlns:p14="http://schemas.microsoft.com/office/powerpoint/2010/main" val="1527682799"/>
-      </p:ext>
-    </p:extLst>
-  </p:cSld>
-  <p:clrMapOvr>
-    <a:masterClrMapping/>
-  </p:clrMapOvr>
-</p:sld>
-</file>
-
-<file path=ppt/slides/slide27.xml><?xml version="1.0" encoding="utf-8"?>
-<p:sld xmlns:a="http://schemas.openxmlformats.org/drawingml/2006/main" xmlns:r="http://schemas.openxmlformats.org/officeDocument/2006/relationships" xmlns:p="http://schemas.openxmlformats.org/presentationml/2006/main">
-  <p:cSld>
-    <p:spTree>
-      <p:nvGrpSpPr>
-        <p:cNvPr id="1" name=""/>
-        <p:cNvGrpSpPr/>
-        <p:nvPr/>
-      </p:nvGrpSpPr>
-      <p:grpSpPr>
-        <a:xfrm>
-          <a:off x="0" y="0"/>
-          <a:ext cx="0" cy="0"/>
-          <a:chOff x="0" y="0"/>
-          <a:chExt cx="0" cy="0"/>
-        </a:xfrm>
-      </p:grpSpPr>
-      <p:sp>
-        <p:nvSpPr>
-          <p:cNvPr id="2" name="Заголовок 1">
-            <a:extLst>
-              <a:ext uri="{FF2B5EF4-FFF2-40B4-BE49-F238E27FC236}">
-                <a16:creationId xmlns:a16="http://schemas.microsoft.com/office/drawing/2014/main" id="{C6B4FE9E-6929-B5FE-6CED-16DB66278FA5}"/>
-              </a:ext>
-            </a:extLst>
-          </p:cNvPr>
-          <p:cNvSpPr>
-            <a:spLocks noGrp="1"/>
-          </p:cNvSpPr>
-          <p:nvPr>
-            <p:ph type="title"/>
-          </p:nvPr>
-        </p:nvSpPr>
-        <p:spPr/>
-        <p:txBody>
-          <a:bodyPr/>
-          <a:lstStyle/>
-          <a:p>
-            <a:r>
-              <a:rPr lang="en-US" dirty="0"/>
               <a:t>Scrum – </a:t>
             </a:r>
             <a:r>
@@ -6218,7 +6096,7 @@
 </p:sld>
 </file>
 
-<file path=ppt/slides/slide28.xml><?xml version="1.0" encoding="utf-8"?>
+<file path=ppt/slides/slide27.xml><?xml version="1.0" encoding="utf-8"?>
 <p:sld xmlns:a="http://schemas.openxmlformats.org/drawingml/2006/main" xmlns:r="http://schemas.openxmlformats.org/officeDocument/2006/relationships" xmlns:p="http://schemas.openxmlformats.org/presentationml/2006/main">
   <p:cSld>
     <p:spTree>
@@ -6329,6 +6207,190 @@
 </p:sld>
 </file>
 
+<file path=ppt/slides/slide28.xml><?xml version="1.0" encoding="utf-8"?>
+<p:sld xmlns:a="http://schemas.openxmlformats.org/drawingml/2006/main" xmlns:r="http://schemas.openxmlformats.org/officeDocument/2006/relationships" xmlns:p="http://schemas.openxmlformats.org/presentationml/2006/main">
+  <p:cSld>
+    <p:spTree>
+      <p:nvGrpSpPr>
+        <p:cNvPr id="1" name=""/>
+        <p:cNvGrpSpPr/>
+        <p:nvPr/>
+      </p:nvGrpSpPr>
+      <p:grpSpPr>
+        <a:xfrm>
+          <a:off x="0" y="0"/>
+          <a:ext cx="0" cy="0"/>
+          <a:chOff x="0" y="0"/>
+          <a:chExt cx="0" cy="0"/>
+        </a:xfrm>
+      </p:grpSpPr>
+      <p:sp>
+        <p:nvSpPr>
+          <p:cNvPr id="2" name="Заголовок 1">
+            <a:extLst>
+              <a:ext uri="{FF2B5EF4-FFF2-40B4-BE49-F238E27FC236}">
+                <a16:creationId xmlns:a16="http://schemas.microsoft.com/office/drawing/2014/main" id="{C6B4FE9E-6929-B5FE-6CED-16DB66278FA5}"/>
+              </a:ext>
+            </a:extLst>
+          </p:cNvPr>
+          <p:cNvSpPr>
+            <a:spLocks noGrp="1"/>
+          </p:cNvSpPr>
+          <p:nvPr>
+            <p:ph type="title"/>
+          </p:nvPr>
+        </p:nvSpPr>
+        <p:spPr/>
+        <p:txBody>
+          <a:bodyPr/>
+          <a:lstStyle/>
+          <a:p>
+            <a:r>
+              <a:rPr lang="en-US" dirty="0"/>
+              <a:t>Scrum – </a:t>
+            </a:r>
+            <a:r>
+              <a:rPr lang="ru-RU" dirty="0"/>
+              <a:t>пример</a:t>
+            </a:r>
+          </a:p>
+        </p:txBody>
+      </p:sp>
+      <p:sp>
+        <p:nvSpPr>
+          <p:cNvPr id="3" name="Объект 2">
+            <a:extLst>
+              <a:ext uri="{FF2B5EF4-FFF2-40B4-BE49-F238E27FC236}">
+                <a16:creationId xmlns:a16="http://schemas.microsoft.com/office/drawing/2014/main" id="{A24507CF-9015-8283-0586-1BBF2D013194}"/>
+              </a:ext>
+            </a:extLst>
+          </p:cNvPr>
+          <p:cNvSpPr>
+            <a:spLocks noGrp="1"/>
+          </p:cNvSpPr>
+          <p:nvPr>
+            <p:ph idx="1"/>
+          </p:nvPr>
+        </p:nvSpPr>
+        <p:spPr/>
+        <p:txBody>
+          <a:bodyPr>
+            <a:normAutofit fontScale="92500" lnSpcReduction="10000"/>
+          </a:bodyPr>
+          <a:lstStyle/>
+          <a:p>
+            <a:pPr marL="0" indent="0">
+              <a:buNone/>
+            </a:pPr>
+            <a:r>
+              <a:rPr lang="ru-RU" dirty="0"/>
+              <a:t>Компания: </a:t>
+            </a:r>
+            <a:r>
+              <a:rPr lang="en-US" dirty="0"/>
+              <a:t>LEGO (</a:t>
+            </a:r>
+            <a:r>
+              <a:rPr lang="ru-RU" dirty="0"/>
+              <a:t>они применяли </a:t>
+            </a:r>
+            <a:r>
+              <a:rPr lang="en-US" dirty="0"/>
+              <a:t>Scrum </a:t>
+            </a:r>
+            <a:r>
+              <a:rPr lang="ru-RU" dirty="0"/>
+              <a:t>подход для разработки новых продуктов)</a:t>
+            </a:r>
+            <a:endParaRPr lang="en-US" dirty="0"/>
+          </a:p>
+          <a:p>
+            <a:pPr marL="0" indent="0">
+              <a:buNone/>
+            </a:pPr>
+            <a:endParaRPr lang="ru-RU" dirty="0"/>
+          </a:p>
+          <a:p>
+            <a:pPr marL="0" indent="0">
+              <a:buNone/>
+            </a:pPr>
+            <a:r>
+              <a:rPr lang="ru-RU" dirty="0"/>
+              <a:t>Применение</a:t>
+            </a:r>
+            <a:r>
+              <a:rPr lang="en-US" dirty="0"/>
+              <a:t>:</a:t>
+            </a:r>
+            <a:endParaRPr lang="ru-RU" dirty="0"/>
+          </a:p>
+          <a:p>
+            <a:pPr marL="0" indent="0">
+              <a:buNone/>
+            </a:pPr>
+            <a:r>
+              <a:rPr lang="ru-RU" dirty="0"/>
+              <a:t>Для запуска новой линейки конструкторов — спринты по 2 недели, на каждом проверяют дизайн, детали, маркетинговую концепцию.</a:t>
+            </a:r>
+          </a:p>
+          <a:p>
+            <a:pPr marL="0" indent="0">
+              <a:buNone/>
+            </a:pPr>
+            <a:r>
+              <a:rPr lang="ru-RU" dirty="0"/>
+              <a:t>Регулярно пересматривают </a:t>
+            </a:r>
+            <a:r>
+              <a:rPr lang="en" dirty="0"/>
+              <a:t>backlog, </a:t>
+            </a:r>
+            <a:r>
+              <a:rPr lang="ru-RU" dirty="0"/>
+              <a:t>учитывая свежие данные о продажах и интересах детей.</a:t>
+            </a:r>
+            <a:endParaRPr lang="en-US" dirty="0"/>
+          </a:p>
+          <a:p>
+            <a:pPr marL="0" indent="0">
+              <a:buNone/>
+            </a:pPr>
+            <a:endParaRPr lang="en-US" dirty="0"/>
+          </a:p>
+          <a:p>
+            <a:pPr marL="0" indent="0">
+              <a:buNone/>
+            </a:pPr>
+            <a:r>
+              <a:rPr lang="en" dirty="0"/>
+              <a:t>Scrum </a:t>
+            </a:r>
+            <a:r>
+              <a:rPr lang="ru-RU" dirty="0"/>
+              <a:t>помогает быстро реагировать на тренды (например, меняющиеся интересы аудитории).</a:t>
+            </a:r>
+          </a:p>
+          <a:p>
+            <a:pPr marL="0" indent="0">
+              <a:buNone/>
+            </a:pPr>
+            <a:endParaRPr lang="ru-RU" dirty="0"/>
+          </a:p>
+        </p:txBody>
+      </p:sp>
+    </p:spTree>
+    <p:extLst>
+      <p:ext uri="{BB962C8B-B14F-4D97-AF65-F5344CB8AC3E}">
+        <p14:creationId xmlns:p14="http://schemas.microsoft.com/office/powerpoint/2010/main" val="164396102"/>
+      </p:ext>
+    </p:extLst>
+  </p:cSld>
+  <p:clrMapOvr>
+    <a:masterClrMapping/>
+  </p:clrMapOvr>
+</p:sld>
+</file>
+
 <file path=ppt/slides/slide29.xml><?xml version="1.0" encoding="utf-8"?>
 <p:sld xmlns:a="http://schemas.openxmlformats.org/drawingml/2006/main" xmlns:r="http://schemas.openxmlformats.org/officeDocument/2006/relationships" xmlns:p="http://schemas.openxmlformats.org/presentationml/2006/main">
   <p:cSld>
@@ -6369,297 +6431,6 @@
           <a:p>
             <a:r>
               <a:rPr lang="en-US" dirty="0"/>
-              <a:t>Scrum – </a:t>
-            </a:r>
-            <a:r>
-              <a:rPr lang="ru-RU" dirty="0"/>
-              <a:t>пример</a:t>
-            </a:r>
-          </a:p>
-        </p:txBody>
-      </p:sp>
-      <p:sp>
-        <p:nvSpPr>
-          <p:cNvPr id="3" name="Объект 2">
-            <a:extLst>
-              <a:ext uri="{FF2B5EF4-FFF2-40B4-BE49-F238E27FC236}">
-                <a16:creationId xmlns:a16="http://schemas.microsoft.com/office/drawing/2014/main" id="{A24507CF-9015-8283-0586-1BBF2D013194}"/>
-              </a:ext>
-            </a:extLst>
-          </p:cNvPr>
-          <p:cNvSpPr>
-            <a:spLocks noGrp="1"/>
-          </p:cNvSpPr>
-          <p:nvPr>
-            <p:ph idx="1"/>
-          </p:nvPr>
-        </p:nvSpPr>
-        <p:spPr/>
-        <p:txBody>
-          <a:bodyPr>
-            <a:normAutofit fontScale="92500" lnSpcReduction="10000"/>
-          </a:bodyPr>
-          <a:lstStyle/>
-          <a:p>
-            <a:pPr marL="0" indent="0">
-              <a:buNone/>
-            </a:pPr>
-            <a:r>
-              <a:rPr lang="ru-RU" dirty="0"/>
-              <a:t>Компания: </a:t>
-            </a:r>
-            <a:r>
-              <a:rPr lang="en-US" dirty="0"/>
-              <a:t>LEGO (</a:t>
-            </a:r>
-            <a:r>
-              <a:rPr lang="ru-RU" dirty="0"/>
-              <a:t>они применяли </a:t>
-            </a:r>
-            <a:r>
-              <a:rPr lang="en-US" dirty="0"/>
-              <a:t>Scrum </a:t>
-            </a:r>
-            <a:r>
-              <a:rPr lang="ru-RU" dirty="0"/>
-              <a:t>подход для разработки новых продуктов)</a:t>
-            </a:r>
-            <a:endParaRPr lang="en-US" dirty="0"/>
-          </a:p>
-          <a:p>
-            <a:pPr marL="0" indent="0">
-              <a:buNone/>
-            </a:pPr>
-            <a:endParaRPr lang="ru-RU" dirty="0"/>
-          </a:p>
-          <a:p>
-            <a:pPr marL="0" indent="0">
-              <a:buNone/>
-            </a:pPr>
-            <a:r>
-              <a:rPr lang="ru-RU" dirty="0"/>
-              <a:t>Применение</a:t>
-            </a:r>
-            <a:r>
-              <a:rPr lang="en-US" dirty="0"/>
-              <a:t>:</a:t>
-            </a:r>
-            <a:endParaRPr lang="ru-RU" dirty="0"/>
-          </a:p>
-          <a:p>
-            <a:pPr marL="0" indent="0">
-              <a:buNone/>
-            </a:pPr>
-            <a:r>
-              <a:rPr lang="ru-RU" dirty="0"/>
-              <a:t>Для запуска новой линейки конструкторов — спринты по 2 недели, на каждом проверяют дизайн, детали, маркетинговую концепцию.</a:t>
-            </a:r>
-          </a:p>
-          <a:p>
-            <a:pPr marL="0" indent="0">
-              <a:buNone/>
-            </a:pPr>
-            <a:r>
-              <a:rPr lang="ru-RU" dirty="0"/>
-              <a:t>Регулярно пересматривают </a:t>
-            </a:r>
-            <a:r>
-              <a:rPr lang="en" dirty="0"/>
-              <a:t>backlog, </a:t>
-            </a:r>
-            <a:r>
-              <a:rPr lang="ru-RU" dirty="0"/>
-              <a:t>учитывая свежие данные о продажах и интересах детей.</a:t>
-            </a:r>
-            <a:endParaRPr lang="en-US" dirty="0"/>
-          </a:p>
-          <a:p>
-            <a:pPr marL="0" indent="0">
-              <a:buNone/>
-            </a:pPr>
-            <a:endParaRPr lang="en-US" dirty="0"/>
-          </a:p>
-          <a:p>
-            <a:pPr marL="0" indent="0">
-              <a:buNone/>
-            </a:pPr>
-            <a:r>
-              <a:rPr lang="en" dirty="0"/>
-              <a:t>Scrum </a:t>
-            </a:r>
-            <a:r>
-              <a:rPr lang="ru-RU" dirty="0"/>
-              <a:t>помогает быстро реагировать на тренды (например, меняющиеся интересы аудитории).</a:t>
-            </a:r>
-          </a:p>
-          <a:p>
-            <a:pPr marL="0" indent="0">
-              <a:buNone/>
-            </a:pPr>
-            <a:endParaRPr lang="ru-RU" dirty="0"/>
-          </a:p>
-        </p:txBody>
-      </p:sp>
-    </p:spTree>
-    <p:extLst>
-      <p:ext uri="{BB962C8B-B14F-4D97-AF65-F5344CB8AC3E}">
-        <p14:creationId xmlns:p14="http://schemas.microsoft.com/office/powerpoint/2010/main" val="164396102"/>
-      </p:ext>
-    </p:extLst>
-  </p:cSld>
-  <p:clrMapOvr>
-    <a:masterClrMapping/>
-  </p:clrMapOvr>
-</p:sld>
-</file>
-
-<file path=ppt/slides/slide3.xml><?xml version="1.0" encoding="utf-8"?>
-<p:sld xmlns:a="http://schemas.openxmlformats.org/drawingml/2006/main" xmlns:r="http://schemas.openxmlformats.org/officeDocument/2006/relationships" xmlns:p="http://schemas.openxmlformats.org/presentationml/2006/main">
-  <p:cSld>
-    <p:spTree>
-      <p:nvGrpSpPr>
-        <p:cNvPr id="1" name=""/>
-        <p:cNvGrpSpPr/>
-        <p:nvPr/>
-      </p:nvGrpSpPr>
-      <p:grpSpPr>
-        <a:xfrm>
-          <a:off x="0" y="0"/>
-          <a:ext cx="0" cy="0"/>
-          <a:chOff x="0" y="0"/>
-          <a:chExt cx="0" cy="0"/>
-        </a:xfrm>
-      </p:grpSpPr>
-      <p:sp>
-        <p:nvSpPr>
-          <p:cNvPr id="2" name="Заголовок 1">
-            <a:extLst>
-              <a:ext uri="{FF2B5EF4-FFF2-40B4-BE49-F238E27FC236}">
-                <a16:creationId xmlns:a16="http://schemas.microsoft.com/office/drawing/2014/main" id="{CB58B913-E182-0859-E3C6-9E4B24EE667A}"/>
-              </a:ext>
-            </a:extLst>
-          </p:cNvPr>
-          <p:cNvSpPr>
-            <a:spLocks noGrp="1"/>
-          </p:cNvSpPr>
-          <p:nvPr>
-            <p:ph type="title"/>
-          </p:nvPr>
-        </p:nvSpPr>
-        <p:spPr/>
-        <p:txBody>
-          <a:bodyPr/>
-          <a:lstStyle/>
-          <a:p>
-            <a:r>
-              <a:rPr lang="ru-RU" dirty="0"/>
-              <a:t>Познакомимся?</a:t>
-            </a:r>
-          </a:p>
-        </p:txBody>
-      </p:sp>
-      <p:pic>
-        <p:nvPicPr>
-          <p:cNvPr id="10242" name="Picture 2" descr="приятно познакомиться - Memchik.ru">
-            <a:extLst>
-              <a:ext uri="{FF2B5EF4-FFF2-40B4-BE49-F238E27FC236}">
-                <a16:creationId xmlns:a16="http://schemas.microsoft.com/office/drawing/2014/main" id="{984058E2-FF8E-F23D-FE4A-6A0FD9D3ED9B}"/>
-              </a:ext>
-            </a:extLst>
-          </p:cNvPr>
-          <p:cNvPicPr>
-            <a:picLocks noGrp="1" noChangeAspect="1" noChangeArrowheads="1"/>
-          </p:cNvPicPr>
-          <p:nvPr>
-            <p:ph idx="1"/>
-          </p:nvPr>
-        </p:nvPicPr>
-        <p:blipFill>
-          <a:blip r:embed="rId2">
-            <a:extLst>
-              <a:ext uri="{28A0092B-C50C-407E-A947-70E740481C1C}">
-                <a14:useLocalDpi xmlns:a14="http://schemas.microsoft.com/office/drawing/2010/main" val="0"/>
-              </a:ext>
-            </a:extLst>
-          </a:blip>
-          <a:srcRect/>
-          <a:stretch>
-            <a:fillRect/>
-          </a:stretch>
-        </p:blipFill>
-        <p:spPr bwMode="auto">
-          <a:xfrm>
-            <a:off x="3744401" y="1825625"/>
-            <a:ext cx="4703198" cy="4351338"/>
-          </a:xfrm>
-          <a:prstGeom prst="rect">
-            <a:avLst/>
-          </a:prstGeom>
-          <a:noFill/>
-          <a:extLst>
-            <a:ext uri="{909E8E84-426E-40DD-AFC4-6F175D3DCCD1}">
-              <a14:hiddenFill xmlns:a14="http://schemas.microsoft.com/office/drawing/2010/main">
-                <a:solidFill>
-                  <a:srgbClr val="FFFFFF"/>
-                </a:solidFill>
-              </a14:hiddenFill>
-            </a:ext>
-          </a:extLst>
-        </p:spPr>
-      </p:pic>
-    </p:spTree>
-    <p:extLst>
-      <p:ext uri="{BB962C8B-B14F-4D97-AF65-F5344CB8AC3E}">
-        <p14:creationId xmlns:p14="http://schemas.microsoft.com/office/powerpoint/2010/main" val="43709608"/>
-      </p:ext>
-    </p:extLst>
-  </p:cSld>
-  <p:clrMapOvr>
-    <a:masterClrMapping/>
-  </p:clrMapOvr>
-</p:sld>
-</file>
-
-<file path=ppt/slides/slide30.xml><?xml version="1.0" encoding="utf-8"?>
-<p:sld xmlns:a="http://schemas.openxmlformats.org/drawingml/2006/main" xmlns:r="http://schemas.openxmlformats.org/officeDocument/2006/relationships" xmlns:p="http://schemas.openxmlformats.org/presentationml/2006/main">
-  <p:cSld>
-    <p:spTree>
-      <p:nvGrpSpPr>
-        <p:cNvPr id="1" name=""/>
-        <p:cNvGrpSpPr/>
-        <p:nvPr/>
-      </p:nvGrpSpPr>
-      <p:grpSpPr>
-        <a:xfrm>
-          <a:off x="0" y="0"/>
-          <a:ext cx="0" cy="0"/>
-          <a:chOff x="0" y="0"/>
-          <a:chExt cx="0" cy="0"/>
-        </a:xfrm>
-      </p:grpSpPr>
-      <p:sp>
-        <p:nvSpPr>
-          <p:cNvPr id="2" name="Заголовок 1">
-            <a:extLst>
-              <a:ext uri="{FF2B5EF4-FFF2-40B4-BE49-F238E27FC236}">
-                <a16:creationId xmlns:a16="http://schemas.microsoft.com/office/drawing/2014/main" id="{C6B4FE9E-6929-B5FE-6CED-16DB66278FA5}"/>
-              </a:ext>
-            </a:extLst>
-          </p:cNvPr>
-          <p:cNvSpPr>
-            <a:spLocks noGrp="1"/>
-          </p:cNvSpPr>
-          <p:nvPr>
-            <p:ph type="title"/>
-          </p:nvPr>
-        </p:nvSpPr>
-        <p:spPr/>
-        <p:txBody>
-          <a:bodyPr/>
-          <a:lstStyle/>
-          <a:p>
-            <a:r>
-              <a:rPr lang="en-US" dirty="0"/>
               <a:t>Kanban </a:t>
             </a:r>
             <a:endParaRPr lang="ru-RU" dirty="0"/>
@@ -6756,1217 +6527,7 @@
 </p:sld>
 </file>
 
-<file path=ppt/slides/slide31.xml><?xml version="1.0" encoding="utf-8"?>
-<p:sld xmlns:a="http://schemas.openxmlformats.org/drawingml/2006/main" xmlns:r="http://schemas.openxmlformats.org/officeDocument/2006/relationships" xmlns:p="http://schemas.openxmlformats.org/presentationml/2006/main">
-  <p:cSld>
-    <p:spTree>
-      <p:nvGrpSpPr>
-        <p:cNvPr id="1" name=""/>
-        <p:cNvGrpSpPr/>
-        <p:nvPr/>
-      </p:nvGrpSpPr>
-      <p:grpSpPr>
-        <a:xfrm>
-          <a:off x="0" y="0"/>
-          <a:ext cx="0" cy="0"/>
-          <a:chOff x="0" y="0"/>
-          <a:chExt cx="0" cy="0"/>
-        </a:xfrm>
-      </p:grpSpPr>
-      <p:sp>
-        <p:nvSpPr>
-          <p:cNvPr id="2" name="Заголовок 1">
-            <a:extLst>
-              <a:ext uri="{FF2B5EF4-FFF2-40B4-BE49-F238E27FC236}">
-                <a16:creationId xmlns:a16="http://schemas.microsoft.com/office/drawing/2014/main" id="{E99E0452-31ED-66F4-D949-B346098D23FB}"/>
-              </a:ext>
-            </a:extLst>
-          </p:cNvPr>
-          <p:cNvSpPr>
-            <a:spLocks noGrp="1"/>
-          </p:cNvSpPr>
-          <p:nvPr>
-            <p:ph type="title"/>
-          </p:nvPr>
-        </p:nvSpPr>
-        <p:spPr/>
-        <p:txBody>
-          <a:bodyPr/>
-          <a:lstStyle/>
-          <a:p>
-            <a:r>
-              <a:rPr lang="en-US" dirty="0"/>
-              <a:t>Kanban – </a:t>
-            </a:r>
-            <a:r>
-              <a:rPr lang="ru-RU" dirty="0"/>
-              <a:t>представление</a:t>
-            </a:r>
-          </a:p>
-        </p:txBody>
-      </p:sp>
-      <p:pic>
-        <p:nvPicPr>
-          <p:cNvPr id="4" name="Объект 3">
-            <a:extLst>
-              <a:ext uri="{FF2B5EF4-FFF2-40B4-BE49-F238E27FC236}">
-                <a16:creationId xmlns:a16="http://schemas.microsoft.com/office/drawing/2014/main" id="{22CE8AD6-0470-41C7-AFB1-0015550D9102}"/>
-              </a:ext>
-            </a:extLst>
-          </p:cNvPr>
-          <p:cNvPicPr>
-            <a:picLocks noGrp="1" noChangeAspect="1"/>
-          </p:cNvPicPr>
-          <p:nvPr>
-            <p:ph idx="1"/>
-          </p:nvPr>
-        </p:nvPicPr>
-        <p:blipFill>
-          <a:blip r:embed="rId2"/>
-          <a:stretch>
-            <a:fillRect/>
-          </a:stretch>
-        </p:blipFill>
-        <p:spPr>
-          <a:xfrm>
-            <a:off x="1836187" y="1825625"/>
-            <a:ext cx="8519626" cy="4351338"/>
-          </a:xfrm>
-          <a:prstGeom prst="rect">
-            <a:avLst/>
-          </a:prstGeom>
-        </p:spPr>
-      </p:pic>
-    </p:spTree>
-    <p:extLst>
-      <p:ext uri="{BB962C8B-B14F-4D97-AF65-F5344CB8AC3E}">
-        <p14:creationId xmlns:p14="http://schemas.microsoft.com/office/powerpoint/2010/main" val="2674237065"/>
-      </p:ext>
-    </p:extLst>
-  </p:cSld>
-  <p:clrMapOvr>
-    <a:masterClrMapping/>
-  </p:clrMapOvr>
-</p:sld>
-</file>
-
-<file path=ppt/slides/slide32.xml><?xml version="1.0" encoding="utf-8"?>
-<p:sld xmlns:a="http://schemas.openxmlformats.org/drawingml/2006/main" xmlns:r="http://schemas.openxmlformats.org/officeDocument/2006/relationships" xmlns:p="http://schemas.openxmlformats.org/presentationml/2006/main">
-  <p:cSld>
-    <p:spTree>
-      <p:nvGrpSpPr>
-        <p:cNvPr id="1" name=""/>
-        <p:cNvGrpSpPr/>
-        <p:nvPr/>
-      </p:nvGrpSpPr>
-      <p:grpSpPr>
-        <a:xfrm>
-          <a:off x="0" y="0"/>
-          <a:ext cx="0" cy="0"/>
-          <a:chOff x="0" y="0"/>
-          <a:chExt cx="0" cy="0"/>
-        </a:xfrm>
-      </p:grpSpPr>
-      <p:sp>
-        <p:nvSpPr>
-          <p:cNvPr id="2" name="Заголовок 1">
-            <a:extLst>
-              <a:ext uri="{FF2B5EF4-FFF2-40B4-BE49-F238E27FC236}">
-                <a16:creationId xmlns:a16="http://schemas.microsoft.com/office/drawing/2014/main" id="{C6B4FE9E-6929-B5FE-6CED-16DB66278FA5}"/>
-              </a:ext>
-            </a:extLst>
-          </p:cNvPr>
-          <p:cNvSpPr>
-            <a:spLocks noGrp="1"/>
-          </p:cNvSpPr>
-          <p:nvPr>
-            <p:ph type="title"/>
-          </p:nvPr>
-        </p:nvSpPr>
-        <p:spPr/>
-        <p:txBody>
-          <a:bodyPr/>
-          <a:lstStyle/>
-          <a:p>
-            <a:r>
-              <a:rPr lang="en-US" dirty="0"/>
-              <a:t>Kanban </a:t>
-            </a:r>
-            <a:endParaRPr lang="ru-RU" dirty="0"/>
-          </a:p>
-        </p:txBody>
-      </p:sp>
-      <p:sp>
-        <p:nvSpPr>
-          <p:cNvPr id="5" name="Объект 4">
-            <a:extLst>
-              <a:ext uri="{FF2B5EF4-FFF2-40B4-BE49-F238E27FC236}">
-                <a16:creationId xmlns:a16="http://schemas.microsoft.com/office/drawing/2014/main" id="{C634EC9E-9279-8B4F-1509-77FB4B59BB97}"/>
-              </a:ext>
-            </a:extLst>
-          </p:cNvPr>
-          <p:cNvSpPr>
-            <a:spLocks noGrp="1"/>
-          </p:cNvSpPr>
-          <p:nvPr>
-            <p:ph idx="1"/>
-          </p:nvPr>
-        </p:nvSpPr>
-        <p:spPr/>
-        <p:txBody>
-          <a:bodyPr/>
-          <a:lstStyle/>
-          <a:p>
-            <a:pPr marL="0" indent="0">
-              <a:lnSpc>
-                <a:spcPct val="80000"/>
-              </a:lnSpc>
-              <a:buNone/>
-            </a:pPr>
-            <a:r>
-              <a:rPr lang="ru-RU" sz="2600" dirty="0"/>
-              <a:t>Компания</a:t>
-            </a:r>
-            <a:r>
-              <a:rPr lang="en-US" sz="2600" dirty="0"/>
-              <a:t>: </a:t>
-            </a:r>
-            <a:r>
-              <a:rPr lang="ru-RU" sz="2600" dirty="0"/>
-              <a:t>Аптека25</a:t>
-            </a:r>
-            <a:r>
-              <a:rPr lang="en-US" sz="2600" dirty="0"/>
-              <a:t>.</a:t>
-            </a:r>
-            <a:r>
-              <a:rPr lang="ru-RU" sz="2600" dirty="0" err="1"/>
-              <a:t>рф</a:t>
-            </a:r>
-            <a:endParaRPr lang="ru-RU" sz="2600" dirty="0"/>
-          </a:p>
-          <a:p>
-            <a:pPr marL="0" indent="0">
-              <a:lnSpc>
-                <a:spcPct val="80000"/>
-              </a:lnSpc>
-              <a:buNone/>
-            </a:pPr>
-            <a:endParaRPr lang="ru-RU" sz="2600" dirty="0"/>
-          </a:p>
-          <a:p>
-            <a:pPr marL="514350" indent="-514350">
-              <a:lnSpc>
-                <a:spcPct val="80000"/>
-              </a:lnSpc>
-              <a:buFont typeface="+mj-lt"/>
-              <a:buAutoNum type="arabicPeriod"/>
-            </a:pPr>
-            <a:r>
-              <a:rPr lang="ru-RU" sz="2600" dirty="0"/>
-              <a:t>Каждая задача из цикла показана на карточках</a:t>
-            </a:r>
-            <a:endParaRPr lang="en-US" sz="2600" dirty="0"/>
-          </a:p>
-          <a:p>
-            <a:pPr marL="514350" indent="-514350">
-              <a:lnSpc>
-                <a:spcPct val="80000"/>
-              </a:lnSpc>
-              <a:buFont typeface="+mj-lt"/>
-              <a:buAutoNum type="arabicPeriod"/>
-            </a:pPr>
-            <a:r>
-              <a:rPr lang="ru-RU" sz="2600" dirty="0"/>
-              <a:t>Наглядное представление кто на какой стадии</a:t>
-            </a:r>
-            <a:r>
-              <a:rPr lang="en-US" sz="2600" dirty="0"/>
-              <a:t>, </a:t>
-            </a:r>
-            <a:r>
-              <a:rPr lang="ru-RU" sz="2600" dirty="0"/>
-              <a:t>кто чем занимается</a:t>
-            </a:r>
-            <a:r>
-              <a:rPr lang="en-US" sz="2600" dirty="0"/>
-              <a:t>, </a:t>
-            </a:r>
-            <a:r>
-              <a:rPr lang="ru-RU" sz="2600" dirty="0"/>
-              <a:t>без четких сроков и без четких требований</a:t>
-            </a:r>
-          </a:p>
-          <a:p>
-            <a:pPr marL="0" indent="0">
-              <a:lnSpc>
-                <a:spcPct val="80000"/>
-              </a:lnSpc>
-              <a:buNone/>
-            </a:pPr>
-            <a:endParaRPr lang="ru-RU" sz="2600" dirty="0"/>
-          </a:p>
-          <a:p>
-            <a:pPr marL="0" indent="0">
-              <a:lnSpc>
-                <a:spcPct val="80000"/>
-              </a:lnSpc>
-              <a:buNone/>
-            </a:pPr>
-            <a:r>
-              <a:rPr lang="ru-RU" sz="2600" dirty="0"/>
-              <a:t>Итог: максимальная оптимизация производственного процесса, сокращение очередей и «простоев».</a:t>
-            </a:r>
-          </a:p>
-          <a:p>
-            <a:pPr marL="0" indent="0">
-              <a:buNone/>
-            </a:pPr>
-            <a:endParaRPr lang="en-US" sz="2400" dirty="0"/>
-          </a:p>
-        </p:txBody>
-      </p:sp>
-    </p:spTree>
-    <p:extLst>
-      <p:ext uri="{BB962C8B-B14F-4D97-AF65-F5344CB8AC3E}">
-        <p14:creationId xmlns:p14="http://schemas.microsoft.com/office/powerpoint/2010/main" val="662717661"/>
-      </p:ext>
-    </p:extLst>
-  </p:cSld>
-  <p:clrMapOvr>
-    <a:masterClrMapping/>
-  </p:clrMapOvr>
-</p:sld>
-</file>
-
-<file path=ppt/slides/slide33.xml><?xml version="1.0" encoding="utf-8"?>
-<p:sld xmlns:a="http://schemas.openxmlformats.org/drawingml/2006/main" xmlns:r="http://schemas.openxmlformats.org/officeDocument/2006/relationships" xmlns:p="http://schemas.openxmlformats.org/presentationml/2006/main">
-  <p:cSld>
-    <p:spTree>
-      <p:nvGrpSpPr>
-        <p:cNvPr id="1" name=""/>
-        <p:cNvGrpSpPr/>
-        <p:nvPr/>
-      </p:nvGrpSpPr>
-      <p:grpSpPr>
-        <a:xfrm>
-          <a:off x="0" y="0"/>
-          <a:ext cx="0" cy="0"/>
-          <a:chOff x="0" y="0"/>
-          <a:chExt cx="0" cy="0"/>
-        </a:xfrm>
-      </p:grpSpPr>
-      <p:sp>
-        <p:nvSpPr>
-          <p:cNvPr id="2" name="Заголовок 1">
-            <a:extLst>
-              <a:ext uri="{FF2B5EF4-FFF2-40B4-BE49-F238E27FC236}">
-                <a16:creationId xmlns:a16="http://schemas.microsoft.com/office/drawing/2014/main" id="{C6B4FE9E-6929-B5FE-6CED-16DB66278FA5}"/>
-              </a:ext>
-            </a:extLst>
-          </p:cNvPr>
-          <p:cNvSpPr>
-            <a:spLocks noGrp="1"/>
-          </p:cNvSpPr>
-          <p:nvPr>
-            <p:ph type="title"/>
-          </p:nvPr>
-        </p:nvSpPr>
-        <p:spPr/>
-        <p:txBody>
-          <a:bodyPr/>
-          <a:lstStyle/>
-          <a:p>
-            <a:r>
-              <a:rPr lang="en-US" dirty="0"/>
-              <a:t>Waterfall (</a:t>
-            </a:r>
-            <a:r>
-              <a:rPr lang="ru-RU" dirty="0"/>
-              <a:t>водопад)</a:t>
-            </a:r>
-            <a:r>
-              <a:rPr lang="en-US" dirty="0"/>
-              <a:t> </a:t>
-            </a:r>
-            <a:endParaRPr lang="ru-RU" dirty="0"/>
-          </a:p>
-        </p:txBody>
-      </p:sp>
-      <p:sp>
-        <p:nvSpPr>
-          <p:cNvPr id="5" name="Объект 4">
-            <a:extLst>
-              <a:ext uri="{FF2B5EF4-FFF2-40B4-BE49-F238E27FC236}">
-                <a16:creationId xmlns:a16="http://schemas.microsoft.com/office/drawing/2014/main" id="{C634EC9E-9279-8B4F-1509-77FB4B59BB97}"/>
-              </a:ext>
-            </a:extLst>
-          </p:cNvPr>
-          <p:cNvSpPr>
-            <a:spLocks noGrp="1"/>
-          </p:cNvSpPr>
-          <p:nvPr>
-            <p:ph idx="1"/>
-          </p:nvPr>
-        </p:nvSpPr>
-        <p:spPr/>
-        <p:txBody>
-          <a:bodyPr/>
-          <a:lstStyle/>
-          <a:p>
-            <a:pPr marL="514350" indent="-514350">
-              <a:buFont typeface="+mj-lt"/>
-              <a:buAutoNum type="arabicPeriod"/>
-            </a:pPr>
-            <a:r>
-              <a:rPr lang="ru-RU" dirty="0"/>
-              <a:t>Линейная структура – Анализ → Проектирование → Разработка → Тестирование → Внедрение.</a:t>
-            </a:r>
-          </a:p>
-          <a:p>
-            <a:pPr marL="514350" indent="-514350">
-              <a:buFont typeface="+mj-lt"/>
-              <a:buAutoNum type="arabicPeriod"/>
-            </a:pPr>
-            <a:r>
-              <a:rPr lang="ru-RU" dirty="0"/>
-              <a:t>Фиксированные требования – все согласовывается в начале, изменения после старта – редкие и трудные.</a:t>
-            </a:r>
-          </a:p>
-          <a:p>
-            <a:pPr marL="514350" indent="-514350">
-              <a:buFont typeface="+mj-lt"/>
-              <a:buAutoNum type="arabicPeriod"/>
-            </a:pPr>
-            <a:r>
-              <a:rPr lang="ru-RU" dirty="0"/>
-              <a:t>Документированность –на каждом этапе формируются отчёты и спецификации.</a:t>
-            </a:r>
-          </a:p>
-          <a:p>
-            <a:pPr marL="514350" indent="-514350">
-              <a:buFont typeface="+mj-lt"/>
-              <a:buAutoNum type="arabicPeriod"/>
-            </a:pPr>
-            <a:r>
-              <a:rPr lang="ru-RU" dirty="0"/>
-              <a:t>Чёткие фазы – переход на следующую фазу только после завершения предыдущей.</a:t>
-            </a:r>
-            <a:endParaRPr lang="en-US" sz="2400" dirty="0"/>
-          </a:p>
-        </p:txBody>
-      </p:sp>
-    </p:spTree>
-    <p:extLst>
-      <p:ext uri="{BB962C8B-B14F-4D97-AF65-F5344CB8AC3E}">
-        <p14:creationId xmlns:p14="http://schemas.microsoft.com/office/powerpoint/2010/main" val="2699751149"/>
-      </p:ext>
-    </p:extLst>
-  </p:cSld>
-  <p:clrMapOvr>
-    <a:masterClrMapping/>
-  </p:clrMapOvr>
-</p:sld>
-</file>
-
-<file path=ppt/slides/slide34.xml><?xml version="1.0" encoding="utf-8"?>
-<p:sld xmlns:a="http://schemas.openxmlformats.org/drawingml/2006/main" xmlns:r="http://schemas.openxmlformats.org/officeDocument/2006/relationships" xmlns:p="http://schemas.openxmlformats.org/presentationml/2006/main">
-  <p:cSld>
-    <p:spTree>
-      <p:nvGrpSpPr>
-        <p:cNvPr id="1" name=""/>
-        <p:cNvGrpSpPr/>
-        <p:nvPr/>
-      </p:nvGrpSpPr>
-      <p:grpSpPr>
-        <a:xfrm>
-          <a:off x="0" y="0"/>
-          <a:ext cx="0" cy="0"/>
-          <a:chOff x="0" y="0"/>
-          <a:chExt cx="0" cy="0"/>
-        </a:xfrm>
-      </p:grpSpPr>
-      <p:sp>
-        <p:nvSpPr>
-          <p:cNvPr id="2" name="Заголовок 1">
-            <a:extLst>
-              <a:ext uri="{FF2B5EF4-FFF2-40B4-BE49-F238E27FC236}">
-                <a16:creationId xmlns:a16="http://schemas.microsoft.com/office/drawing/2014/main" id="{8DEA002A-49AE-FE61-B50B-AA6DBCEA10AA}"/>
-              </a:ext>
-            </a:extLst>
-          </p:cNvPr>
-          <p:cNvSpPr>
-            <a:spLocks noGrp="1"/>
-          </p:cNvSpPr>
-          <p:nvPr>
-            <p:ph type="title"/>
-          </p:nvPr>
-        </p:nvSpPr>
-        <p:spPr/>
-        <p:txBody>
-          <a:bodyPr/>
-          <a:lstStyle/>
-          <a:p>
-            <a:r>
-              <a:rPr lang="en-US" dirty="0"/>
-              <a:t>Waterfall (</a:t>
-            </a:r>
-            <a:r>
-              <a:rPr lang="ru-RU" dirty="0"/>
-              <a:t>водопад)</a:t>
-            </a:r>
-            <a:r>
-              <a:rPr lang="en-US" dirty="0"/>
-              <a:t> </a:t>
-            </a:r>
-            <a:r>
-              <a:rPr lang="ru-RU" dirty="0"/>
-              <a:t>– пример подхода</a:t>
-            </a:r>
-          </a:p>
-        </p:txBody>
-      </p:sp>
-      <p:pic>
-        <p:nvPicPr>
-          <p:cNvPr id="9218" name="Picture 2" descr="Agile или Waterfall — какой вариант соответствует вашему бизнесу? - Блог  системы управления проектами Worksection">
-            <a:extLst>
-              <a:ext uri="{FF2B5EF4-FFF2-40B4-BE49-F238E27FC236}">
-                <a16:creationId xmlns:a16="http://schemas.microsoft.com/office/drawing/2014/main" id="{EB525CBA-44A1-C21F-E920-E6F25D6D0BF1}"/>
-              </a:ext>
-            </a:extLst>
-          </p:cNvPr>
-          <p:cNvPicPr>
-            <a:picLocks noGrp="1" noChangeAspect="1" noChangeArrowheads="1"/>
-          </p:cNvPicPr>
-          <p:nvPr>
-            <p:ph idx="1"/>
-          </p:nvPr>
-        </p:nvPicPr>
-        <p:blipFill>
-          <a:blip r:embed="rId2">
-            <a:extLst>
-              <a:ext uri="{28A0092B-C50C-407E-A947-70E740481C1C}">
-                <a14:useLocalDpi xmlns:a14="http://schemas.microsoft.com/office/drawing/2010/main" val="0"/>
-              </a:ext>
-            </a:extLst>
-          </a:blip>
-          <a:srcRect/>
-          <a:stretch>
-            <a:fillRect/>
-          </a:stretch>
-        </p:blipFill>
-        <p:spPr bwMode="auto">
-          <a:xfrm>
-            <a:off x="2857500" y="1690688"/>
-            <a:ext cx="6477000" cy="4216400"/>
-          </a:xfrm>
-          <a:prstGeom prst="rect">
-            <a:avLst/>
-          </a:prstGeom>
-          <a:noFill/>
-          <a:extLst>
-            <a:ext uri="{909E8E84-426E-40DD-AFC4-6F175D3DCCD1}">
-              <a14:hiddenFill xmlns:a14="http://schemas.microsoft.com/office/drawing/2010/main">
-                <a:solidFill>
-                  <a:srgbClr val="FFFFFF"/>
-                </a:solidFill>
-              </a14:hiddenFill>
-            </a:ext>
-          </a:extLst>
-        </p:spPr>
-      </p:pic>
-      <p:sp>
-        <p:nvSpPr>
-          <p:cNvPr id="4" name="TextBox 3">
-            <a:extLst>
-              <a:ext uri="{FF2B5EF4-FFF2-40B4-BE49-F238E27FC236}">
-                <a16:creationId xmlns:a16="http://schemas.microsoft.com/office/drawing/2014/main" id="{D1BB0F65-6584-1EED-B440-4BCBE292FEAC}"/>
-              </a:ext>
-            </a:extLst>
-          </p:cNvPr>
-          <p:cNvSpPr txBox="1"/>
-          <p:nvPr/>
-        </p:nvSpPr>
-        <p:spPr>
-          <a:xfrm>
-            <a:off x="2857500" y="5934670"/>
-            <a:ext cx="6612673" cy="923330"/>
-          </a:xfrm>
-          <a:prstGeom prst="rect">
-            <a:avLst/>
-          </a:prstGeom>
-          <a:noFill/>
-        </p:spPr>
-        <p:txBody>
-          <a:bodyPr wrap="square" rtlCol="0">
-            <a:spAutoFit/>
-          </a:bodyPr>
-          <a:lstStyle/>
-          <a:p>
-            <a:r>
-              <a:rPr lang="ru-RU" dirty="0"/>
-              <a:t>Основная разница в том</a:t>
-            </a:r>
-            <a:r>
-              <a:rPr lang="en-US" dirty="0"/>
-              <a:t>, </a:t>
-            </a:r>
-            <a:r>
-              <a:rPr lang="ru-RU" dirty="0"/>
-              <a:t>что этапы четкие и последовательные для всего проекта</a:t>
-            </a:r>
-            <a:r>
-              <a:rPr lang="en-US" dirty="0"/>
-              <a:t>, </a:t>
-            </a:r>
-            <a:r>
-              <a:rPr lang="ru-RU" dirty="0"/>
-              <a:t>в гибких методологиях нет смысла определять этапы</a:t>
-            </a:r>
-          </a:p>
-        </p:txBody>
-      </p:sp>
-    </p:spTree>
-    <p:extLst>
-      <p:ext uri="{BB962C8B-B14F-4D97-AF65-F5344CB8AC3E}">
-        <p14:creationId xmlns:p14="http://schemas.microsoft.com/office/powerpoint/2010/main" val="3971844412"/>
-      </p:ext>
-    </p:extLst>
-  </p:cSld>
-  <p:clrMapOvr>
-    <a:masterClrMapping/>
-  </p:clrMapOvr>
-</p:sld>
-</file>
-
-<file path=ppt/slides/slide35.xml><?xml version="1.0" encoding="utf-8"?>
-<p:sld xmlns:a="http://schemas.openxmlformats.org/drawingml/2006/main" xmlns:r="http://schemas.openxmlformats.org/officeDocument/2006/relationships" xmlns:p="http://schemas.openxmlformats.org/presentationml/2006/main">
-  <p:cSld>
-    <p:spTree>
-      <p:nvGrpSpPr>
-        <p:cNvPr id="1" name=""/>
-        <p:cNvGrpSpPr/>
-        <p:nvPr/>
-      </p:nvGrpSpPr>
-      <p:grpSpPr>
-        <a:xfrm>
-          <a:off x="0" y="0"/>
-          <a:ext cx="0" cy="0"/>
-          <a:chOff x="0" y="0"/>
-          <a:chExt cx="0" cy="0"/>
-        </a:xfrm>
-      </p:grpSpPr>
-      <p:sp>
-        <p:nvSpPr>
-          <p:cNvPr id="2" name="Заголовок 1">
-            <a:extLst>
-              <a:ext uri="{FF2B5EF4-FFF2-40B4-BE49-F238E27FC236}">
-                <a16:creationId xmlns:a16="http://schemas.microsoft.com/office/drawing/2014/main" id="{C6B4FE9E-6929-B5FE-6CED-16DB66278FA5}"/>
-              </a:ext>
-            </a:extLst>
-          </p:cNvPr>
-          <p:cNvSpPr>
-            <a:spLocks noGrp="1"/>
-          </p:cNvSpPr>
-          <p:nvPr>
-            <p:ph type="title"/>
-          </p:nvPr>
-        </p:nvSpPr>
-        <p:spPr/>
-        <p:txBody>
-          <a:bodyPr/>
-          <a:lstStyle/>
-          <a:p>
-            <a:r>
-              <a:rPr lang="en-US" dirty="0"/>
-              <a:t>Waterfall (</a:t>
-            </a:r>
-            <a:r>
-              <a:rPr lang="ru-RU" dirty="0"/>
-              <a:t>пример из жизни)</a:t>
-            </a:r>
-            <a:r>
-              <a:rPr lang="en-US" dirty="0"/>
-              <a:t> </a:t>
-            </a:r>
-            <a:endParaRPr lang="ru-RU" dirty="0"/>
-          </a:p>
-        </p:txBody>
-      </p:sp>
-      <p:sp>
-        <p:nvSpPr>
-          <p:cNvPr id="5" name="Объект 4">
-            <a:extLst>
-              <a:ext uri="{FF2B5EF4-FFF2-40B4-BE49-F238E27FC236}">
-                <a16:creationId xmlns:a16="http://schemas.microsoft.com/office/drawing/2014/main" id="{C634EC9E-9279-8B4F-1509-77FB4B59BB97}"/>
-              </a:ext>
-            </a:extLst>
-          </p:cNvPr>
-          <p:cNvSpPr>
-            <a:spLocks noGrp="1"/>
-          </p:cNvSpPr>
-          <p:nvPr>
-            <p:ph idx="1"/>
-          </p:nvPr>
-        </p:nvSpPr>
-        <p:spPr/>
-        <p:txBody>
-          <a:bodyPr>
-            <a:normAutofit/>
-          </a:bodyPr>
-          <a:lstStyle/>
-          <a:p>
-            <a:pPr marL="0" indent="0">
-              <a:buNone/>
-            </a:pPr>
-            <a:r>
-              <a:rPr lang="ru-RU" sz="2600" dirty="0"/>
-              <a:t>Строительство моста или госзаказ (инфраструктурные проекты)</a:t>
-            </a:r>
-          </a:p>
-          <a:p>
-            <a:pPr marL="0" indent="0">
-              <a:buNone/>
-            </a:pPr>
-            <a:endParaRPr lang="ru-RU" sz="2600" dirty="0"/>
-          </a:p>
-          <a:p>
-            <a:pPr marL="0" indent="0">
-              <a:buNone/>
-            </a:pPr>
-            <a:r>
-              <a:rPr lang="ru-RU" sz="2600" dirty="0"/>
-              <a:t>На старте: детальный план, смета, архитектурные чертежи и проектная документация.</a:t>
-            </a:r>
-          </a:p>
-          <a:p>
-            <a:pPr marL="0" indent="0">
-              <a:buNone/>
-            </a:pPr>
-            <a:r>
-              <a:rPr lang="ru-RU" sz="2600" dirty="0"/>
-              <a:t>Затем подрядчики строго следуют плану, с минимальными изменениями.</a:t>
-            </a:r>
-          </a:p>
-          <a:p>
-            <a:pPr marL="0" indent="0">
-              <a:buNone/>
-            </a:pPr>
-            <a:endParaRPr lang="ru-RU" sz="2600" dirty="0"/>
-          </a:p>
-          <a:p>
-            <a:pPr marL="0" indent="0">
-              <a:buNone/>
-            </a:pPr>
-            <a:r>
-              <a:rPr lang="en" sz="2600" dirty="0"/>
-              <a:t>Waterfall </a:t>
-            </a:r>
-            <a:r>
-              <a:rPr lang="ru-RU" sz="2600" dirty="0"/>
-              <a:t>хорошо работает, если требования и ресурсы чётко определены, а процесс трудоёмок и контролируем государственными нормами.</a:t>
-            </a:r>
-            <a:endParaRPr lang="en-US" sz="2600" dirty="0"/>
-          </a:p>
-        </p:txBody>
-      </p:sp>
-    </p:spTree>
-    <p:extLst>
-      <p:ext uri="{BB962C8B-B14F-4D97-AF65-F5344CB8AC3E}">
-        <p14:creationId xmlns:p14="http://schemas.microsoft.com/office/powerpoint/2010/main" val="2868669439"/>
-      </p:ext>
-    </p:extLst>
-  </p:cSld>
-  <p:clrMapOvr>
-    <a:masterClrMapping/>
-  </p:clrMapOvr>
-</p:sld>
-</file>
-
-<file path=ppt/slides/slide36.xml><?xml version="1.0" encoding="utf-8"?>
-<p:sld xmlns:a="http://schemas.openxmlformats.org/drawingml/2006/main" xmlns:r="http://schemas.openxmlformats.org/officeDocument/2006/relationships" xmlns:p="http://schemas.openxmlformats.org/presentationml/2006/main">
-  <p:cSld>
-    <p:spTree>
-      <p:nvGrpSpPr>
-        <p:cNvPr id="1" name=""/>
-        <p:cNvGrpSpPr/>
-        <p:nvPr/>
-      </p:nvGrpSpPr>
-      <p:grpSpPr>
-        <a:xfrm>
-          <a:off x="0" y="0"/>
-          <a:ext cx="0" cy="0"/>
-          <a:chOff x="0" y="0"/>
-          <a:chExt cx="0" cy="0"/>
-        </a:xfrm>
-      </p:grpSpPr>
-      <p:sp>
-        <p:nvSpPr>
-          <p:cNvPr id="2" name="Заголовок 1">
-            <a:extLst>
-              <a:ext uri="{FF2B5EF4-FFF2-40B4-BE49-F238E27FC236}">
-                <a16:creationId xmlns:a16="http://schemas.microsoft.com/office/drawing/2014/main" id="{C6B4FE9E-6929-B5FE-6CED-16DB66278FA5}"/>
-              </a:ext>
-            </a:extLst>
-          </p:cNvPr>
-          <p:cNvSpPr>
-            <a:spLocks noGrp="1"/>
-          </p:cNvSpPr>
-          <p:nvPr>
-            <p:ph type="title"/>
-          </p:nvPr>
-        </p:nvSpPr>
-        <p:spPr/>
-        <p:txBody>
-          <a:bodyPr/>
-          <a:lstStyle/>
-          <a:p>
-            <a:r>
-              <a:rPr lang="ru-RU" dirty="0"/>
-              <a:t>А как понять какая модель мне нужна</a:t>
-            </a:r>
-            <a:r>
-              <a:rPr lang="en-US" dirty="0"/>
-              <a:t>????</a:t>
-            </a:r>
-            <a:endParaRPr lang="ru-RU" dirty="0"/>
-          </a:p>
-        </p:txBody>
-      </p:sp>
-      <p:sp>
-        <p:nvSpPr>
-          <p:cNvPr id="5" name="Объект 4">
-            <a:extLst>
-              <a:ext uri="{FF2B5EF4-FFF2-40B4-BE49-F238E27FC236}">
-                <a16:creationId xmlns:a16="http://schemas.microsoft.com/office/drawing/2014/main" id="{C634EC9E-9279-8B4F-1509-77FB4B59BB97}"/>
-              </a:ext>
-            </a:extLst>
-          </p:cNvPr>
-          <p:cNvSpPr>
-            <a:spLocks noGrp="1"/>
-          </p:cNvSpPr>
-          <p:nvPr>
-            <p:ph idx="1"/>
-          </p:nvPr>
-        </p:nvSpPr>
-        <p:spPr/>
-        <p:txBody>
-          <a:bodyPr>
-            <a:normAutofit/>
-          </a:bodyPr>
-          <a:lstStyle/>
-          <a:p>
-            <a:pPr marL="514350" indent="-514350">
-              <a:buFont typeface="+mj-lt"/>
-              <a:buAutoNum type="arabicPeriod"/>
-            </a:pPr>
-            <a:r>
-              <a:rPr lang="en-US" sz="2600" dirty="0"/>
-              <a:t>Agile – </a:t>
-            </a:r>
-            <a:r>
-              <a:rPr lang="ru-RU" sz="2600" dirty="0"/>
-              <a:t>когда требования могут меняться</a:t>
-            </a:r>
-            <a:r>
-              <a:rPr lang="en-US" sz="2600" dirty="0"/>
-              <a:t>, </a:t>
-            </a:r>
-            <a:r>
-              <a:rPr lang="ru-RU" sz="2600" dirty="0"/>
-              <a:t>нужна гибкость</a:t>
-            </a:r>
-            <a:r>
-              <a:rPr lang="en-US" sz="2600" dirty="0"/>
-              <a:t>, </a:t>
-            </a:r>
-            <a:r>
-              <a:rPr lang="ru-RU" sz="2600" dirty="0"/>
-              <a:t>где нужно тестировать гипотезы</a:t>
-            </a:r>
-          </a:p>
-          <a:p>
-            <a:pPr marL="514350" indent="-514350">
-              <a:buFont typeface="+mj-lt"/>
-              <a:buAutoNum type="arabicPeriod"/>
-            </a:pPr>
-            <a:r>
-              <a:rPr lang="en-US" sz="2600" dirty="0"/>
-              <a:t>Scrum – </a:t>
-            </a:r>
-            <a:r>
-              <a:rPr lang="ru-RU" sz="2600" dirty="0"/>
-              <a:t>точно также как </a:t>
-            </a:r>
-            <a:r>
-              <a:rPr lang="en-US" sz="2600" dirty="0"/>
-              <a:t>agile, </a:t>
-            </a:r>
-            <a:r>
-              <a:rPr lang="ru-RU" sz="2600" dirty="0"/>
-              <a:t>в добавок с четкой организованной </a:t>
-            </a:r>
-            <a:r>
-              <a:rPr lang="ru-RU" sz="2600" dirty="0" err="1"/>
-              <a:t>струткурой</a:t>
-            </a:r>
-            <a:r>
-              <a:rPr lang="ru-RU" sz="2600" dirty="0"/>
-              <a:t> выполнения</a:t>
-            </a:r>
-          </a:p>
-          <a:p>
-            <a:pPr marL="514350" indent="-514350">
-              <a:buFont typeface="+mj-lt"/>
-              <a:buAutoNum type="arabicPeriod"/>
-            </a:pPr>
-            <a:r>
-              <a:rPr lang="ru-RU" sz="2600" dirty="0" err="1"/>
-              <a:t>Канбан</a:t>
-            </a:r>
-            <a:r>
-              <a:rPr lang="ru-RU" sz="2600" dirty="0"/>
-              <a:t> – постоянный поток без жестких итераций</a:t>
-            </a:r>
-          </a:p>
-          <a:p>
-            <a:pPr marL="514350" indent="-514350">
-              <a:buFont typeface="+mj-lt"/>
-              <a:buAutoNum type="arabicPeriod"/>
-            </a:pPr>
-            <a:r>
-              <a:rPr lang="ru-RU" sz="2600" dirty="0"/>
-              <a:t>Водопад – проект под заказ (или под ключ)</a:t>
-            </a:r>
-          </a:p>
-          <a:p>
-            <a:pPr marL="514350" indent="-514350">
-              <a:buFont typeface="+mj-lt"/>
-              <a:buAutoNum type="arabicPeriod"/>
-            </a:pPr>
-            <a:endParaRPr lang="ru-RU" sz="2600" dirty="0"/>
-          </a:p>
-          <a:p>
-            <a:pPr marL="0" indent="0">
-              <a:buNone/>
-            </a:pPr>
-            <a:r>
-              <a:rPr lang="ru-RU" sz="2600" dirty="0"/>
-              <a:t>Первые 3 подхода больше подходят продуктовой команде</a:t>
-            </a:r>
-            <a:r>
-              <a:rPr lang="en-US" sz="2600" dirty="0"/>
-              <a:t>, </a:t>
-            </a:r>
-            <a:r>
-              <a:rPr lang="ru-RU" sz="2600" dirty="0"/>
-              <a:t>тогда как последний больше подходит для работы на внешних заказчиков</a:t>
-            </a:r>
-            <a:endParaRPr lang="en-US" sz="2600" dirty="0"/>
-          </a:p>
-        </p:txBody>
-      </p:sp>
-    </p:spTree>
-    <p:extLst>
-      <p:ext uri="{BB962C8B-B14F-4D97-AF65-F5344CB8AC3E}">
-        <p14:creationId xmlns:p14="http://schemas.microsoft.com/office/powerpoint/2010/main" val="467967435"/>
-      </p:ext>
-    </p:extLst>
-  </p:cSld>
-  <p:clrMapOvr>
-    <a:masterClrMapping/>
-  </p:clrMapOvr>
-</p:sld>
-</file>
-
-<file path=ppt/slides/slide37.xml><?xml version="1.0" encoding="utf-8"?>
-<p:sld xmlns:a="http://schemas.openxmlformats.org/drawingml/2006/main" xmlns:r="http://schemas.openxmlformats.org/officeDocument/2006/relationships" xmlns:p="http://schemas.openxmlformats.org/presentationml/2006/main">
-  <p:cSld>
-    <p:spTree>
-      <p:nvGrpSpPr>
-        <p:cNvPr id="1" name=""/>
-        <p:cNvGrpSpPr/>
-        <p:nvPr/>
-      </p:nvGrpSpPr>
-      <p:grpSpPr>
-        <a:xfrm>
-          <a:off x="0" y="0"/>
-          <a:ext cx="0" cy="0"/>
-          <a:chOff x="0" y="0"/>
-          <a:chExt cx="0" cy="0"/>
-        </a:xfrm>
-      </p:grpSpPr>
-      <p:sp>
-        <p:nvSpPr>
-          <p:cNvPr id="2" name="Заголовок 1">
-            <a:extLst>
-              <a:ext uri="{FF2B5EF4-FFF2-40B4-BE49-F238E27FC236}">
-                <a16:creationId xmlns:a16="http://schemas.microsoft.com/office/drawing/2014/main" id="{1F2429CE-2E97-3C9C-1E72-7A385E012136}"/>
-              </a:ext>
-            </a:extLst>
-          </p:cNvPr>
-          <p:cNvSpPr>
-            <a:spLocks noGrp="1"/>
-          </p:cNvSpPr>
-          <p:nvPr>
-            <p:ph type="title"/>
-          </p:nvPr>
-        </p:nvSpPr>
-        <p:spPr/>
-        <p:txBody>
-          <a:bodyPr/>
-          <a:lstStyle/>
-          <a:p>
-            <a:r>
-              <a:rPr lang="ru-RU" dirty="0"/>
-              <a:t>Задачка</a:t>
-            </a:r>
-          </a:p>
-        </p:txBody>
-      </p:sp>
-      <p:sp>
-        <p:nvSpPr>
-          <p:cNvPr id="3" name="Объект 2">
-            <a:extLst>
-              <a:ext uri="{FF2B5EF4-FFF2-40B4-BE49-F238E27FC236}">
-                <a16:creationId xmlns:a16="http://schemas.microsoft.com/office/drawing/2014/main" id="{1181C6F0-4B74-643E-7034-3BFB239E791B}"/>
-              </a:ext>
-            </a:extLst>
-          </p:cNvPr>
-          <p:cNvSpPr>
-            <a:spLocks noGrp="1"/>
-          </p:cNvSpPr>
-          <p:nvPr>
-            <p:ph idx="1"/>
-          </p:nvPr>
-        </p:nvSpPr>
-        <p:spPr/>
-        <p:txBody>
-          <a:bodyPr/>
-          <a:lstStyle/>
-          <a:p>
-            <a:pPr marL="0" indent="0">
-              <a:buNone/>
-            </a:pPr>
-            <a:r>
-              <a:rPr lang="en" dirty="0">
-                <a:hlinkClick r:id="rId2"/>
-              </a:rPr>
-              <a:t>https://telegra.ph/Gruppovoe-zadanie-Opredelenie-metodologii-i-planirovanie-proekta-03-01</a:t>
-            </a:r>
-            <a:endParaRPr lang="en" dirty="0"/>
-          </a:p>
-          <a:p>
-            <a:pPr marL="0" indent="0">
-              <a:buNone/>
-            </a:pPr>
-            <a:endParaRPr lang="ru-RU" dirty="0"/>
-          </a:p>
-        </p:txBody>
-      </p:sp>
-    </p:spTree>
-    <p:extLst>
-      <p:ext uri="{BB962C8B-B14F-4D97-AF65-F5344CB8AC3E}">
-        <p14:creationId xmlns:p14="http://schemas.microsoft.com/office/powerpoint/2010/main" val="1142471368"/>
-      </p:ext>
-    </p:extLst>
-  </p:cSld>
-  <p:clrMapOvr>
-    <a:masterClrMapping/>
-  </p:clrMapOvr>
-</p:sld>
-</file>
-
-<file path=ppt/slides/slide38.xml><?xml version="1.0" encoding="utf-8"?>
-<p:sld xmlns:a="http://schemas.openxmlformats.org/drawingml/2006/main" xmlns:r="http://schemas.openxmlformats.org/officeDocument/2006/relationships" xmlns:p="http://schemas.openxmlformats.org/presentationml/2006/main">
-  <p:cSld>
-    <p:spTree>
-      <p:nvGrpSpPr>
-        <p:cNvPr id="1" name=""/>
-        <p:cNvGrpSpPr/>
-        <p:nvPr/>
-      </p:nvGrpSpPr>
-      <p:grpSpPr>
-        <a:xfrm>
-          <a:off x="0" y="0"/>
-          <a:ext cx="0" cy="0"/>
-          <a:chOff x="0" y="0"/>
-          <a:chExt cx="0" cy="0"/>
-        </a:xfrm>
-      </p:grpSpPr>
-      <p:sp>
-        <p:nvSpPr>
-          <p:cNvPr id="2" name="Заголовок 1">
-            <a:extLst>
-              <a:ext uri="{FF2B5EF4-FFF2-40B4-BE49-F238E27FC236}">
-                <a16:creationId xmlns:a16="http://schemas.microsoft.com/office/drawing/2014/main" id="{1F2429CE-2E97-3C9C-1E72-7A385E012136}"/>
-              </a:ext>
-            </a:extLst>
-          </p:cNvPr>
-          <p:cNvSpPr>
-            <a:spLocks noGrp="1"/>
-          </p:cNvSpPr>
-          <p:nvPr>
-            <p:ph type="title"/>
-          </p:nvPr>
-        </p:nvSpPr>
-        <p:spPr/>
-        <p:txBody>
-          <a:bodyPr/>
-          <a:lstStyle/>
-          <a:p>
-            <a:r>
-              <a:rPr lang="ru-RU" dirty="0"/>
-              <a:t>Что дальше</a:t>
-            </a:r>
-            <a:r>
-              <a:rPr lang="en-US" dirty="0"/>
-              <a:t>?</a:t>
-            </a:r>
-            <a:endParaRPr lang="ru-RU" dirty="0"/>
-          </a:p>
-        </p:txBody>
-      </p:sp>
-      <p:sp>
-        <p:nvSpPr>
-          <p:cNvPr id="3" name="Объект 2">
-            <a:extLst>
-              <a:ext uri="{FF2B5EF4-FFF2-40B4-BE49-F238E27FC236}">
-                <a16:creationId xmlns:a16="http://schemas.microsoft.com/office/drawing/2014/main" id="{1181C6F0-4B74-643E-7034-3BFB239E791B}"/>
-              </a:ext>
-            </a:extLst>
-          </p:cNvPr>
-          <p:cNvSpPr>
-            <a:spLocks noGrp="1"/>
-          </p:cNvSpPr>
-          <p:nvPr>
-            <p:ph idx="1"/>
-          </p:nvPr>
-        </p:nvSpPr>
-        <p:spPr/>
-        <p:txBody>
-          <a:bodyPr/>
-          <a:lstStyle/>
-          <a:p>
-            <a:pPr marL="514350" indent="-514350">
-              <a:buFont typeface="+mj-lt"/>
-              <a:buAutoNum type="arabicPeriod"/>
-            </a:pPr>
-            <a:r>
-              <a:rPr lang="ru-RU" dirty="0"/>
-              <a:t>Углубимся в ИТ и проекты</a:t>
-            </a:r>
-          </a:p>
-          <a:p>
-            <a:pPr marL="514350" indent="-514350">
-              <a:buFont typeface="+mj-lt"/>
-              <a:buAutoNum type="arabicPeriod"/>
-            </a:pPr>
-            <a:r>
-              <a:rPr lang="ru-RU" dirty="0"/>
-              <a:t>Рассмотрим бюджетирование и как планировать бюджет</a:t>
-            </a:r>
-          </a:p>
-          <a:p>
-            <a:pPr marL="514350" indent="-514350">
-              <a:buFont typeface="+mj-lt"/>
-              <a:buAutoNum type="arabicPeriod"/>
-            </a:pPr>
-            <a:r>
-              <a:rPr lang="ru-RU" dirty="0"/>
-              <a:t>Роли в ИТ проектах кто и как и что</a:t>
-            </a:r>
-          </a:p>
-          <a:p>
-            <a:pPr marL="514350" indent="-514350">
-              <a:buFont typeface="+mj-lt"/>
-              <a:buAutoNum type="arabicPeriod"/>
-            </a:pPr>
-            <a:r>
-              <a:rPr lang="ru-RU" dirty="0"/>
-              <a:t>Затронем </a:t>
-            </a:r>
-            <a:r>
-              <a:rPr lang="en-US" dirty="0"/>
-              <a:t>ML </a:t>
-            </a:r>
-            <a:r>
-              <a:rPr lang="ru-RU" dirty="0"/>
-              <a:t>в проектах</a:t>
-            </a:r>
-          </a:p>
-          <a:p>
-            <a:pPr marL="514350" indent="-514350">
-              <a:buFont typeface="+mj-lt"/>
-              <a:buAutoNum type="arabicPeriod"/>
-            </a:pPr>
-            <a:r>
-              <a:rPr lang="ru-RU" dirty="0"/>
-              <a:t>Детализация задач</a:t>
-            </a:r>
-          </a:p>
-          <a:p>
-            <a:pPr marL="514350" indent="-514350">
-              <a:buFont typeface="+mj-lt"/>
-              <a:buAutoNum type="arabicPeriod"/>
-            </a:pPr>
-            <a:r>
-              <a:rPr lang="ru-RU" dirty="0"/>
-              <a:t>Инструменты для каждого из этапов (планирование</a:t>
-            </a:r>
-            <a:r>
-              <a:rPr lang="en-US" dirty="0"/>
-              <a:t>, </a:t>
-            </a:r>
-            <a:r>
-              <a:rPr lang="ru-RU" dirty="0"/>
-              <a:t>разработка</a:t>
-            </a:r>
-            <a:r>
-              <a:rPr lang="en-US" dirty="0"/>
-              <a:t>, </a:t>
-            </a:r>
-            <a:r>
-              <a:rPr lang="ru-RU" dirty="0"/>
-              <a:t>тестирование</a:t>
-            </a:r>
-            <a:r>
-              <a:rPr lang="en-US" dirty="0"/>
-              <a:t>, </a:t>
-            </a:r>
-            <a:r>
-              <a:rPr lang="ru-RU" dirty="0"/>
-              <a:t>инфраструктура</a:t>
-            </a:r>
-            <a:r>
-              <a:rPr lang="en-US" dirty="0"/>
-              <a:t>, </a:t>
-            </a:r>
-            <a:r>
-              <a:rPr lang="ru-RU" dirty="0" err="1"/>
-              <a:t>итп</a:t>
-            </a:r>
-            <a:r>
-              <a:rPr lang="ru-RU" dirty="0"/>
-              <a:t>)</a:t>
-            </a:r>
-          </a:p>
-        </p:txBody>
-      </p:sp>
-    </p:spTree>
-    <p:extLst>
-      <p:ext uri="{BB962C8B-B14F-4D97-AF65-F5344CB8AC3E}">
-        <p14:creationId xmlns:p14="http://schemas.microsoft.com/office/powerpoint/2010/main" val="3736800974"/>
-      </p:ext>
-    </p:extLst>
-  </p:cSld>
-  <p:clrMapOvr>
-    <a:masterClrMapping/>
-  </p:clrMapOvr>
-</p:sld>
-</file>
-
-<file path=ppt/slides/slide4.xml><?xml version="1.0" encoding="utf-8"?>
+<file path=ppt/slides/slide3.xml><?xml version="1.0" encoding="utf-8"?>
 <p:sld xmlns:a="http://schemas.openxmlformats.org/drawingml/2006/main" xmlns:r="http://schemas.openxmlformats.org/officeDocument/2006/relationships" xmlns:p="http://schemas.openxmlformats.org/presentationml/2006/main">
   <p:cSld>
     <p:spTree>
@@ -8073,6 +6634,1258 @@
 </p:sld>
 </file>
 
+<file path=ppt/slides/slide30.xml><?xml version="1.0" encoding="utf-8"?>
+<p:sld xmlns:a="http://schemas.openxmlformats.org/drawingml/2006/main" xmlns:r="http://schemas.openxmlformats.org/officeDocument/2006/relationships" xmlns:p="http://schemas.openxmlformats.org/presentationml/2006/main">
+  <p:cSld>
+    <p:spTree>
+      <p:nvGrpSpPr>
+        <p:cNvPr id="1" name=""/>
+        <p:cNvGrpSpPr/>
+        <p:nvPr/>
+      </p:nvGrpSpPr>
+      <p:grpSpPr>
+        <a:xfrm>
+          <a:off x="0" y="0"/>
+          <a:ext cx="0" cy="0"/>
+          <a:chOff x="0" y="0"/>
+          <a:chExt cx="0" cy="0"/>
+        </a:xfrm>
+      </p:grpSpPr>
+      <p:sp>
+        <p:nvSpPr>
+          <p:cNvPr id="2" name="Заголовок 1">
+            <a:extLst>
+              <a:ext uri="{FF2B5EF4-FFF2-40B4-BE49-F238E27FC236}">
+                <a16:creationId xmlns:a16="http://schemas.microsoft.com/office/drawing/2014/main" id="{E99E0452-31ED-66F4-D949-B346098D23FB}"/>
+              </a:ext>
+            </a:extLst>
+          </p:cNvPr>
+          <p:cNvSpPr>
+            <a:spLocks noGrp="1"/>
+          </p:cNvSpPr>
+          <p:nvPr>
+            <p:ph type="title"/>
+          </p:nvPr>
+        </p:nvSpPr>
+        <p:spPr/>
+        <p:txBody>
+          <a:bodyPr/>
+          <a:lstStyle/>
+          <a:p>
+            <a:r>
+              <a:rPr lang="en-US" dirty="0"/>
+              <a:t>Kanban – </a:t>
+            </a:r>
+            <a:r>
+              <a:rPr lang="ru-RU" dirty="0"/>
+              <a:t>представление</a:t>
+            </a:r>
+          </a:p>
+        </p:txBody>
+      </p:sp>
+      <p:pic>
+        <p:nvPicPr>
+          <p:cNvPr id="4" name="Объект 3">
+            <a:extLst>
+              <a:ext uri="{FF2B5EF4-FFF2-40B4-BE49-F238E27FC236}">
+                <a16:creationId xmlns:a16="http://schemas.microsoft.com/office/drawing/2014/main" id="{22CE8AD6-0470-41C7-AFB1-0015550D9102}"/>
+              </a:ext>
+            </a:extLst>
+          </p:cNvPr>
+          <p:cNvPicPr>
+            <a:picLocks noGrp="1" noChangeAspect="1"/>
+          </p:cNvPicPr>
+          <p:nvPr>
+            <p:ph idx="1"/>
+          </p:nvPr>
+        </p:nvPicPr>
+        <p:blipFill>
+          <a:blip r:embed="rId2"/>
+          <a:stretch>
+            <a:fillRect/>
+          </a:stretch>
+        </p:blipFill>
+        <p:spPr>
+          <a:xfrm>
+            <a:off x="1836187" y="1825625"/>
+            <a:ext cx="8519626" cy="4351338"/>
+          </a:xfrm>
+          <a:prstGeom prst="rect">
+            <a:avLst/>
+          </a:prstGeom>
+        </p:spPr>
+      </p:pic>
+    </p:spTree>
+    <p:extLst>
+      <p:ext uri="{BB962C8B-B14F-4D97-AF65-F5344CB8AC3E}">
+        <p14:creationId xmlns:p14="http://schemas.microsoft.com/office/powerpoint/2010/main" val="2674237065"/>
+      </p:ext>
+    </p:extLst>
+  </p:cSld>
+  <p:clrMapOvr>
+    <a:masterClrMapping/>
+  </p:clrMapOvr>
+</p:sld>
+</file>
+
+<file path=ppt/slides/slide31.xml><?xml version="1.0" encoding="utf-8"?>
+<p:sld xmlns:a="http://schemas.openxmlformats.org/drawingml/2006/main" xmlns:r="http://schemas.openxmlformats.org/officeDocument/2006/relationships" xmlns:p="http://schemas.openxmlformats.org/presentationml/2006/main">
+  <p:cSld>
+    <p:spTree>
+      <p:nvGrpSpPr>
+        <p:cNvPr id="1" name=""/>
+        <p:cNvGrpSpPr/>
+        <p:nvPr/>
+      </p:nvGrpSpPr>
+      <p:grpSpPr>
+        <a:xfrm>
+          <a:off x="0" y="0"/>
+          <a:ext cx="0" cy="0"/>
+          <a:chOff x="0" y="0"/>
+          <a:chExt cx="0" cy="0"/>
+        </a:xfrm>
+      </p:grpSpPr>
+      <p:sp>
+        <p:nvSpPr>
+          <p:cNvPr id="2" name="Заголовок 1">
+            <a:extLst>
+              <a:ext uri="{FF2B5EF4-FFF2-40B4-BE49-F238E27FC236}">
+                <a16:creationId xmlns:a16="http://schemas.microsoft.com/office/drawing/2014/main" id="{C6B4FE9E-6929-B5FE-6CED-16DB66278FA5}"/>
+              </a:ext>
+            </a:extLst>
+          </p:cNvPr>
+          <p:cNvSpPr>
+            <a:spLocks noGrp="1"/>
+          </p:cNvSpPr>
+          <p:nvPr>
+            <p:ph type="title"/>
+          </p:nvPr>
+        </p:nvSpPr>
+        <p:spPr/>
+        <p:txBody>
+          <a:bodyPr/>
+          <a:lstStyle/>
+          <a:p>
+            <a:r>
+              <a:rPr lang="en-US" dirty="0"/>
+              <a:t>Kanban </a:t>
+            </a:r>
+            <a:endParaRPr lang="ru-RU" dirty="0"/>
+          </a:p>
+        </p:txBody>
+      </p:sp>
+      <p:sp>
+        <p:nvSpPr>
+          <p:cNvPr id="5" name="Объект 4">
+            <a:extLst>
+              <a:ext uri="{FF2B5EF4-FFF2-40B4-BE49-F238E27FC236}">
+                <a16:creationId xmlns:a16="http://schemas.microsoft.com/office/drawing/2014/main" id="{C634EC9E-9279-8B4F-1509-77FB4B59BB97}"/>
+              </a:ext>
+            </a:extLst>
+          </p:cNvPr>
+          <p:cNvSpPr>
+            <a:spLocks noGrp="1"/>
+          </p:cNvSpPr>
+          <p:nvPr>
+            <p:ph idx="1"/>
+          </p:nvPr>
+        </p:nvSpPr>
+        <p:spPr/>
+        <p:txBody>
+          <a:bodyPr/>
+          <a:lstStyle/>
+          <a:p>
+            <a:pPr marL="0" indent="0">
+              <a:lnSpc>
+                <a:spcPct val="80000"/>
+              </a:lnSpc>
+              <a:buNone/>
+            </a:pPr>
+            <a:r>
+              <a:rPr lang="ru-RU" sz="2600" dirty="0"/>
+              <a:t>Компания</a:t>
+            </a:r>
+            <a:r>
+              <a:rPr lang="en-US" sz="2600" dirty="0"/>
+              <a:t>: </a:t>
+            </a:r>
+            <a:r>
+              <a:rPr lang="ru-RU" sz="2600" dirty="0"/>
+              <a:t>Аптека25</a:t>
+            </a:r>
+            <a:r>
+              <a:rPr lang="en-US" sz="2600" dirty="0"/>
+              <a:t>.</a:t>
+            </a:r>
+            <a:r>
+              <a:rPr lang="ru-RU" sz="2600" dirty="0" err="1"/>
+              <a:t>рф</a:t>
+            </a:r>
+            <a:endParaRPr lang="ru-RU" sz="2600" dirty="0"/>
+          </a:p>
+          <a:p>
+            <a:pPr marL="0" indent="0">
+              <a:lnSpc>
+                <a:spcPct val="80000"/>
+              </a:lnSpc>
+              <a:buNone/>
+            </a:pPr>
+            <a:endParaRPr lang="ru-RU" sz="2600" dirty="0"/>
+          </a:p>
+          <a:p>
+            <a:pPr marL="514350" indent="-514350">
+              <a:lnSpc>
+                <a:spcPct val="80000"/>
+              </a:lnSpc>
+              <a:buFont typeface="+mj-lt"/>
+              <a:buAutoNum type="arabicPeriod"/>
+            </a:pPr>
+            <a:r>
+              <a:rPr lang="ru-RU" sz="2600" dirty="0"/>
+              <a:t>Каждая задача из цикла показана на карточках</a:t>
+            </a:r>
+            <a:endParaRPr lang="en-US" sz="2600" dirty="0"/>
+          </a:p>
+          <a:p>
+            <a:pPr marL="514350" indent="-514350">
+              <a:lnSpc>
+                <a:spcPct val="80000"/>
+              </a:lnSpc>
+              <a:buFont typeface="+mj-lt"/>
+              <a:buAutoNum type="arabicPeriod"/>
+            </a:pPr>
+            <a:r>
+              <a:rPr lang="ru-RU" sz="2600" dirty="0"/>
+              <a:t>Наглядное представление кто на какой стадии</a:t>
+            </a:r>
+            <a:r>
+              <a:rPr lang="en-US" sz="2600" dirty="0"/>
+              <a:t>, </a:t>
+            </a:r>
+            <a:r>
+              <a:rPr lang="ru-RU" sz="2600" dirty="0"/>
+              <a:t>кто чем занимается</a:t>
+            </a:r>
+            <a:r>
+              <a:rPr lang="en-US" sz="2600" dirty="0"/>
+              <a:t>, </a:t>
+            </a:r>
+            <a:r>
+              <a:rPr lang="ru-RU" sz="2600" dirty="0"/>
+              <a:t>без четких сроков и без четких требований</a:t>
+            </a:r>
+          </a:p>
+          <a:p>
+            <a:pPr marL="0" indent="0">
+              <a:lnSpc>
+                <a:spcPct val="80000"/>
+              </a:lnSpc>
+              <a:buNone/>
+            </a:pPr>
+            <a:endParaRPr lang="ru-RU" sz="2600" dirty="0"/>
+          </a:p>
+          <a:p>
+            <a:pPr marL="0" indent="0">
+              <a:lnSpc>
+                <a:spcPct val="80000"/>
+              </a:lnSpc>
+              <a:buNone/>
+            </a:pPr>
+            <a:r>
+              <a:rPr lang="ru-RU" sz="2600" dirty="0"/>
+              <a:t>Итог: максимальная оптимизация производственного процесса, сокращение очередей и «простоев».</a:t>
+            </a:r>
+          </a:p>
+          <a:p>
+            <a:pPr marL="0" indent="0">
+              <a:buNone/>
+            </a:pPr>
+            <a:endParaRPr lang="en-US" sz="2400" dirty="0"/>
+          </a:p>
+        </p:txBody>
+      </p:sp>
+    </p:spTree>
+    <p:extLst>
+      <p:ext uri="{BB962C8B-B14F-4D97-AF65-F5344CB8AC3E}">
+        <p14:creationId xmlns:p14="http://schemas.microsoft.com/office/powerpoint/2010/main" val="662717661"/>
+      </p:ext>
+    </p:extLst>
+  </p:cSld>
+  <p:clrMapOvr>
+    <a:masterClrMapping/>
+  </p:clrMapOvr>
+</p:sld>
+</file>
+
+<file path=ppt/slides/slide32.xml><?xml version="1.0" encoding="utf-8"?>
+<p:sld xmlns:a="http://schemas.openxmlformats.org/drawingml/2006/main" xmlns:r="http://schemas.openxmlformats.org/officeDocument/2006/relationships" xmlns:p="http://schemas.openxmlformats.org/presentationml/2006/main">
+  <p:cSld>
+    <p:spTree>
+      <p:nvGrpSpPr>
+        <p:cNvPr id="1" name=""/>
+        <p:cNvGrpSpPr/>
+        <p:nvPr/>
+      </p:nvGrpSpPr>
+      <p:grpSpPr>
+        <a:xfrm>
+          <a:off x="0" y="0"/>
+          <a:ext cx="0" cy="0"/>
+          <a:chOff x="0" y="0"/>
+          <a:chExt cx="0" cy="0"/>
+        </a:xfrm>
+      </p:grpSpPr>
+      <p:sp>
+        <p:nvSpPr>
+          <p:cNvPr id="2" name="Заголовок 1">
+            <a:extLst>
+              <a:ext uri="{FF2B5EF4-FFF2-40B4-BE49-F238E27FC236}">
+                <a16:creationId xmlns:a16="http://schemas.microsoft.com/office/drawing/2014/main" id="{C6B4FE9E-6929-B5FE-6CED-16DB66278FA5}"/>
+              </a:ext>
+            </a:extLst>
+          </p:cNvPr>
+          <p:cNvSpPr>
+            <a:spLocks noGrp="1"/>
+          </p:cNvSpPr>
+          <p:nvPr>
+            <p:ph type="title"/>
+          </p:nvPr>
+        </p:nvSpPr>
+        <p:spPr/>
+        <p:txBody>
+          <a:bodyPr/>
+          <a:lstStyle/>
+          <a:p>
+            <a:r>
+              <a:rPr lang="en-US" dirty="0"/>
+              <a:t>Waterfall (</a:t>
+            </a:r>
+            <a:r>
+              <a:rPr lang="ru-RU" dirty="0"/>
+              <a:t>водопад)</a:t>
+            </a:r>
+            <a:r>
+              <a:rPr lang="en-US" dirty="0"/>
+              <a:t> </a:t>
+            </a:r>
+            <a:endParaRPr lang="ru-RU" dirty="0"/>
+          </a:p>
+        </p:txBody>
+      </p:sp>
+      <p:sp>
+        <p:nvSpPr>
+          <p:cNvPr id="5" name="Объект 4">
+            <a:extLst>
+              <a:ext uri="{FF2B5EF4-FFF2-40B4-BE49-F238E27FC236}">
+                <a16:creationId xmlns:a16="http://schemas.microsoft.com/office/drawing/2014/main" id="{C634EC9E-9279-8B4F-1509-77FB4B59BB97}"/>
+              </a:ext>
+            </a:extLst>
+          </p:cNvPr>
+          <p:cNvSpPr>
+            <a:spLocks noGrp="1"/>
+          </p:cNvSpPr>
+          <p:nvPr>
+            <p:ph idx="1"/>
+          </p:nvPr>
+        </p:nvSpPr>
+        <p:spPr/>
+        <p:txBody>
+          <a:bodyPr/>
+          <a:lstStyle/>
+          <a:p>
+            <a:pPr marL="514350" indent="-514350">
+              <a:buFont typeface="+mj-lt"/>
+              <a:buAutoNum type="arabicPeriod"/>
+            </a:pPr>
+            <a:r>
+              <a:rPr lang="ru-RU" dirty="0"/>
+              <a:t>Линейная структура – Анализ → Проектирование → Разработка → Тестирование → Внедрение.</a:t>
+            </a:r>
+          </a:p>
+          <a:p>
+            <a:pPr marL="514350" indent="-514350">
+              <a:buFont typeface="+mj-lt"/>
+              <a:buAutoNum type="arabicPeriod"/>
+            </a:pPr>
+            <a:r>
+              <a:rPr lang="ru-RU" dirty="0"/>
+              <a:t>Фиксированные требования – все согласовывается в начале, изменения после старта – редкие и трудные.</a:t>
+            </a:r>
+          </a:p>
+          <a:p>
+            <a:pPr marL="514350" indent="-514350">
+              <a:buFont typeface="+mj-lt"/>
+              <a:buAutoNum type="arabicPeriod"/>
+            </a:pPr>
+            <a:r>
+              <a:rPr lang="ru-RU" dirty="0"/>
+              <a:t>Документированность –на каждом этапе формируются отчёты и спецификации.</a:t>
+            </a:r>
+          </a:p>
+          <a:p>
+            <a:pPr marL="514350" indent="-514350">
+              <a:buFont typeface="+mj-lt"/>
+              <a:buAutoNum type="arabicPeriod"/>
+            </a:pPr>
+            <a:r>
+              <a:rPr lang="ru-RU" dirty="0"/>
+              <a:t>Чёткие фазы – переход на следующую фазу только после завершения предыдущей.</a:t>
+            </a:r>
+            <a:endParaRPr lang="en-US" sz="2400" dirty="0"/>
+          </a:p>
+        </p:txBody>
+      </p:sp>
+    </p:spTree>
+    <p:extLst>
+      <p:ext uri="{BB962C8B-B14F-4D97-AF65-F5344CB8AC3E}">
+        <p14:creationId xmlns:p14="http://schemas.microsoft.com/office/powerpoint/2010/main" val="2699751149"/>
+      </p:ext>
+    </p:extLst>
+  </p:cSld>
+  <p:clrMapOvr>
+    <a:masterClrMapping/>
+  </p:clrMapOvr>
+</p:sld>
+</file>
+
+<file path=ppt/slides/slide33.xml><?xml version="1.0" encoding="utf-8"?>
+<p:sld xmlns:a="http://schemas.openxmlformats.org/drawingml/2006/main" xmlns:r="http://schemas.openxmlformats.org/officeDocument/2006/relationships" xmlns:p="http://schemas.openxmlformats.org/presentationml/2006/main">
+  <p:cSld>
+    <p:spTree>
+      <p:nvGrpSpPr>
+        <p:cNvPr id="1" name=""/>
+        <p:cNvGrpSpPr/>
+        <p:nvPr/>
+      </p:nvGrpSpPr>
+      <p:grpSpPr>
+        <a:xfrm>
+          <a:off x="0" y="0"/>
+          <a:ext cx="0" cy="0"/>
+          <a:chOff x="0" y="0"/>
+          <a:chExt cx="0" cy="0"/>
+        </a:xfrm>
+      </p:grpSpPr>
+      <p:sp>
+        <p:nvSpPr>
+          <p:cNvPr id="2" name="Заголовок 1">
+            <a:extLst>
+              <a:ext uri="{FF2B5EF4-FFF2-40B4-BE49-F238E27FC236}">
+                <a16:creationId xmlns:a16="http://schemas.microsoft.com/office/drawing/2014/main" id="{8DEA002A-49AE-FE61-B50B-AA6DBCEA10AA}"/>
+              </a:ext>
+            </a:extLst>
+          </p:cNvPr>
+          <p:cNvSpPr>
+            <a:spLocks noGrp="1"/>
+          </p:cNvSpPr>
+          <p:nvPr>
+            <p:ph type="title"/>
+          </p:nvPr>
+        </p:nvSpPr>
+        <p:spPr/>
+        <p:txBody>
+          <a:bodyPr/>
+          <a:lstStyle/>
+          <a:p>
+            <a:r>
+              <a:rPr lang="en-US" dirty="0"/>
+              <a:t>Waterfall (</a:t>
+            </a:r>
+            <a:r>
+              <a:rPr lang="ru-RU" dirty="0"/>
+              <a:t>водопад)</a:t>
+            </a:r>
+            <a:r>
+              <a:rPr lang="en-US" dirty="0"/>
+              <a:t> </a:t>
+            </a:r>
+            <a:r>
+              <a:rPr lang="ru-RU" dirty="0"/>
+              <a:t>– пример подхода</a:t>
+            </a:r>
+          </a:p>
+        </p:txBody>
+      </p:sp>
+      <p:pic>
+        <p:nvPicPr>
+          <p:cNvPr id="9218" name="Picture 2" descr="Agile или Waterfall — какой вариант соответствует вашему бизнесу? - Блог  системы управления проектами Worksection">
+            <a:extLst>
+              <a:ext uri="{FF2B5EF4-FFF2-40B4-BE49-F238E27FC236}">
+                <a16:creationId xmlns:a16="http://schemas.microsoft.com/office/drawing/2014/main" id="{EB525CBA-44A1-C21F-E920-E6F25D6D0BF1}"/>
+              </a:ext>
+            </a:extLst>
+          </p:cNvPr>
+          <p:cNvPicPr>
+            <a:picLocks noGrp="1" noChangeAspect="1" noChangeArrowheads="1"/>
+          </p:cNvPicPr>
+          <p:nvPr>
+            <p:ph idx="1"/>
+          </p:nvPr>
+        </p:nvPicPr>
+        <p:blipFill>
+          <a:blip r:embed="rId2">
+            <a:extLst>
+              <a:ext uri="{28A0092B-C50C-407E-A947-70E740481C1C}">
+                <a14:useLocalDpi xmlns:a14="http://schemas.microsoft.com/office/drawing/2010/main" val="0"/>
+              </a:ext>
+            </a:extLst>
+          </a:blip>
+          <a:srcRect/>
+          <a:stretch>
+            <a:fillRect/>
+          </a:stretch>
+        </p:blipFill>
+        <p:spPr bwMode="auto">
+          <a:xfrm>
+            <a:off x="2857500" y="1690688"/>
+            <a:ext cx="6477000" cy="4216400"/>
+          </a:xfrm>
+          <a:prstGeom prst="rect">
+            <a:avLst/>
+          </a:prstGeom>
+          <a:noFill/>
+          <a:extLst>
+            <a:ext uri="{909E8E84-426E-40DD-AFC4-6F175D3DCCD1}">
+              <a14:hiddenFill xmlns:a14="http://schemas.microsoft.com/office/drawing/2010/main">
+                <a:solidFill>
+                  <a:srgbClr val="FFFFFF"/>
+                </a:solidFill>
+              </a14:hiddenFill>
+            </a:ext>
+          </a:extLst>
+        </p:spPr>
+      </p:pic>
+      <p:sp>
+        <p:nvSpPr>
+          <p:cNvPr id="4" name="TextBox 3">
+            <a:extLst>
+              <a:ext uri="{FF2B5EF4-FFF2-40B4-BE49-F238E27FC236}">
+                <a16:creationId xmlns:a16="http://schemas.microsoft.com/office/drawing/2014/main" id="{D1BB0F65-6584-1EED-B440-4BCBE292FEAC}"/>
+              </a:ext>
+            </a:extLst>
+          </p:cNvPr>
+          <p:cNvSpPr txBox="1"/>
+          <p:nvPr/>
+        </p:nvSpPr>
+        <p:spPr>
+          <a:xfrm>
+            <a:off x="2857500" y="5934670"/>
+            <a:ext cx="6612673" cy="923330"/>
+          </a:xfrm>
+          <a:prstGeom prst="rect">
+            <a:avLst/>
+          </a:prstGeom>
+          <a:noFill/>
+        </p:spPr>
+        <p:txBody>
+          <a:bodyPr wrap="square" rtlCol="0">
+            <a:spAutoFit/>
+          </a:bodyPr>
+          <a:lstStyle/>
+          <a:p>
+            <a:r>
+              <a:rPr lang="ru-RU" dirty="0"/>
+              <a:t>Основная разница в том</a:t>
+            </a:r>
+            <a:r>
+              <a:rPr lang="en-US" dirty="0"/>
+              <a:t>, </a:t>
+            </a:r>
+            <a:r>
+              <a:rPr lang="ru-RU" dirty="0"/>
+              <a:t>что этапы четкие и последовательные для всего проекта</a:t>
+            </a:r>
+            <a:r>
+              <a:rPr lang="en-US" dirty="0"/>
+              <a:t>, </a:t>
+            </a:r>
+            <a:r>
+              <a:rPr lang="ru-RU" dirty="0"/>
+              <a:t>в гибких методологиях нет смысла определять этапы</a:t>
+            </a:r>
+          </a:p>
+        </p:txBody>
+      </p:sp>
+    </p:spTree>
+    <p:extLst>
+      <p:ext uri="{BB962C8B-B14F-4D97-AF65-F5344CB8AC3E}">
+        <p14:creationId xmlns:p14="http://schemas.microsoft.com/office/powerpoint/2010/main" val="3971844412"/>
+      </p:ext>
+    </p:extLst>
+  </p:cSld>
+  <p:clrMapOvr>
+    <a:masterClrMapping/>
+  </p:clrMapOvr>
+</p:sld>
+</file>
+
+<file path=ppt/slides/slide34.xml><?xml version="1.0" encoding="utf-8"?>
+<p:sld xmlns:a="http://schemas.openxmlformats.org/drawingml/2006/main" xmlns:r="http://schemas.openxmlformats.org/officeDocument/2006/relationships" xmlns:p="http://schemas.openxmlformats.org/presentationml/2006/main">
+  <p:cSld>
+    <p:spTree>
+      <p:nvGrpSpPr>
+        <p:cNvPr id="1" name=""/>
+        <p:cNvGrpSpPr/>
+        <p:nvPr/>
+      </p:nvGrpSpPr>
+      <p:grpSpPr>
+        <a:xfrm>
+          <a:off x="0" y="0"/>
+          <a:ext cx="0" cy="0"/>
+          <a:chOff x="0" y="0"/>
+          <a:chExt cx="0" cy="0"/>
+        </a:xfrm>
+      </p:grpSpPr>
+      <p:sp>
+        <p:nvSpPr>
+          <p:cNvPr id="2" name="Заголовок 1">
+            <a:extLst>
+              <a:ext uri="{FF2B5EF4-FFF2-40B4-BE49-F238E27FC236}">
+                <a16:creationId xmlns:a16="http://schemas.microsoft.com/office/drawing/2014/main" id="{C6B4FE9E-6929-B5FE-6CED-16DB66278FA5}"/>
+              </a:ext>
+            </a:extLst>
+          </p:cNvPr>
+          <p:cNvSpPr>
+            <a:spLocks noGrp="1"/>
+          </p:cNvSpPr>
+          <p:nvPr>
+            <p:ph type="title"/>
+          </p:nvPr>
+        </p:nvSpPr>
+        <p:spPr/>
+        <p:txBody>
+          <a:bodyPr/>
+          <a:lstStyle/>
+          <a:p>
+            <a:r>
+              <a:rPr lang="en-US" dirty="0"/>
+              <a:t>Waterfall (</a:t>
+            </a:r>
+            <a:r>
+              <a:rPr lang="ru-RU" dirty="0"/>
+              <a:t>пример из жизни)</a:t>
+            </a:r>
+            <a:r>
+              <a:rPr lang="en-US" dirty="0"/>
+              <a:t> </a:t>
+            </a:r>
+            <a:endParaRPr lang="ru-RU" dirty="0"/>
+          </a:p>
+        </p:txBody>
+      </p:sp>
+      <p:sp>
+        <p:nvSpPr>
+          <p:cNvPr id="5" name="Объект 4">
+            <a:extLst>
+              <a:ext uri="{FF2B5EF4-FFF2-40B4-BE49-F238E27FC236}">
+                <a16:creationId xmlns:a16="http://schemas.microsoft.com/office/drawing/2014/main" id="{C634EC9E-9279-8B4F-1509-77FB4B59BB97}"/>
+              </a:ext>
+            </a:extLst>
+          </p:cNvPr>
+          <p:cNvSpPr>
+            <a:spLocks noGrp="1"/>
+          </p:cNvSpPr>
+          <p:nvPr>
+            <p:ph idx="1"/>
+          </p:nvPr>
+        </p:nvSpPr>
+        <p:spPr/>
+        <p:txBody>
+          <a:bodyPr>
+            <a:normAutofit/>
+          </a:bodyPr>
+          <a:lstStyle/>
+          <a:p>
+            <a:pPr marL="0" indent="0">
+              <a:buNone/>
+            </a:pPr>
+            <a:r>
+              <a:rPr lang="ru-RU" sz="2600" dirty="0"/>
+              <a:t>Строительство моста или госзаказ (инфраструктурные проекты)</a:t>
+            </a:r>
+          </a:p>
+          <a:p>
+            <a:pPr marL="0" indent="0">
+              <a:buNone/>
+            </a:pPr>
+            <a:endParaRPr lang="ru-RU" sz="2600" dirty="0"/>
+          </a:p>
+          <a:p>
+            <a:pPr marL="0" indent="0">
+              <a:buNone/>
+            </a:pPr>
+            <a:r>
+              <a:rPr lang="ru-RU" sz="2600" dirty="0"/>
+              <a:t>На старте: детальный план, смета, архитектурные чертежи и проектная документация.</a:t>
+            </a:r>
+          </a:p>
+          <a:p>
+            <a:pPr marL="0" indent="0">
+              <a:buNone/>
+            </a:pPr>
+            <a:r>
+              <a:rPr lang="ru-RU" sz="2600" dirty="0"/>
+              <a:t>Затем подрядчики строго следуют плану, с минимальными изменениями.</a:t>
+            </a:r>
+          </a:p>
+          <a:p>
+            <a:pPr marL="0" indent="0">
+              <a:buNone/>
+            </a:pPr>
+            <a:endParaRPr lang="ru-RU" sz="2600" dirty="0"/>
+          </a:p>
+          <a:p>
+            <a:pPr marL="0" indent="0">
+              <a:buNone/>
+            </a:pPr>
+            <a:r>
+              <a:rPr lang="en" sz="2600" dirty="0"/>
+              <a:t>Waterfall </a:t>
+            </a:r>
+            <a:r>
+              <a:rPr lang="ru-RU" sz="2600" dirty="0"/>
+              <a:t>хорошо работает, если требования и ресурсы чётко определены, а процесс трудоёмок и контролируем государственными нормами.</a:t>
+            </a:r>
+            <a:endParaRPr lang="en-US" sz="2600" dirty="0"/>
+          </a:p>
+        </p:txBody>
+      </p:sp>
+    </p:spTree>
+    <p:extLst>
+      <p:ext uri="{BB962C8B-B14F-4D97-AF65-F5344CB8AC3E}">
+        <p14:creationId xmlns:p14="http://schemas.microsoft.com/office/powerpoint/2010/main" val="2868669439"/>
+      </p:ext>
+    </p:extLst>
+  </p:cSld>
+  <p:clrMapOvr>
+    <a:masterClrMapping/>
+  </p:clrMapOvr>
+</p:sld>
+</file>
+
+<file path=ppt/slides/slide35.xml><?xml version="1.0" encoding="utf-8"?>
+<p:sld xmlns:a="http://schemas.openxmlformats.org/drawingml/2006/main" xmlns:r="http://schemas.openxmlformats.org/officeDocument/2006/relationships" xmlns:p="http://schemas.openxmlformats.org/presentationml/2006/main">
+  <p:cSld>
+    <p:spTree>
+      <p:nvGrpSpPr>
+        <p:cNvPr id="1" name=""/>
+        <p:cNvGrpSpPr/>
+        <p:nvPr/>
+      </p:nvGrpSpPr>
+      <p:grpSpPr>
+        <a:xfrm>
+          <a:off x="0" y="0"/>
+          <a:ext cx="0" cy="0"/>
+          <a:chOff x="0" y="0"/>
+          <a:chExt cx="0" cy="0"/>
+        </a:xfrm>
+      </p:grpSpPr>
+      <p:sp>
+        <p:nvSpPr>
+          <p:cNvPr id="2" name="Заголовок 1">
+            <a:extLst>
+              <a:ext uri="{FF2B5EF4-FFF2-40B4-BE49-F238E27FC236}">
+                <a16:creationId xmlns:a16="http://schemas.microsoft.com/office/drawing/2014/main" id="{C6B4FE9E-6929-B5FE-6CED-16DB66278FA5}"/>
+              </a:ext>
+            </a:extLst>
+          </p:cNvPr>
+          <p:cNvSpPr>
+            <a:spLocks noGrp="1"/>
+          </p:cNvSpPr>
+          <p:nvPr>
+            <p:ph type="title"/>
+          </p:nvPr>
+        </p:nvSpPr>
+        <p:spPr/>
+        <p:txBody>
+          <a:bodyPr/>
+          <a:lstStyle/>
+          <a:p>
+            <a:r>
+              <a:rPr lang="ru-RU" dirty="0"/>
+              <a:t>А как понять какая модель мне нужна</a:t>
+            </a:r>
+            <a:r>
+              <a:rPr lang="en-US" dirty="0"/>
+              <a:t>????</a:t>
+            </a:r>
+            <a:endParaRPr lang="ru-RU" dirty="0"/>
+          </a:p>
+        </p:txBody>
+      </p:sp>
+      <p:sp>
+        <p:nvSpPr>
+          <p:cNvPr id="5" name="Объект 4">
+            <a:extLst>
+              <a:ext uri="{FF2B5EF4-FFF2-40B4-BE49-F238E27FC236}">
+                <a16:creationId xmlns:a16="http://schemas.microsoft.com/office/drawing/2014/main" id="{C634EC9E-9279-8B4F-1509-77FB4B59BB97}"/>
+              </a:ext>
+            </a:extLst>
+          </p:cNvPr>
+          <p:cNvSpPr>
+            <a:spLocks noGrp="1"/>
+          </p:cNvSpPr>
+          <p:nvPr>
+            <p:ph idx="1"/>
+          </p:nvPr>
+        </p:nvSpPr>
+        <p:spPr/>
+        <p:txBody>
+          <a:bodyPr>
+            <a:normAutofit/>
+          </a:bodyPr>
+          <a:lstStyle/>
+          <a:p>
+            <a:pPr marL="514350" indent="-514350">
+              <a:buFont typeface="+mj-lt"/>
+              <a:buAutoNum type="arabicPeriod"/>
+            </a:pPr>
+            <a:r>
+              <a:rPr lang="en-US" sz="2600" dirty="0"/>
+              <a:t>Agile – </a:t>
+            </a:r>
+            <a:r>
+              <a:rPr lang="ru-RU" sz="2600" dirty="0"/>
+              <a:t>когда требования могут меняться</a:t>
+            </a:r>
+            <a:r>
+              <a:rPr lang="en-US" sz="2600" dirty="0"/>
+              <a:t>, </a:t>
+            </a:r>
+            <a:r>
+              <a:rPr lang="ru-RU" sz="2600" dirty="0"/>
+              <a:t>нужна гибкость</a:t>
+            </a:r>
+            <a:r>
+              <a:rPr lang="en-US" sz="2600" dirty="0"/>
+              <a:t>, </a:t>
+            </a:r>
+            <a:r>
+              <a:rPr lang="ru-RU" sz="2600" dirty="0"/>
+              <a:t>где нужно тестировать гипотезы</a:t>
+            </a:r>
+          </a:p>
+          <a:p>
+            <a:pPr marL="514350" indent="-514350">
+              <a:buFont typeface="+mj-lt"/>
+              <a:buAutoNum type="arabicPeriod"/>
+            </a:pPr>
+            <a:r>
+              <a:rPr lang="en-US" sz="2600" dirty="0"/>
+              <a:t>Scrum – </a:t>
+            </a:r>
+            <a:r>
+              <a:rPr lang="ru-RU" sz="2600" dirty="0"/>
+              <a:t>точно также как </a:t>
+            </a:r>
+            <a:r>
+              <a:rPr lang="en-US" sz="2600" dirty="0"/>
+              <a:t>agile, </a:t>
+            </a:r>
+            <a:r>
+              <a:rPr lang="ru-RU" sz="2600" dirty="0"/>
+              <a:t>в добавок с четкой организованной </a:t>
+            </a:r>
+            <a:r>
+              <a:rPr lang="ru-RU" sz="2600" dirty="0" err="1"/>
+              <a:t>струткурой</a:t>
+            </a:r>
+            <a:r>
+              <a:rPr lang="ru-RU" sz="2600" dirty="0"/>
+              <a:t> выполнения</a:t>
+            </a:r>
+          </a:p>
+          <a:p>
+            <a:pPr marL="514350" indent="-514350">
+              <a:buFont typeface="+mj-lt"/>
+              <a:buAutoNum type="arabicPeriod"/>
+            </a:pPr>
+            <a:r>
+              <a:rPr lang="ru-RU" sz="2600" dirty="0" err="1"/>
+              <a:t>Канбан</a:t>
+            </a:r>
+            <a:r>
+              <a:rPr lang="ru-RU" sz="2600" dirty="0"/>
+              <a:t> – постоянный поток без жестких итераций</a:t>
+            </a:r>
+          </a:p>
+          <a:p>
+            <a:pPr marL="514350" indent="-514350">
+              <a:buFont typeface="+mj-lt"/>
+              <a:buAutoNum type="arabicPeriod"/>
+            </a:pPr>
+            <a:r>
+              <a:rPr lang="ru-RU" sz="2600" dirty="0"/>
+              <a:t>Водопад – проект под заказ (или под ключ)</a:t>
+            </a:r>
+          </a:p>
+          <a:p>
+            <a:pPr marL="514350" indent="-514350">
+              <a:buFont typeface="+mj-lt"/>
+              <a:buAutoNum type="arabicPeriod"/>
+            </a:pPr>
+            <a:endParaRPr lang="ru-RU" sz="2600" dirty="0"/>
+          </a:p>
+          <a:p>
+            <a:pPr marL="0" indent="0">
+              <a:buNone/>
+            </a:pPr>
+            <a:r>
+              <a:rPr lang="ru-RU" sz="2600" dirty="0"/>
+              <a:t>Первые 3 подхода больше подходят продуктовой команде</a:t>
+            </a:r>
+            <a:r>
+              <a:rPr lang="en-US" sz="2600" dirty="0"/>
+              <a:t>, </a:t>
+            </a:r>
+            <a:r>
+              <a:rPr lang="ru-RU" sz="2600" dirty="0"/>
+              <a:t>тогда как последний больше подходит для работы на внешних заказчиков</a:t>
+            </a:r>
+            <a:endParaRPr lang="en-US" sz="2600" dirty="0"/>
+          </a:p>
+        </p:txBody>
+      </p:sp>
+    </p:spTree>
+    <p:extLst>
+      <p:ext uri="{BB962C8B-B14F-4D97-AF65-F5344CB8AC3E}">
+        <p14:creationId xmlns:p14="http://schemas.microsoft.com/office/powerpoint/2010/main" val="467967435"/>
+      </p:ext>
+    </p:extLst>
+  </p:cSld>
+  <p:clrMapOvr>
+    <a:masterClrMapping/>
+  </p:clrMapOvr>
+</p:sld>
+</file>
+
+<file path=ppt/slides/slide36.xml><?xml version="1.0" encoding="utf-8"?>
+<p:sld xmlns:a="http://schemas.openxmlformats.org/drawingml/2006/main" xmlns:r="http://schemas.openxmlformats.org/officeDocument/2006/relationships" xmlns:p="http://schemas.openxmlformats.org/presentationml/2006/main">
+  <p:cSld>
+    <p:spTree>
+      <p:nvGrpSpPr>
+        <p:cNvPr id="1" name=""/>
+        <p:cNvGrpSpPr/>
+        <p:nvPr/>
+      </p:nvGrpSpPr>
+      <p:grpSpPr>
+        <a:xfrm>
+          <a:off x="0" y="0"/>
+          <a:ext cx="0" cy="0"/>
+          <a:chOff x="0" y="0"/>
+          <a:chExt cx="0" cy="0"/>
+        </a:xfrm>
+      </p:grpSpPr>
+      <p:sp>
+        <p:nvSpPr>
+          <p:cNvPr id="2" name="Заголовок 1">
+            <a:extLst>
+              <a:ext uri="{FF2B5EF4-FFF2-40B4-BE49-F238E27FC236}">
+                <a16:creationId xmlns:a16="http://schemas.microsoft.com/office/drawing/2014/main" id="{1F2429CE-2E97-3C9C-1E72-7A385E012136}"/>
+              </a:ext>
+            </a:extLst>
+          </p:cNvPr>
+          <p:cNvSpPr>
+            <a:spLocks noGrp="1"/>
+          </p:cNvSpPr>
+          <p:nvPr>
+            <p:ph type="title"/>
+          </p:nvPr>
+        </p:nvSpPr>
+        <p:spPr/>
+        <p:txBody>
+          <a:bodyPr/>
+          <a:lstStyle/>
+          <a:p>
+            <a:r>
+              <a:rPr lang="ru-RU" dirty="0"/>
+              <a:t>Что дальше</a:t>
+            </a:r>
+            <a:r>
+              <a:rPr lang="en-US" dirty="0"/>
+              <a:t>?</a:t>
+            </a:r>
+            <a:endParaRPr lang="ru-RU" dirty="0"/>
+          </a:p>
+        </p:txBody>
+      </p:sp>
+      <p:sp>
+        <p:nvSpPr>
+          <p:cNvPr id="3" name="Объект 2">
+            <a:extLst>
+              <a:ext uri="{FF2B5EF4-FFF2-40B4-BE49-F238E27FC236}">
+                <a16:creationId xmlns:a16="http://schemas.microsoft.com/office/drawing/2014/main" id="{1181C6F0-4B74-643E-7034-3BFB239E791B}"/>
+              </a:ext>
+            </a:extLst>
+          </p:cNvPr>
+          <p:cNvSpPr>
+            <a:spLocks noGrp="1"/>
+          </p:cNvSpPr>
+          <p:nvPr>
+            <p:ph idx="1"/>
+          </p:nvPr>
+        </p:nvSpPr>
+        <p:spPr/>
+        <p:txBody>
+          <a:bodyPr/>
+          <a:lstStyle/>
+          <a:p>
+            <a:pPr marL="514350" indent="-514350">
+              <a:buFont typeface="+mj-lt"/>
+              <a:buAutoNum type="arabicPeriod"/>
+            </a:pPr>
+            <a:r>
+              <a:rPr lang="ru-RU" dirty="0"/>
+              <a:t>Углубимся в ИТ и проекты</a:t>
+            </a:r>
+          </a:p>
+          <a:p>
+            <a:pPr marL="514350" indent="-514350">
+              <a:buFont typeface="+mj-lt"/>
+              <a:buAutoNum type="arabicPeriod"/>
+            </a:pPr>
+            <a:r>
+              <a:rPr lang="ru-RU" dirty="0"/>
+              <a:t>Рассмотрим бюджетирование и как планировать бюджет</a:t>
+            </a:r>
+          </a:p>
+          <a:p>
+            <a:pPr marL="514350" indent="-514350">
+              <a:buFont typeface="+mj-lt"/>
+              <a:buAutoNum type="arabicPeriod"/>
+            </a:pPr>
+            <a:r>
+              <a:rPr lang="ru-RU" dirty="0"/>
+              <a:t>Роли в ИТ проектах кто и как и что</a:t>
+            </a:r>
+          </a:p>
+          <a:p>
+            <a:pPr marL="514350" indent="-514350">
+              <a:buFont typeface="+mj-lt"/>
+              <a:buAutoNum type="arabicPeriod"/>
+            </a:pPr>
+            <a:r>
+              <a:rPr lang="ru-RU" dirty="0"/>
+              <a:t>Затронем </a:t>
+            </a:r>
+            <a:r>
+              <a:rPr lang="en-US" dirty="0"/>
+              <a:t>ML </a:t>
+            </a:r>
+            <a:r>
+              <a:rPr lang="ru-RU" dirty="0"/>
+              <a:t>в проектах</a:t>
+            </a:r>
+          </a:p>
+          <a:p>
+            <a:pPr marL="514350" indent="-514350">
+              <a:buFont typeface="+mj-lt"/>
+              <a:buAutoNum type="arabicPeriod"/>
+            </a:pPr>
+            <a:r>
+              <a:rPr lang="ru-RU" dirty="0"/>
+              <a:t>Детализация задач</a:t>
+            </a:r>
+          </a:p>
+          <a:p>
+            <a:pPr marL="514350" indent="-514350">
+              <a:buFont typeface="+mj-lt"/>
+              <a:buAutoNum type="arabicPeriod"/>
+            </a:pPr>
+            <a:r>
+              <a:rPr lang="ru-RU" dirty="0"/>
+              <a:t>Инструменты для каждого из этапов (планирование</a:t>
+            </a:r>
+            <a:r>
+              <a:rPr lang="en-US" dirty="0"/>
+              <a:t>, </a:t>
+            </a:r>
+            <a:r>
+              <a:rPr lang="ru-RU" dirty="0"/>
+              <a:t>разработка</a:t>
+            </a:r>
+            <a:r>
+              <a:rPr lang="en-US" dirty="0"/>
+              <a:t>, </a:t>
+            </a:r>
+            <a:r>
+              <a:rPr lang="ru-RU" dirty="0"/>
+              <a:t>тестирование</a:t>
+            </a:r>
+            <a:r>
+              <a:rPr lang="en-US" dirty="0"/>
+              <a:t>, </a:t>
+            </a:r>
+            <a:r>
+              <a:rPr lang="ru-RU" dirty="0"/>
+              <a:t>инфраструктура</a:t>
+            </a:r>
+            <a:r>
+              <a:rPr lang="en-US" dirty="0"/>
+              <a:t>, </a:t>
+            </a:r>
+            <a:r>
+              <a:rPr lang="ru-RU" dirty="0" err="1"/>
+              <a:t>итп</a:t>
+            </a:r>
+            <a:r>
+              <a:rPr lang="ru-RU" dirty="0"/>
+              <a:t>)</a:t>
+            </a:r>
+          </a:p>
+        </p:txBody>
+      </p:sp>
+    </p:spTree>
+    <p:extLst>
+      <p:ext uri="{BB962C8B-B14F-4D97-AF65-F5344CB8AC3E}">
+        <p14:creationId xmlns:p14="http://schemas.microsoft.com/office/powerpoint/2010/main" val="3736800974"/>
+      </p:ext>
+    </p:extLst>
+  </p:cSld>
+  <p:clrMapOvr>
+    <a:masterClrMapping/>
+  </p:clrMapOvr>
+</p:sld>
+</file>
+
+<file path=ppt/slides/slide4.xml><?xml version="1.0" encoding="utf-8"?>
+<p:sld xmlns:a="http://schemas.openxmlformats.org/drawingml/2006/main" xmlns:r="http://schemas.openxmlformats.org/officeDocument/2006/relationships" xmlns:p="http://schemas.openxmlformats.org/presentationml/2006/main">
+  <p:cSld>
+    <p:spTree>
+      <p:nvGrpSpPr>
+        <p:cNvPr id="1" name=""/>
+        <p:cNvGrpSpPr/>
+        <p:nvPr/>
+      </p:nvGrpSpPr>
+      <p:grpSpPr>
+        <a:xfrm>
+          <a:off x="0" y="0"/>
+          <a:ext cx="0" cy="0"/>
+          <a:chOff x="0" y="0"/>
+          <a:chExt cx="0" cy="0"/>
+        </a:xfrm>
+      </p:grpSpPr>
+      <p:sp>
+        <p:nvSpPr>
+          <p:cNvPr id="2" name="Заголовок 1">
+            <a:extLst>
+              <a:ext uri="{FF2B5EF4-FFF2-40B4-BE49-F238E27FC236}">
+                <a16:creationId xmlns:a16="http://schemas.microsoft.com/office/drawing/2014/main" id="{A4886342-DA41-F782-73F3-679E1A3F90AB}"/>
+              </a:ext>
+            </a:extLst>
+          </p:cNvPr>
+          <p:cNvSpPr>
+            <a:spLocks noGrp="1"/>
+          </p:cNvSpPr>
+          <p:nvPr>
+            <p:ph type="title"/>
+          </p:nvPr>
+        </p:nvSpPr>
+        <p:spPr/>
+        <p:txBody>
+          <a:bodyPr/>
+          <a:lstStyle/>
+          <a:p>
+            <a:r>
+              <a:rPr lang="ru-RU" dirty="0"/>
+              <a:t>Проект это</a:t>
+            </a:r>
+            <a:r>
+              <a:rPr lang="en-US" dirty="0"/>
+              <a:t>…</a:t>
+            </a:r>
+            <a:endParaRPr lang="ru-RU" dirty="0"/>
+          </a:p>
+        </p:txBody>
+      </p:sp>
+      <p:sp>
+        <p:nvSpPr>
+          <p:cNvPr id="3" name="Объект 2">
+            <a:extLst>
+              <a:ext uri="{FF2B5EF4-FFF2-40B4-BE49-F238E27FC236}">
+                <a16:creationId xmlns:a16="http://schemas.microsoft.com/office/drawing/2014/main" id="{097D2C02-C6E1-DCEE-34AC-E18CB6208509}"/>
+              </a:ext>
+            </a:extLst>
+          </p:cNvPr>
+          <p:cNvSpPr>
+            <a:spLocks noGrp="1"/>
+          </p:cNvSpPr>
+          <p:nvPr>
+            <p:ph idx="1"/>
+          </p:nvPr>
+        </p:nvSpPr>
+        <p:spPr/>
+        <p:txBody>
+          <a:bodyPr/>
+          <a:lstStyle/>
+          <a:p>
+            <a:pPr marL="0" indent="0">
+              <a:buNone/>
+            </a:pPr>
+            <a:r>
+              <a:rPr lang="ru-RU" dirty="0"/>
+              <a:t>Проект — это комплекс действий, направленных на получение запланированного результата с учетом установленных сроков и ограниченных ресурсов.</a:t>
+            </a:r>
+          </a:p>
+          <a:p>
+            <a:pPr marL="0" indent="0">
+              <a:buNone/>
+            </a:pPr>
+            <a:endParaRPr lang="ru-RU" dirty="0"/>
+          </a:p>
+          <a:p>
+            <a:pPr marL="0" indent="0">
+              <a:buNone/>
+            </a:pPr>
+            <a:r>
+              <a:rPr lang="ru-RU" dirty="0"/>
+              <a:t>Что имеем в проекте</a:t>
+            </a:r>
+            <a:r>
+              <a:rPr lang="en-US" dirty="0"/>
+              <a:t>?</a:t>
+            </a:r>
+          </a:p>
+          <a:p>
+            <a:pPr marL="514350" indent="-514350">
+              <a:buAutoNum type="arabicPeriod"/>
+            </a:pPr>
+            <a:r>
+              <a:rPr lang="ru-RU" dirty="0"/>
+              <a:t>Цель</a:t>
+            </a:r>
+          </a:p>
+          <a:p>
+            <a:pPr marL="514350" indent="-514350">
+              <a:buAutoNum type="arabicPeriod"/>
+            </a:pPr>
+            <a:r>
+              <a:rPr lang="ru-RU" dirty="0"/>
+              <a:t>Сроки</a:t>
+            </a:r>
+          </a:p>
+          <a:p>
+            <a:pPr marL="514350" indent="-514350">
+              <a:buAutoNum type="arabicPeriod"/>
+            </a:pPr>
+            <a:r>
+              <a:rPr lang="ru-RU" dirty="0"/>
+              <a:t>Ресурсы</a:t>
+            </a:r>
+          </a:p>
+        </p:txBody>
+      </p:sp>
+    </p:spTree>
+    <p:extLst>
+      <p:ext uri="{BB962C8B-B14F-4D97-AF65-F5344CB8AC3E}">
+        <p14:creationId xmlns:p14="http://schemas.microsoft.com/office/powerpoint/2010/main" val="3228698761"/>
+      </p:ext>
+    </p:extLst>
+  </p:cSld>
+  <p:clrMapOvr>
+    <a:masterClrMapping/>
+  </p:clrMapOvr>
+</p:sld>
+</file>
+
 <file path=ppt/slides/slide5.xml><?xml version="1.0" encoding="utf-8"?>
 <p:sld xmlns:a="http://schemas.openxmlformats.org/drawingml/2006/main" xmlns:r="http://schemas.openxmlformats.org/officeDocument/2006/relationships" xmlns:p="http://schemas.openxmlformats.org/presentationml/2006/main">
   <p:cSld>
@@ -8113,146 +7926,6 @@
           <a:p>
             <a:r>
               <a:rPr lang="ru-RU" dirty="0"/>
-              <a:t>Проект это</a:t>
-            </a:r>
-            <a:r>
-              <a:rPr lang="en-US" dirty="0"/>
-              <a:t>…</a:t>
-            </a:r>
-            <a:endParaRPr lang="ru-RU" dirty="0"/>
-          </a:p>
-        </p:txBody>
-      </p:sp>
-      <p:sp>
-        <p:nvSpPr>
-          <p:cNvPr id="3" name="Объект 2">
-            <a:extLst>
-              <a:ext uri="{FF2B5EF4-FFF2-40B4-BE49-F238E27FC236}">
-                <a16:creationId xmlns:a16="http://schemas.microsoft.com/office/drawing/2014/main" id="{097D2C02-C6E1-DCEE-34AC-E18CB6208509}"/>
-              </a:ext>
-            </a:extLst>
-          </p:cNvPr>
-          <p:cNvSpPr>
-            <a:spLocks noGrp="1"/>
-          </p:cNvSpPr>
-          <p:nvPr>
-            <p:ph idx="1"/>
-          </p:nvPr>
-        </p:nvSpPr>
-        <p:spPr/>
-        <p:txBody>
-          <a:bodyPr/>
-          <a:lstStyle/>
-          <a:p>
-            <a:pPr marL="0" indent="0">
-              <a:buNone/>
-            </a:pPr>
-            <a:r>
-              <a:rPr lang="ru-RU" dirty="0"/>
-              <a:t>Проект — это комплекс действий, направленных на получение запланированного результата с учетом установленных сроков и ограниченных ресурсов.</a:t>
-            </a:r>
-          </a:p>
-          <a:p>
-            <a:pPr marL="0" indent="0">
-              <a:buNone/>
-            </a:pPr>
-            <a:endParaRPr lang="ru-RU" dirty="0"/>
-          </a:p>
-          <a:p>
-            <a:pPr marL="0" indent="0">
-              <a:buNone/>
-            </a:pPr>
-            <a:r>
-              <a:rPr lang="ru-RU" dirty="0"/>
-              <a:t>Что имеем в проекте</a:t>
-            </a:r>
-            <a:r>
-              <a:rPr lang="en-US" dirty="0"/>
-              <a:t>?</a:t>
-            </a:r>
-          </a:p>
-          <a:p>
-            <a:pPr marL="514350" indent="-514350">
-              <a:buAutoNum type="arabicPeriod"/>
-            </a:pPr>
-            <a:r>
-              <a:rPr lang="ru-RU" dirty="0"/>
-              <a:t>Цель</a:t>
-            </a:r>
-          </a:p>
-          <a:p>
-            <a:pPr marL="514350" indent="-514350">
-              <a:buAutoNum type="arabicPeriod"/>
-            </a:pPr>
-            <a:r>
-              <a:rPr lang="ru-RU" dirty="0"/>
-              <a:t>Сроки</a:t>
-            </a:r>
-          </a:p>
-          <a:p>
-            <a:pPr marL="514350" indent="-514350">
-              <a:buAutoNum type="arabicPeriod"/>
-            </a:pPr>
-            <a:r>
-              <a:rPr lang="ru-RU" dirty="0"/>
-              <a:t>Ресурсы</a:t>
-            </a:r>
-          </a:p>
-        </p:txBody>
-      </p:sp>
-    </p:spTree>
-    <p:extLst>
-      <p:ext uri="{BB962C8B-B14F-4D97-AF65-F5344CB8AC3E}">
-        <p14:creationId xmlns:p14="http://schemas.microsoft.com/office/powerpoint/2010/main" val="3228698761"/>
-      </p:ext>
-    </p:extLst>
-  </p:cSld>
-  <p:clrMapOvr>
-    <a:masterClrMapping/>
-  </p:clrMapOvr>
-</p:sld>
-</file>
-
-<file path=ppt/slides/slide6.xml><?xml version="1.0" encoding="utf-8"?>
-<p:sld xmlns:a="http://schemas.openxmlformats.org/drawingml/2006/main" xmlns:r="http://schemas.openxmlformats.org/officeDocument/2006/relationships" xmlns:p="http://schemas.openxmlformats.org/presentationml/2006/main">
-  <p:cSld>
-    <p:spTree>
-      <p:nvGrpSpPr>
-        <p:cNvPr id="1" name=""/>
-        <p:cNvGrpSpPr/>
-        <p:nvPr/>
-      </p:nvGrpSpPr>
-      <p:grpSpPr>
-        <a:xfrm>
-          <a:off x="0" y="0"/>
-          <a:ext cx="0" cy="0"/>
-          <a:chOff x="0" y="0"/>
-          <a:chExt cx="0" cy="0"/>
-        </a:xfrm>
-      </p:grpSpPr>
-      <p:sp>
-        <p:nvSpPr>
-          <p:cNvPr id="2" name="Заголовок 1">
-            <a:extLst>
-              <a:ext uri="{FF2B5EF4-FFF2-40B4-BE49-F238E27FC236}">
-                <a16:creationId xmlns:a16="http://schemas.microsoft.com/office/drawing/2014/main" id="{A4886342-DA41-F782-73F3-679E1A3F90AB}"/>
-              </a:ext>
-            </a:extLst>
-          </p:cNvPr>
-          <p:cNvSpPr>
-            <a:spLocks noGrp="1"/>
-          </p:cNvSpPr>
-          <p:nvPr>
-            <p:ph type="title"/>
-          </p:nvPr>
-        </p:nvSpPr>
-        <p:spPr/>
-        <p:txBody>
-          <a:bodyPr/>
-          <a:lstStyle/>
-          <a:p>
-            <a:r>
-              <a:rPr lang="ru-RU" dirty="0"/>
               <a:t>Тогда проектное управление это</a:t>
             </a:r>
             <a:r>
@@ -8322,7 +7995,7 @@
 </p:sld>
 </file>
 
-<file path=ppt/slides/slide7.xml><?xml version="1.0" encoding="utf-8"?>
+<file path=ppt/slides/slide6.xml><?xml version="1.0" encoding="utf-8"?>
 <p:sld xmlns:a="http://schemas.openxmlformats.org/drawingml/2006/main" xmlns:r="http://schemas.openxmlformats.org/officeDocument/2006/relationships" xmlns:p="http://schemas.openxmlformats.org/presentationml/2006/main">
   <p:cSld>
     <p:spTree>
@@ -8429,6 +8102,171 @@
 </p:sld>
 </file>
 
+<file path=ppt/slides/slide7.xml><?xml version="1.0" encoding="utf-8"?>
+<p:sld xmlns:a="http://schemas.openxmlformats.org/drawingml/2006/main" xmlns:r="http://schemas.openxmlformats.org/officeDocument/2006/relationships" xmlns:p="http://schemas.openxmlformats.org/presentationml/2006/main">
+  <p:cSld>
+    <p:spTree>
+      <p:nvGrpSpPr>
+        <p:cNvPr id="1" name=""/>
+        <p:cNvGrpSpPr/>
+        <p:nvPr/>
+      </p:nvGrpSpPr>
+      <p:grpSpPr>
+        <a:xfrm>
+          <a:off x="0" y="0"/>
+          <a:ext cx="0" cy="0"/>
+          <a:chOff x="0" y="0"/>
+          <a:chExt cx="0" cy="0"/>
+        </a:xfrm>
+      </p:grpSpPr>
+      <p:sp>
+        <p:nvSpPr>
+          <p:cNvPr id="2" name="Заголовок 1">
+            <a:extLst>
+              <a:ext uri="{FF2B5EF4-FFF2-40B4-BE49-F238E27FC236}">
+                <a16:creationId xmlns:a16="http://schemas.microsoft.com/office/drawing/2014/main" id="{C6B4FE9E-6929-B5FE-6CED-16DB66278FA5}"/>
+              </a:ext>
+            </a:extLst>
+          </p:cNvPr>
+          <p:cNvSpPr>
+            <a:spLocks noGrp="1"/>
+          </p:cNvSpPr>
+          <p:nvPr>
+            <p:ph type="title"/>
+          </p:nvPr>
+        </p:nvSpPr>
+        <p:spPr/>
+        <p:txBody>
+          <a:bodyPr/>
+          <a:lstStyle/>
+          <a:p>
+            <a:r>
+              <a:rPr lang="ru-RU" dirty="0"/>
+              <a:t>Этап 1 – инициация </a:t>
+            </a:r>
+          </a:p>
+        </p:txBody>
+      </p:sp>
+      <p:sp>
+        <p:nvSpPr>
+          <p:cNvPr id="3" name="Объект 2">
+            <a:extLst>
+              <a:ext uri="{FF2B5EF4-FFF2-40B4-BE49-F238E27FC236}">
+                <a16:creationId xmlns:a16="http://schemas.microsoft.com/office/drawing/2014/main" id="{243BE728-A002-4172-0AD9-94A427626E99}"/>
+              </a:ext>
+            </a:extLst>
+          </p:cNvPr>
+          <p:cNvSpPr>
+            <a:spLocks noGrp="1"/>
+          </p:cNvSpPr>
+          <p:nvPr>
+            <p:ph idx="1"/>
+          </p:nvPr>
+        </p:nvSpPr>
+        <p:spPr/>
+        <p:txBody>
+          <a:bodyPr/>
+          <a:lstStyle/>
+          <a:p>
+            <a:pPr marL="0" indent="0">
+              <a:buNone/>
+            </a:pPr>
+            <a:r>
+              <a:rPr lang="ru-RU" dirty="0"/>
+              <a:t>Суть этого этапа</a:t>
+            </a:r>
+            <a:r>
+              <a:rPr lang="en-US" dirty="0"/>
+              <a:t>:</a:t>
+            </a:r>
+          </a:p>
+          <a:p>
+            <a:pPr marL="514350" indent="-514350">
+              <a:buAutoNum type="arabicPeriod"/>
+            </a:pPr>
+            <a:r>
+              <a:rPr lang="ru-RU" dirty="0"/>
+              <a:t>Определить общую идею</a:t>
+            </a:r>
+            <a:r>
+              <a:rPr lang="en-US" dirty="0"/>
+              <a:t>/</a:t>
+            </a:r>
+            <a:r>
+              <a:rPr lang="ru-RU" dirty="0"/>
+              <a:t>концепцию</a:t>
+            </a:r>
+            <a:r>
+              <a:rPr lang="en-US" dirty="0"/>
+              <a:t>/</a:t>
+            </a:r>
+            <a:r>
+              <a:rPr lang="ru-RU" dirty="0"/>
+              <a:t>цели</a:t>
+            </a:r>
+            <a:r>
+              <a:rPr lang="en-US" dirty="0"/>
+              <a:t>/</a:t>
+            </a:r>
+            <a:r>
+              <a:rPr lang="ru-RU" dirty="0"/>
+              <a:t>участников</a:t>
+            </a:r>
+          </a:p>
+          <a:p>
+            <a:pPr marL="514350" indent="-514350">
+              <a:buAutoNum type="arabicPeriod"/>
+            </a:pPr>
+            <a:r>
+              <a:rPr lang="ru-RU" dirty="0"/>
+              <a:t>Формируем первоначальные требования к проекту</a:t>
+            </a:r>
+          </a:p>
+          <a:p>
+            <a:pPr marL="514350" indent="-514350">
+              <a:buAutoNum type="arabicPeriod"/>
+            </a:pPr>
+            <a:r>
+              <a:rPr lang="ru-RU" dirty="0"/>
+              <a:t>Оценка целесообразности проекта</a:t>
+            </a:r>
+          </a:p>
+          <a:p>
+            <a:pPr marL="514350" indent="-514350">
+              <a:buAutoNum type="arabicPeriod"/>
+            </a:pPr>
+            <a:r>
+              <a:rPr lang="ru-RU" dirty="0"/>
+              <a:t>Определение ресурсов</a:t>
+            </a:r>
+          </a:p>
+          <a:p>
+            <a:pPr marL="514350" indent="-514350">
+              <a:buAutoNum type="arabicPeriod"/>
+            </a:pPr>
+            <a:endParaRPr lang="ru-RU" dirty="0"/>
+          </a:p>
+          <a:p>
+            <a:pPr marL="514350" indent="-514350">
+              <a:buAutoNum type="arabicPeriod"/>
+            </a:pPr>
+            <a:endParaRPr lang="ru-RU" dirty="0"/>
+          </a:p>
+        </p:txBody>
+      </p:sp>
+    </p:spTree>
+    <p:extLst>
+      <p:ext uri="{BB962C8B-B14F-4D97-AF65-F5344CB8AC3E}">
+        <p14:creationId xmlns:p14="http://schemas.microsoft.com/office/powerpoint/2010/main" val="375206928"/>
+      </p:ext>
+    </p:extLst>
+  </p:cSld>
+  <p:clrMapOvr>
+    <a:masterClrMapping/>
+  </p:clrMapOvr>
+</p:sld>
+</file>
+
 <file path=ppt/slides/slide8.xml><?xml version="1.0" encoding="utf-8"?>
 <p:sld xmlns:a="http://schemas.openxmlformats.org/drawingml/2006/main" xmlns:r="http://schemas.openxmlformats.org/officeDocument/2006/relationships" xmlns:p="http://schemas.openxmlformats.org/presentationml/2006/main">
   <p:cSld>
@@ -8469,7 +8307,7 @@
           <a:p>
             <a:r>
               <a:rPr lang="ru-RU" dirty="0"/>
-              <a:t>Этап 1 – инициация </a:t>
+              <a:t>Этап 2 – управление командой проекта </a:t>
             </a:r>
           </a:p>
         </p:txBody>
@@ -8500,7 +8338,31 @@
             </a:pPr>
             <a:r>
               <a:rPr lang="ru-RU" dirty="0"/>
-              <a:t>Суть этого этапа</a:t>
+              <a:t>Суть этапа заключается в определении ресурсов и распределения обязанностей</a:t>
+            </a:r>
+            <a:r>
+              <a:rPr lang="en-US" dirty="0"/>
+              <a:t>, </a:t>
+            </a:r>
+            <a:r>
+              <a:rPr lang="ru-RU" dirty="0"/>
+              <a:t>основной </a:t>
+            </a:r>
+            <a:r>
+              <a:rPr lang="ru-RU" dirty="0" err="1"/>
+              <a:t>пулл</a:t>
+            </a:r>
+            <a:r>
+              <a:rPr lang="ru-RU" dirty="0"/>
+              <a:t> вопросов</a:t>
+            </a:r>
+            <a:r>
+              <a:rPr lang="en-US" dirty="0"/>
+              <a:t>, </a:t>
+            </a:r>
+            <a:r>
+              <a:rPr lang="ru-RU" dirty="0"/>
+              <a:t>который закрывает этот этап</a:t>
             </a:r>
             <a:r>
               <a:rPr lang="en-US" dirty="0"/>
@@ -8513,7 +8375,23 @@
             </a:pPr>
             <a:r>
               <a:rPr lang="ru-RU" dirty="0"/>
-              <a:t>Определить общую идею</a:t>
+              <a:t>Кто управляет проектом</a:t>
+            </a:r>
+            <a:r>
+              <a:rPr lang="en-US" dirty="0"/>
+              <a:t>? </a:t>
+            </a:r>
+            <a:r>
+              <a:rPr lang="ru-RU" dirty="0"/>
+              <a:t>Кто выполняет задачи</a:t>
+            </a:r>
+            <a:r>
+              <a:rPr lang="en-US" dirty="0"/>
+              <a:t>? </a:t>
+            </a:r>
+            <a:r>
+              <a:rPr lang="ru-RU" dirty="0"/>
+              <a:t>Кто тестирует (определение ролей</a:t>
             </a:r>
             <a:r>
               <a:rPr lang="en-US" dirty="0"/>
@@ -8521,7 +8399,16 @@
             </a:r>
             <a:r>
               <a:rPr lang="ru-RU" dirty="0"/>
-              <a:t>концепцию</a:t>
+              <a:t>распределение обязанностей)</a:t>
+            </a:r>
+          </a:p>
+          <a:p>
+            <a:pPr marL="514350" indent="-514350">
+              <a:buAutoNum type="arabicPeriod"/>
+            </a:pPr>
+            <a:r>
+              <a:rPr lang="ru-RU" dirty="0"/>
+              <a:t>Организация рабочего процесса (собрания</a:t>
             </a:r>
             <a:r>
               <a:rPr lang="en-US" dirty="0"/>
@@ -8529,15 +8416,15 @@
             </a:r>
             <a:r>
               <a:rPr lang="ru-RU" dirty="0"/>
-              <a:t>цели</a:t>
-            </a:r>
-            <a:r>
-              <a:rPr lang="en-US" dirty="0"/>
-              <a:t>/</a:t>
-            </a:r>
-            <a:r>
-              <a:rPr lang="ru-RU" dirty="0"/>
-              <a:t>участников</a:t>
+              <a:t>коммуникация </a:t>
+            </a:r>
+            <a:r>
+              <a:rPr lang="ru-RU" dirty="0" err="1"/>
+              <a:t>итп</a:t>
+            </a:r>
+            <a:r>
+              <a:rPr lang="ru-RU" dirty="0"/>
+              <a:t>)</a:t>
             </a:r>
           </a:p>
           <a:p>
@@ -8546,32 +8433,12 @@
             </a:pPr>
             <a:r>
               <a:rPr lang="ru-RU" dirty="0"/>
-              <a:t>Формируем первоначальные требования к проекту</a:t>
-            </a:r>
-          </a:p>
-          <a:p>
-            <a:pPr marL="514350" indent="-514350">
-              <a:buAutoNum type="arabicPeriod"/>
-            </a:pPr>
-            <a:r>
-              <a:rPr lang="ru-RU" dirty="0"/>
-              <a:t>Оценка целесообразности проекта</a:t>
-            </a:r>
-          </a:p>
-          <a:p>
-            <a:pPr marL="514350" indent="-514350">
-              <a:buAutoNum type="arabicPeriod"/>
-            </a:pPr>
-            <a:r>
-              <a:rPr lang="ru-RU" dirty="0"/>
-              <a:t>Определение ресурсов</a:t>
-            </a:r>
-          </a:p>
-          <a:p>
-            <a:pPr marL="514350" indent="-514350">
-              <a:buAutoNum type="arabicPeriod"/>
-            </a:pPr>
-            <a:endParaRPr lang="ru-RU" dirty="0"/>
+              <a:t>Что будем использовать для решения задач</a:t>
+            </a:r>
+            <a:r>
+              <a:rPr lang="en-US" dirty="0"/>
+              <a:t>?</a:t>
+            </a:r>
           </a:p>
           <a:p>
             <a:pPr marL="514350" indent="-514350">
@@ -8584,7 +8451,7 @@
     </p:spTree>
     <p:extLst>
       <p:ext uri="{BB962C8B-B14F-4D97-AF65-F5344CB8AC3E}">
-        <p14:creationId xmlns:p14="http://schemas.microsoft.com/office/powerpoint/2010/main" val="375206928"/>
+        <p14:creationId xmlns:p14="http://schemas.microsoft.com/office/powerpoint/2010/main" val="2192318724"/>
       </p:ext>
     </p:extLst>
   </p:cSld>
@@ -8634,7 +8501,7 @@
           <a:p>
             <a:r>
               <a:rPr lang="ru-RU" dirty="0"/>
-              <a:t>Этап 2 – управление командой проекта </a:t>
+              <a:t>Этап 3 – контроль стадий</a:t>
             </a:r>
           </a:p>
         </p:txBody>
@@ -8665,7 +8532,29 @@
             </a:pPr>
             <a:r>
               <a:rPr lang="ru-RU" dirty="0"/>
-              <a:t>Суть этапа заключается в определении ресурсов и распределения обязанностей</a:t>
+              <a:t>На этапом этапе</a:t>
+            </a:r>
+            <a:r>
+              <a:rPr lang="en-US" dirty="0"/>
+              <a:t>:</a:t>
+            </a:r>
+          </a:p>
+          <a:p>
+            <a:pPr marL="514350" indent="-514350">
+              <a:buAutoNum type="arabicPeriod"/>
+            </a:pPr>
+            <a:r>
+              <a:rPr lang="ru-RU" dirty="0"/>
+              <a:t>Проверка прогресса работ (задачи выполняются вовремя и в рамках бюджета)</a:t>
+            </a:r>
+          </a:p>
+          <a:p>
+            <a:pPr marL="514350" indent="-514350">
+              <a:buAutoNum type="arabicPeriod"/>
+            </a:pPr>
+            <a:r>
+              <a:rPr lang="ru-RU" dirty="0"/>
+              <a:t>Риск менеджмент</a:t>
             </a:r>
             <a:r>
               <a:rPr lang="en-US" dirty="0"/>
@@ -8673,98 +8562,7 @@
             </a:r>
             <a:r>
               <a:rPr lang="ru-RU" dirty="0"/>
-              <a:t>основной </a:t>
-            </a:r>
-            <a:r>
-              <a:rPr lang="ru-RU" dirty="0" err="1"/>
-              <a:t>пулл</a:t>
-            </a:r>
-            <a:r>
-              <a:rPr lang="ru-RU" dirty="0"/>
-              <a:t> вопросов</a:t>
-            </a:r>
-            <a:r>
-              <a:rPr lang="en-US" dirty="0"/>
-              <a:t>, </a:t>
-            </a:r>
-            <a:r>
-              <a:rPr lang="ru-RU" dirty="0"/>
-              <a:t>который закрывает этот этап</a:t>
-            </a:r>
-            <a:r>
-              <a:rPr lang="en-US" dirty="0"/>
-              <a:t>:</a:t>
-            </a:r>
-          </a:p>
-          <a:p>
-            <a:pPr marL="514350" indent="-514350">
-              <a:buAutoNum type="arabicPeriod"/>
-            </a:pPr>
-            <a:r>
-              <a:rPr lang="ru-RU" dirty="0"/>
-              <a:t>Кто управляет проектом</a:t>
-            </a:r>
-            <a:r>
-              <a:rPr lang="en-US" dirty="0"/>
-              <a:t>? </a:t>
-            </a:r>
-            <a:r>
-              <a:rPr lang="ru-RU" dirty="0"/>
-              <a:t>Кто выполняет задачи</a:t>
-            </a:r>
-            <a:r>
-              <a:rPr lang="en-US" dirty="0"/>
-              <a:t>? </a:t>
-            </a:r>
-            <a:r>
-              <a:rPr lang="ru-RU" dirty="0"/>
-              <a:t>Кто тестирует (определение ролей</a:t>
-            </a:r>
-            <a:r>
-              <a:rPr lang="en-US" dirty="0"/>
-              <a:t>/</a:t>
-            </a:r>
-            <a:r>
-              <a:rPr lang="ru-RU" dirty="0"/>
-              <a:t>распределение обязанностей)</a:t>
-            </a:r>
-          </a:p>
-          <a:p>
-            <a:pPr marL="514350" indent="-514350">
-              <a:buAutoNum type="arabicPeriod"/>
-            </a:pPr>
-            <a:r>
-              <a:rPr lang="ru-RU" dirty="0"/>
-              <a:t>Организация рабочего процесса (собрания</a:t>
-            </a:r>
-            <a:r>
-              <a:rPr lang="en-US" dirty="0"/>
-              <a:t>/</a:t>
-            </a:r>
-            <a:r>
-              <a:rPr lang="ru-RU" dirty="0"/>
-              <a:t>коммуникация </a:t>
-            </a:r>
-            <a:r>
-              <a:rPr lang="ru-RU" dirty="0" err="1"/>
-              <a:t>итп</a:t>
-            </a:r>
-            <a:r>
-              <a:rPr lang="ru-RU" dirty="0"/>
-              <a:t>)</a:t>
-            </a:r>
-          </a:p>
-          <a:p>
-            <a:pPr marL="514350" indent="-514350">
-              <a:buAutoNum type="arabicPeriod"/>
-            </a:pPr>
-            <a:r>
-              <a:rPr lang="ru-RU" dirty="0"/>
-              <a:t>Что будем использовать для решения задач</a:t>
-            </a:r>
-            <a:r>
-              <a:rPr lang="en-US" dirty="0"/>
-              <a:t>?</a:t>
+              <a:t>контроль плана</a:t>
             </a:r>
           </a:p>
           <a:p>
@@ -8778,7 +8576,7 @@
     </p:spTree>
     <p:extLst>
       <p:ext uri="{BB962C8B-B14F-4D97-AF65-F5344CB8AC3E}">
-        <p14:creationId xmlns:p14="http://schemas.microsoft.com/office/powerpoint/2010/main" val="2192318724"/>
+        <p14:creationId xmlns:p14="http://schemas.microsoft.com/office/powerpoint/2010/main" val="2257779272"/>
       </p:ext>
     </p:extLst>
   </p:cSld>
